--- a/datafiles/help/REM.pptx
+++ b/datafiles/help/REM.pptx
@@ -1,32 +1,32 @@
 
 <file path=ppt/presentation.xml><?xml version="1.0" encoding="utf-8"?>
-<p:presentation xmlns:a="http://schemas.openxmlformats.org/drawingml/2006/main" xmlns:r="http://schemas.openxmlformats.org/officeDocument/2006/relationships" xmlns:mc="http://schemas.openxmlformats.org/markup-compatibility/2006" xmlns:mv="urn:schemas-microsoft-com:mac:vml" xmlns:p="http://schemas.openxmlformats.org/presentationml/2006/main" xmlns:c="http://schemas.openxmlformats.org/drawingml/2006/chart" xmlns:dgm="http://schemas.openxmlformats.org/drawingml/2006/diagram" xmlns:o="urn:schemas-microsoft-com:office:office" xmlns:v="urn:schemas-microsoft-com:vml" xmlns:pvml="urn:schemas-microsoft-com:office:powerpoint" xmlns:com="http://schemas.openxmlformats.org/drawingml/2006/compatibility" xmlns:p14="http://schemas.microsoft.com/office/powerpoint/2010/main" xmlns:p15="http://schemas.microsoft.com/office/powerpoint/2012/main" xmlns:ahyp="http://schemas.microsoft.com/office/drawing/2018/hyperlinkcolor" autoCompressPictures="0" strictFirstAndLastChars="0" saveSubsetFonts="1">
+<p:presentation xmlns:a="http://schemas.openxmlformats.org/drawingml/2006/main" xmlns:r="http://schemas.openxmlformats.org/officeDocument/2006/relationships" xmlns:p="http://schemas.openxmlformats.org/presentationml/2006/main" strictFirstAndLastChars="0" saveSubsetFonts="1" autoCompressPictures="0">
   <p:sldMasterIdLst>
-    <p:sldMasterId id="2147483659" r:id="rId4"/>
+    <p:sldMasterId id="2147483659" r:id="rId1"/>
   </p:sldMasterIdLst>
   <p:notesMasterIdLst>
-    <p:notesMasterId r:id="rId5"/>
+    <p:notesMasterId r:id="rId16"/>
   </p:notesMasterIdLst>
   <p:sldIdLst>
-    <p:sldId id="256" r:id="rId6"/>
-    <p:sldId id="257" r:id="rId7"/>
-    <p:sldId id="258" r:id="rId8"/>
-    <p:sldId id="259" r:id="rId9"/>
-    <p:sldId id="260" r:id="rId10"/>
-    <p:sldId id="261" r:id="rId11"/>
-    <p:sldId id="262" r:id="rId12"/>
-    <p:sldId id="263" r:id="rId13"/>
-    <p:sldId id="264" r:id="rId14"/>
-    <p:sldId id="265" r:id="rId15"/>
-    <p:sldId id="266" r:id="rId16"/>
-    <p:sldId id="267" r:id="rId17"/>
-    <p:sldId id="268" r:id="rId18"/>
-    <p:sldId id="269" r:id="rId19"/>
+    <p:sldId id="256" r:id="rId2"/>
+    <p:sldId id="257" r:id="rId3"/>
+    <p:sldId id="258" r:id="rId4"/>
+    <p:sldId id="259" r:id="rId5"/>
+    <p:sldId id="260" r:id="rId6"/>
+    <p:sldId id="261" r:id="rId7"/>
+    <p:sldId id="262" r:id="rId8"/>
+    <p:sldId id="263" r:id="rId9"/>
+    <p:sldId id="264" r:id="rId10"/>
+    <p:sldId id="265" r:id="rId11"/>
+    <p:sldId id="266" r:id="rId12"/>
+    <p:sldId id="267" r:id="rId13"/>
+    <p:sldId id="268" r:id="rId14"/>
+    <p:sldId id="269" r:id="rId15"/>
   </p:sldIdLst>
-  <p:sldSz cy="5143500" cx="9144000"/>
+  <p:sldSz cx="9144000" cy="5143500" type="screen16x9"/>
   <p:notesSz cx="6858000" cy="9144000"/>
   <p:defaultTextStyle>
-    <a:defPPr lvl="0" marR="0" rtl="0" algn="l">
+    <a:defPPr marR="0" lvl="0" algn="l" rtl="0">
       <a:lnSpc>
         <a:spcPct val="100000"/>
       </a:lnSpc>
@@ -37,7 +37,7 @@
         <a:spcPts val="0"/>
       </a:spcAft>
     </a:defPPr>
-    <a:lvl1pPr lvl="0" marR="0" rtl="0" algn="l">
+    <a:lvl1pPr marR="0" lvl="0" algn="l" rtl="0">
       <a:lnSpc>
         <a:spcPct val="100000"/>
       </a:lnSpc>
@@ -51,7 +51,7 @@
         <a:srgbClr val="000000"/>
       </a:buClr>
       <a:buFont typeface="Arial"/>
-      <a:defRPr b="0" i="0" sz="1400" u="none" cap="none" strike="noStrike">
+      <a:defRPr sz="1400" b="0" i="0" u="none" strike="noStrike" cap="none">
         <a:solidFill>
           <a:srgbClr val="000000"/>
         </a:solidFill>
@@ -61,7 +61,7 @@
         <a:sym typeface="Arial"/>
       </a:defRPr>
     </a:lvl1pPr>
-    <a:lvl2pPr lvl="1" marR="0" rtl="0" algn="l">
+    <a:lvl2pPr marR="0" lvl="1" algn="l" rtl="0">
       <a:lnSpc>
         <a:spcPct val="100000"/>
       </a:lnSpc>
@@ -75,7 +75,7 @@
         <a:srgbClr val="000000"/>
       </a:buClr>
       <a:buFont typeface="Arial"/>
-      <a:defRPr b="0" i="0" sz="1400" u="none" cap="none" strike="noStrike">
+      <a:defRPr sz="1400" b="0" i="0" u="none" strike="noStrike" cap="none">
         <a:solidFill>
           <a:srgbClr val="000000"/>
         </a:solidFill>
@@ -85,7 +85,7 @@
         <a:sym typeface="Arial"/>
       </a:defRPr>
     </a:lvl2pPr>
-    <a:lvl3pPr lvl="2" marR="0" rtl="0" algn="l">
+    <a:lvl3pPr marR="0" lvl="2" algn="l" rtl="0">
       <a:lnSpc>
         <a:spcPct val="100000"/>
       </a:lnSpc>
@@ -99,7 +99,7 @@
         <a:srgbClr val="000000"/>
       </a:buClr>
       <a:buFont typeface="Arial"/>
-      <a:defRPr b="0" i="0" sz="1400" u="none" cap="none" strike="noStrike">
+      <a:defRPr sz="1400" b="0" i="0" u="none" strike="noStrike" cap="none">
         <a:solidFill>
           <a:srgbClr val="000000"/>
         </a:solidFill>
@@ -109,7 +109,7 @@
         <a:sym typeface="Arial"/>
       </a:defRPr>
     </a:lvl3pPr>
-    <a:lvl4pPr lvl="3" marR="0" rtl="0" algn="l">
+    <a:lvl4pPr marR="0" lvl="3" algn="l" rtl="0">
       <a:lnSpc>
         <a:spcPct val="100000"/>
       </a:lnSpc>
@@ -123,7 +123,7 @@
         <a:srgbClr val="000000"/>
       </a:buClr>
       <a:buFont typeface="Arial"/>
-      <a:defRPr b="0" i="0" sz="1400" u="none" cap="none" strike="noStrike">
+      <a:defRPr sz="1400" b="0" i="0" u="none" strike="noStrike" cap="none">
         <a:solidFill>
           <a:srgbClr val="000000"/>
         </a:solidFill>
@@ -133,7 +133,7 @@
         <a:sym typeface="Arial"/>
       </a:defRPr>
     </a:lvl4pPr>
-    <a:lvl5pPr lvl="4" marR="0" rtl="0" algn="l">
+    <a:lvl5pPr marR="0" lvl="4" algn="l" rtl="0">
       <a:lnSpc>
         <a:spcPct val="100000"/>
       </a:lnSpc>
@@ -147,7 +147,7 @@
         <a:srgbClr val="000000"/>
       </a:buClr>
       <a:buFont typeface="Arial"/>
-      <a:defRPr b="0" i="0" sz="1400" u="none" cap="none" strike="noStrike">
+      <a:defRPr sz="1400" b="0" i="0" u="none" strike="noStrike" cap="none">
         <a:solidFill>
           <a:srgbClr val="000000"/>
         </a:solidFill>
@@ -157,7 +157,7 @@
         <a:sym typeface="Arial"/>
       </a:defRPr>
     </a:lvl5pPr>
-    <a:lvl6pPr lvl="5" marR="0" rtl="0" algn="l">
+    <a:lvl6pPr marR="0" lvl="5" algn="l" rtl="0">
       <a:lnSpc>
         <a:spcPct val="100000"/>
       </a:lnSpc>
@@ -171,7 +171,7 @@
         <a:srgbClr val="000000"/>
       </a:buClr>
       <a:buFont typeface="Arial"/>
-      <a:defRPr b="0" i="0" sz="1400" u="none" cap="none" strike="noStrike">
+      <a:defRPr sz="1400" b="0" i="0" u="none" strike="noStrike" cap="none">
         <a:solidFill>
           <a:srgbClr val="000000"/>
         </a:solidFill>
@@ -181,7 +181,7 @@
         <a:sym typeface="Arial"/>
       </a:defRPr>
     </a:lvl6pPr>
-    <a:lvl7pPr lvl="6" marR="0" rtl="0" algn="l">
+    <a:lvl7pPr marR="0" lvl="6" algn="l" rtl="0">
       <a:lnSpc>
         <a:spcPct val="100000"/>
       </a:lnSpc>
@@ -195,7 +195,7 @@
         <a:srgbClr val="000000"/>
       </a:buClr>
       <a:buFont typeface="Arial"/>
-      <a:defRPr b="0" i="0" sz="1400" u="none" cap="none" strike="noStrike">
+      <a:defRPr sz="1400" b="0" i="0" u="none" strike="noStrike" cap="none">
         <a:solidFill>
           <a:srgbClr val="000000"/>
         </a:solidFill>
@@ -205,7 +205,7 @@
         <a:sym typeface="Arial"/>
       </a:defRPr>
     </a:lvl7pPr>
-    <a:lvl8pPr lvl="7" marR="0" rtl="0" algn="l">
+    <a:lvl8pPr marR="0" lvl="7" algn="l" rtl="0">
       <a:lnSpc>
         <a:spcPct val="100000"/>
       </a:lnSpc>
@@ -219,7 +219,7 @@
         <a:srgbClr val="000000"/>
       </a:buClr>
       <a:buFont typeface="Arial"/>
-      <a:defRPr b="0" i="0" sz="1400" u="none" cap="none" strike="noStrike">
+      <a:defRPr sz="1400" b="0" i="0" u="none" strike="noStrike" cap="none">
         <a:solidFill>
           <a:srgbClr val="000000"/>
         </a:solidFill>
@@ -229,7 +229,7 @@
         <a:sym typeface="Arial"/>
       </a:defRPr>
     </a:lvl8pPr>
-    <a:lvl9pPr lvl="8" marR="0" rtl="0" algn="l">
+    <a:lvl9pPr marR="0" lvl="8" algn="l" rtl="0">
       <a:lnSpc>
         <a:spcPct val="100000"/>
       </a:lnSpc>
@@ -243,7 +243,7 @@
         <a:srgbClr val="000000"/>
       </a:buClr>
       <a:buFont typeface="Arial"/>
-      <a:defRPr b="0" i="0" sz="1400" u="none" cap="none" strike="noStrike">
+      <a:defRPr sz="1400" b="0" i="0" u="none" strike="noStrike" cap="none">
         <a:solidFill>
           <a:srgbClr val="000000"/>
         </a:solidFill>
@@ -256,7 +256,7 @@
   </p:defaultTextStyle>
   <p:extLst>
     <p:ext uri="{EFAFB233-063F-42B5-8137-9DF3F51BA10A}">
-      <p15:sldGuideLst>
+      <p15:sldGuideLst xmlns:p15="http://schemas.microsoft.com/office/powerpoint/2012/main">
         <p15:guide id="1" orient="horz" pos="1620">
           <p15:clr>
             <a:srgbClr val="A4A3A4"/>
@@ -274,11 +274,16 @@
 </file>
 
 <file path=ppt/notesMasters/notesMaster1.xml><?xml version="1.0" encoding="utf-8"?>
-<p:notesMaster xmlns:a="http://schemas.openxmlformats.org/drawingml/2006/main" xmlns:r="http://schemas.openxmlformats.org/officeDocument/2006/relationships" xmlns:mc="http://schemas.openxmlformats.org/markup-compatibility/2006" xmlns:mv="urn:schemas-microsoft-com:mac:vml" xmlns:p="http://schemas.openxmlformats.org/presentationml/2006/main" xmlns:c="http://schemas.openxmlformats.org/drawingml/2006/chart" xmlns:dgm="http://schemas.openxmlformats.org/drawingml/2006/diagram" xmlns:o="urn:schemas-microsoft-com:office:office" xmlns:v="urn:schemas-microsoft-com:vml" xmlns:pvml="urn:schemas-microsoft-com:office:powerpoint" xmlns:com="http://schemas.openxmlformats.org/drawingml/2006/compatibility" xmlns:p14="http://schemas.microsoft.com/office/powerpoint/2010/main" xmlns:p15="http://schemas.microsoft.com/office/powerpoint/2012/main" xmlns:ahyp="http://schemas.microsoft.com/office/drawing/2018/hyperlinkcolor">
+<p:notesMaster xmlns:a="http://schemas.openxmlformats.org/drawingml/2006/main" xmlns:r="http://schemas.openxmlformats.org/officeDocument/2006/relationships" xmlns:p="http://schemas.openxmlformats.org/presentationml/2006/main">
   <p:cSld>
+    <p:bg>
+      <p:bgRef idx="1001">
+        <a:schemeClr val="bg1"/>
+      </p:bgRef>
+    </p:bg>
     <p:spTree>
       <p:nvGrpSpPr>
-        <p:cNvPr id="2" name="Shape 2"/>
+        <p:cNvPr id="1" name="Shape 2"/>
         <p:cNvGrpSpPr/>
         <p:nvPr/>
       </p:nvGrpSpPr>
@@ -293,9 +298,11 @@
       <p:sp>
         <p:nvSpPr>
           <p:cNvPr id="3" name="Google Shape;3;n"/>
-          <p:cNvSpPr/>
+          <p:cNvSpPr>
+            <a:spLocks noGrp="1" noRot="1" noChangeAspect="1"/>
+          </p:cNvSpPr>
           <p:nvPr>
-            <p:ph idx="2" type="sldImg"/>
+            <p:ph type="sldImg" idx="2"/>
           </p:nvPr>
         </p:nvSpPr>
         <p:spPr>
@@ -304,9 +311,13 @@
             <a:ext cx="6096075" cy="3429000"/>
           </a:xfrm>
           <a:custGeom>
-            <a:rect b="b" l="l" r="r" t="t"/>
+            <a:avLst/>
+            <a:gdLst/>
+            <a:ahLst/>
+            <a:cxnLst/>
+            <a:rect l="l" t="t" r="r" b="b"/>
             <a:pathLst>
-              <a:path extrusionOk="0" h="120000" w="120000">
+              <a:path w="120000" h="120000" extrusionOk="0">
                 <a:moveTo>
                   <a:pt x="0" y="0"/>
                 </a:moveTo>
@@ -324,23 +335,25 @@
             </a:pathLst>
           </a:custGeom>
           <a:noFill/>
-          <a:ln cap="flat" cmpd="sng" w="9525">
+          <a:ln w="9525" cap="flat" cmpd="sng">
             <a:solidFill>
               <a:srgbClr val="000000"/>
             </a:solidFill>
             <a:prstDash val="solid"/>
             <a:round/>
-            <a:headEnd len="sm" w="sm" type="none"/>
-            <a:tailEnd len="sm" w="sm" type="none"/>
+            <a:headEnd type="none" w="sm" len="sm"/>
+            <a:tailEnd type="none" w="sm" len="sm"/>
           </a:ln>
         </p:spPr>
       </p:sp>
       <p:sp>
         <p:nvSpPr>
           <p:cNvPr id="4" name="Google Shape;4;n"/>
-          <p:cNvSpPr txBox="1"/>
+          <p:cNvSpPr txBox="1">
+            <a:spLocks noGrp="1"/>
+          </p:cNvSpPr>
           <p:nvPr>
-            <p:ph idx="1" type="body"/>
+            <p:ph type="body" idx="1"/>
           </p:nvPr>
         </p:nvSpPr>
         <p:spPr>
@@ -357,11 +370,11 @@
           </a:ln>
         </p:spPr>
         <p:txBody>
-          <a:bodyPr anchorCtr="0" anchor="t" bIns="91425" lIns="91425" spcFirstLastPara="1" rIns="91425" wrap="square" tIns="91425">
+          <a:bodyPr spcFirstLastPara="1" wrap="square" lIns="91425" tIns="91425" rIns="91425" bIns="91425" anchor="t" anchorCtr="0">
             <a:noAutofit/>
           </a:bodyPr>
           <a:lstStyle>
-            <a:lvl1pPr indent="-298450" lvl="0" marL="457200">
+            <a:lvl1pPr marL="457200" lvl="0" indent="-298450">
               <a:spcBef>
                 <a:spcPts val="0"/>
               </a:spcBef>
@@ -372,7 +385,7 @@
               <a:buChar char="●"/>
               <a:defRPr sz="1100"/>
             </a:lvl1pPr>
-            <a:lvl2pPr indent="-298450" lvl="1" marL="914400">
+            <a:lvl2pPr marL="914400" lvl="1" indent="-298450">
               <a:spcBef>
                 <a:spcPts val="0"/>
               </a:spcBef>
@@ -383,7 +396,7 @@
               <a:buChar char="○"/>
               <a:defRPr sz="1100"/>
             </a:lvl2pPr>
-            <a:lvl3pPr indent="-298450" lvl="2" marL="1371600">
+            <a:lvl3pPr marL="1371600" lvl="2" indent="-298450">
               <a:spcBef>
                 <a:spcPts val="0"/>
               </a:spcBef>
@@ -394,7 +407,7 @@
               <a:buChar char="■"/>
               <a:defRPr sz="1100"/>
             </a:lvl3pPr>
-            <a:lvl4pPr indent="-298450" lvl="3" marL="1828800">
+            <a:lvl4pPr marL="1828800" lvl="3" indent="-298450">
               <a:spcBef>
                 <a:spcPts val="0"/>
               </a:spcBef>
@@ -405,7 +418,7 @@
               <a:buChar char="●"/>
               <a:defRPr sz="1100"/>
             </a:lvl4pPr>
-            <a:lvl5pPr indent="-298450" lvl="4" marL="2286000">
+            <a:lvl5pPr marL="2286000" lvl="4" indent="-298450">
               <a:spcBef>
                 <a:spcPts val="0"/>
               </a:spcBef>
@@ -416,7 +429,7 @@
               <a:buChar char="○"/>
               <a:defRPr sz="1100"/>
             </a:lvl5pPr>
-            <a:lvl6pPr indent="-298450" lvl="5" marL="2743200">
+            <a:lvl6pPr marL="2743200" lvl="5" indent="-298450">
               <a:spcBef>
                 <a:spcPts val="0"/>
               </a:spcBef>
@@ -427,7 +440,7 @@
               <a:buChar char="■"/>
               <a:defRPr sz="1100"/>
             </a:lvl6pPr>
-            <a:lvl7pPr indent="-298450" lvl="6" marL="3200400">
+            <a:lvl7pPr marL="3200400" lvl="6" indent="-298450">
               <a:spcBef>
                 <a:spcPts val="0"/>
               </a:spcBef>
@@ -438,7 +451,7 @@
               <a:buChar char="●"/>
               <a:defRPr sz="1100"/>
             </a:lvl7pPr>
-            <a:lvl8pPr indent="-298450" lvl="7" marL="3657600">
+            <a:lvl8pPr marL="3657600" lvl="7" indent="-298450">
               <a:spcBef>
                 <a:spcPts val="0"/>
               </a:spcBef>
@@ -449,7 +462,7 @@
               <a:buChar char="○"/>
               <a:defRPr sz="1100"/>
             </a:lvl8pPr>
-            <a:lvl9pPr indent="-298450" lvl="8" marL="4114800">
+            <a:lvl9pPr marL="4114800" lvl="8" indent="-298450">
               <a:spcBef>
                 <a:spcPts val="0"/>
               </a:spcBef>
@@ -461,14 +474,16 @@
               <a:defRPr sz="1100"/>
             </a:lvl9pPr>
           </a:lstStyle>
-          <a:p/>
+          <a:p>
+            <a:endParaRPr/>
+          </a:p>
         </p:txBody>
       </p:sp>
     </p:spTree>
   </p:cSld>
-  <p:clrMap accent1="accent1" accent2="accent2" accent3="accent3" accent4="accent4" accent5="accent5" accent6="accent6" bg1="lt1" bg2="dk2" tx1="dk1" tx2="lt2" folHlink="folHlink" hlink="hlink"/>
+  <p:clrMap bg1="lt1" tx1="dk1" bg2="dk2" tx2="lt2" accent1="accent1" accent2="accent2" accent3="accent3" accent4="accent4" accent5="accent5" accent6="accent6" hlink="hlink" folHlink="folHlink"/>
   <p:notesStyle>
-    <a:defPPr lvl="0" marR="0" rtl="0" algn="l">
+    <a:defPPr marR="0" lvl="0" algn="l" rtl="0">
       <a:lnSpc>
         <a:spcPct val="100000"/>
       </a:lnSpc>
@@ -479,7 +494,7 @@
         <a:spcPts val="0"/>
       </a:spcAft>
     </a:defPPr>
-    <a:lvl1pPr lvl="0" marR="0" rtl="0" algn="l">
+    <a:lvl1pPr marR="0" lvl="0" algn="l" rtl="0">
       <a:lnSpc>
         <a:spcPct val="100000"/>
       </a:lnSpc>
@@ -493,7 +508,7 @@
         <a:srgbClr val="000000"/>
       </a:buClr>
       <a:buFont typeface="Arial"/>
-      <a:defRPr b="0" i="0" sz="1400" u="none" cap="none" strike="noStrike">
+      <a:defRPr sz="1400" b="0" i="0" u="none" strike="noStrike" cap="none">
         <a:solidFill>
           <a:srgbClr val="000000"/>
         </a:solidFill>
@@ -503,7 +518,7 @@
         <a:sym typeface="Arial"/>
       </a:defRPr>
     </a:lvl1pPr>
-    <a:lvl2pPr lvl="1" marR="0" rtl="0" algn="l">
+    <a:lvl2pPr marR="0" lvl="1" algn="l" rtl="0">
       <a:lnSpc>
         <a:spcPct val="100000"/>
       </a:lnSpc>
@@ -517,7 +532,7 @@
         <a:srgbClr val="000000"/>
       </a:buClr>
       <a:buFont typeface="Arial"/>
-      <a:defRPr b="0" i="0" sz="1400" u="none" cap="none" strike="noStrike">
+      <a:defRPr sz="1400" b="0" i="0" u="none" strike="noStrike" cap="none">
         <a:solidFill>
           <a:srgbClr val="000000"/>
         </a:solidFill>
@@ -527,7 +542,7 @@
         <a:sym typeface="Arial"/>
       </a:defRPr>
     </a:lvl2pPr>
-    <a:lvl3pPr lvl="2" marR="0" rtl="0" algn="l">
+    <a:lvl3pPr marR="0" lvl="2" algn="l" rtl="0">
       <a:lnSpc>
         <a:spcPct val="100000"/>
       </a:lnSpc>
@@ -541,7 +556,7 @@
         <a:srgbClr val="000000"/>
       </a:buClr>
       <a:buFont typeface="Arial"/>
-      <a:defRPr b="0" i="0" sz="1400" u="none" cap="none" strike="noStrike">
+      <a:defRPr sz="1400" b="0" i="0" u="none" strike="noStrike" cap="none">
         <a:solidFill>
           <a:srgbClr val="000000"/>
         </a:solidFill>
@@ -551,7 +566,7 @@
         <a:sym typeface="Arial"/>
       </a:defRPr>
     </a:lvl3pPr>
-    <a:lvl4pPr lvl="3" marR="0" rtl="0" algn="l">
+    <a:lvl4pPr marR="0" lvl="3" algn="l" rtl="0">
       <a:lnSpc>
         <a:spcPct val="100000"/>
       </a:lnSpc>
@@ -565,7 +580,7 @@
         <a:srgbClr val="000000"/>
       </a:buClr>
       <a:buFont typeface="Arial"/>
-      <a:defRPr b="0" i="0" sz="1400" u="none" cap="none" strike="noStrike">
+      <a:defRPr sz="1400" b="0" i="0" u="none" strike="noStrike" cap="none">
         <a:solidFill>
           <a:srgbClr val="000000"/>
         </a:solidFill>
@@ -575,7 +590,7 @@
         <a:sym typeface="Arial"/>
       </a:defRPr>
     </a:lvl4pPr>
-    <a:lvl5pPr lvl="4" marR="0" rtl="0" algn="l">
+    <a:lvl5pPr marR="0" lvl="4" algn="l" rtl="0">
       <a:lnSpc>
         <a:spcPct val="100000"/>
       </a:lnSpc>
@@ -589,7 +604,7 @@
         <a:srgbClr val="000000"/>
       </a:buClr>
       <a:buFont typeface="Arial"/>
-      <a:defRPr b="0" i="0" sz="1400" u="none" cap="none" strike="noStrike">
+      <a:defRPr sz="1400" b="0" i="0" u="none" strike="noStrike" cap="none">
         <a:solidFill>
           <a:srgbClr val="000000"/>
         </a:solidFill>
@@ -599,7 +614,7 @@
         <a:sym typeface="Arial"/>
       </a:defRPr>
     </a:lvl5pPr>
-    <a:lvl6pPr lvl="5" marR="0" rtl="0" algn="l">
+    <a:lvl6pPr marR="0" lvl="5" algn="l" rtl="0">
       <a:lnSpc>
         <a:spcPct val="100000"/>
       </a:lnSpc>
@@ -613,7 +628,7 @@
         <a:srgbClr val="000000"/>
       </a:buClr>
       <a:buFont typeface="Arial"/>
-      <a:defRPr b="0" i="0" sz="1400" u="none" cap="none" strike="noStrike">
+      <a:defRPr sz="1400" b="0" i="0" u="none" strike="noStrike" cap="none">
         <a:solidFill>
           <a:srgbClr val="000000"/>
         </a:solidFill>
@@ -623,7 +638,7 @@
         <a:sym typeface="Arial"/>
       </a:defRPr>
     </a:lvl6pPr>
-    <a:lvl7pPr lvl="6" marR="0" rtl="0" algn="l">
+    <a:lvl7pPr marR="0" lvl="6" algn="l" rtl="0">
       <a:lnSpc>
         <a:spcPct val="100000"/>
       </a:lnSpc>
@@ -637,7 +652,7 @@
         <a:srgbClr val="000000"/>
       </a:buClr>
       <a:buFont typeface="Arial"/>
-      <a:defRPr b="0" i="0" sz="1400" u="none" cap="none" strike="noStrike">
+      <a:defRPr sz="1400" b="0" i="0" u="none" strike="noStrike" cap="none">
         <a:solidFill>
           <a:srgbClr val="000000"/>
         </a:solidFill>
@@ -647,7 +662,7 @@
         <a:sym typeface="Arial"/>
       </a:defRPr>
     </a:lvl7pPr>
-    <a:lvl8pPr lvl="7" marR="0" rtl="0" algn="l">
+    <a:lvl8pPr marR="0" lvl="7" algn="l" rtl="0">
       <a:lnSpc>
         <a:spcPct val="100000"/>
       </a:lnSpc>
@@ -661,7 +676,7 @@
         <a:srgbClr val="000000"/>
       </a:buClr>
       <a:buFont typeface="Arial"/>
-      <a:defRPr b="0" i="0" sz="1400" u="none" cap="none" strike="noStrike">
+      <a:defRPr sz="1400" b="0" i="0" u="none" strike="noStrike" cap="none">
         <a:solidFill>
           <a:srgbClr val="000000"/>
         </a:solidFill>
@@ -671,7 +686,7 @@
         <a:sym typeface="Arial"/>
       </a:defRPr>
     </a:lvl8pPr>
-    <a:lvl9pPr lvl="8" marR="0" rtl="0" algn="l">
+    <a:lvl9pPr marR="0" lvl="8" algn="l" rtl="0">
       <a:lnSpc>
         <a:spcPct val="100000"/>
       </a:lnSpc>
@@ -685,7 +700,7 @@
         <a:srgbClr val="000000"/>
       </a:buClr>
       <a:buFont typeface="Arial"/>
-      <a:defRPr b="0" i="0" sz="1400" u="none" cap="none" strike="noStrike">
+      <a:defRPr sz="1400" b="0" i="0" u="none" strike="noStrike" cap="none">
         <a:solidFill>
           <a:srgbClr val="000000"/>
         </a:solidFill>
@@ -700,11 +715,11 @@
 </file>
 
 <file path=ppt/notesSlides/notesSlide1.xml><?xml version="1.0" encoding="utf-8"?>
-<p:notes xmlns:a="http://schemas.openxmlformats.org/drawingml/2006/main" xmlns:r="http://schemas.openxmlformats.org/officeDocument/2006/relationships" xmlns:mc="http://schemas.openxmlformats.org/markup-compatibility/2006" xmlns:mv="urn:schemas-microsoft-com:mac:vml" xmlns:p="http://schemas.openxmlformats.org/presentationml/2006/main" xmlns:c="http://schemas.openxmlformats.org/drawingml/2006/chart" xmlns:dgm="http://schemas.openxmlformats.org/drawingml/2006/diagram" xmlns:o="urn:schemas-microsoft-com:office:office" xmlns:v="urn:schemas-microsoft-com:vml" xmlns:pvml="urn:schemas-microsoft-com:office:powerpoint" xmlns:com="http://schemas.openxmlformats.org/drawingml/2006/compatibility" xmlns:p14="http://schemas.microsoft.com/office/powerpoint/2010/main" xmlns:p15="http://schemas.microsoft.com/office/powerpoint/2012/main" xmlns:ahyp="http://schemas.microsoft.com/office/drawing/2018/hyperlinkcolor" showMasterPhAnim="0" showMasterSp="0">
+<p:notes xmlns:a="http://schemas.openxmlformats.org/drawingml/2006/main" xmlns:r="http://schemas.openxmlformats.org/officeDocument/2006/relationships" xmlns:p="http://schemas.openxmlformats.org/presentationml/2006/main" showMasterSp="0" showMasterPhAnim="0">
   <p:cSld>
     <p:spTree>
       <p:nvGrpSpPr>
-        <p:cNvPr id="50" name="Shape 50"/>
+        <p:cNvPr id="1" name="Shape 50"/>
         <p:cNvGrpSpPr/>
         <p:nvPr/>
       </p:nvGrpSpPr>
@@ -719,9 +734,11 @@
       <p:sp>
         <p:nvSpPr>
           <p:cNvPr id="51" name="Google Shape;51;p:notes"/>
-          <p:cNvSpPr/>
+          <p:cNvSpPr>
+            <a:spLocks noGrp="1" noRot="1" noChangeAspect="1"/>
+          </p:cNvSpPr>
           <p:nvPr>
-            <p:ph idx="2" type="sldImg"/>
+            <p:ph type="sldImg" idx="2"/>
           </p:nvPr>
         </p:nvSpPr>
         <p:spPr>
@@ -730,9 +747,13 @@
             <a:ext cx="6096075" cy="3429000"/>
           </a:xfrm>
           <a:custGeom>
-            <a:rect b="b" l="l" r="r" t="t"/>
+            <a:avLst/>
+            <a:gdLst/>
+            <a:ahLst/>
+            <a:cxnLst/>
+            <a:rect l="l" t="t" r="r" b="b"/>
             <a:pathLst>
-              <a:path extrusionOk="0" h="120000" w="120000">
+              <a:path w="120000" h="120000" extrusionOk="0">
                 <a:moveTo>
                   <a:pt x="0" y="0"/>
                 </a:moveTo>
@@ -754,9 +775,11 @@
       <p:sp>
         <p:nvSpPr>
           <p:cNvPr id="52" name="Google Shape;52;p:notes"/>
-          <p:cNvSpPr txBox="1"/>
+          <p:cNvSpPr txBox="1">
+            <a:spLocks noGrp="1"/>
+          </p:cNvSpPr>
           <p:nvPr>
-            <p:ph idx="1" type="body"/>
+            <p:ph type="body" idx="1"/>
           </p:nvPr>
         </p:nvSpPr>
         <p:spPr>
@@ -769,12 +792,12 @@
           </a:prstGeom>
         </p:spPr>
         <p:txBody>
-          <a:bodyPr anchorCtr="0" anchor="t" bIns="91425" lIns="91425" spcFirstLastPara="1" rIns="91425" wrap="square" tIns="91425">
+          <a:bodyPr spcFirstLastPara="1" wrap="square" lIns="91425" tIns="91425" rIns="91425" bIns="91425" anchor="t" anchorCtr="0">
             <a:noAutofit/>
           </a:bodyPr>
           <a:lstStyle/>
           <a:p>
-            <a:pPr indent="0" lvl="0" marL="0" rtl="0" algn="l">
+            <a:pPr marL="0" lvl="0" indent="0" algn="l" rtl="0">
               <a:spcBef>
                 <a:spcPts val="0"/>
               </a:spcBef>
@@ -783,9 +806,6 @@
               </a:spcAft>
               <a:buNone/>
             </a:pPr>
-            <a:r>
-              <a:t/>
-            </a:r>
             <a:endParaRPr/>
           </a:p>
         </p:txBody>
@@ -799,11 +819,11 @@
 </file>
 
 <file path=ppt/notesSlides/notesSlide10.xml><?xml version="1.0" encoding="utf-8"?>
-<p:notes xmlns:a="http://schemas.openxmlformats.org/drawingml/2006/main" xmlns:r="http://schemas.openxmlformats.org/officeDocument/2006/relationships" xmlns:mc="http://schemas.openxmlformats.org/markup-compatibility/2006" xmlns:mv="urn:schemas-microsoft-com:mac:vml" xmlns:p="http://schemas.openxmlformats.org/presentationml/2006/main" xmlns:c="http://schemas.openxmlformats.org/drawingml/2006/chart" xmlns:dgm="http://schemas.openxmlformats.org/drawingml/2006/diagram" xmlns:o="urn:schemas-microsoft-com:office:office" xmlns:v="urn:schemas-microsoft-com:vml" xmlns:pvml="urn:schemas-microsoft-com:office:powerpoint" xmlns:com="http://schemas.openxmlformats.org/drawingml/2006/compatibility" xmlns:p14="http://schemas.microsoft.com/office/powerpoint/2010/main" xmlns:p15="http://schemas.microsoft.com/office/powerpoint/2012/main" xmlns:ahyp="http://schemas.microsoft.com/office/drawing/2018/hyperlinkcolor" showMasterPhAnim="0" showMasterSp="0">
+<p:notes xmlns:a="http://schemas.openxmlformats.org/drawingml/2006/main" xmlns:r="http://schemas.openxmlformats.org/officeDocument/2006/relationships" xmlns:p="http://schemas.openxmlformats.org/presentationml/2006/main" showMasterSp="0" showMasterPhAnim="0">
   <p:cSld>
     <p:spTree>
       <p:nvGrpSpPr>
-        <p:cNvPr id="123" name="Shape 123"/>
+        <p:cNvPr id="1" name="Shape 123"/>
         <p:cNvGrpSpPr/>
         <p:nvPr/>
       </p:nvGrpSpPr>
@@ -818,9 +838,11 @@
       <p:sp>
         <p:nvSpPr>
           <p:cNvPr id="124" name="Google Shape;124;g7766c7a979_0_388:notes"/>
-          <p:cNvSpPr/>
+          <p:cNvSpPr>
+            <a:spLocks noGrp="1" noRot="1" noChangeAspect="1"/>
+          </p:cNvSpPr>
           <p:nvPr>
-            <p:ph idx="2" type="sldImg"/>
+            <p:ph type="sldImg" idx="2"/>
           </p:nvPr>
         </p:nvSpPr>
         <p:spPr>
@@ -829,9 +851,13 @@
             <a:ext cx="6096000" cy="3429000"/>
           </a:xfrm>
           <a:custGeom>
-            <a:rect b="b" l="l" r="r" t="t"/>
+            <a:avLst/>
+            <a:gdLst/>
+            <a:ahLst/>
+            <a:cxnLst/>
+            <a:rect l="l" t="t" r="r" b="b"/>
             <a:pathLst>
-              <a:path extrusionOk="0" h="120000" w="120000">
+              <a:path w="120000" h="120000" extrusionOk="0">
                 <a:moveTo>
                   <a:pt x="0" y="0"/>
                 </a:moveTo>
@@ -853,9 +879,11 @@
       <p:sp>
         <p:nvSpPr>
           <p:cNvPr id="125" name="Google Shape;125;g7766c7a979_0_388:notes"/>
-          <p:cNvSpPr txBox="1"/>
+          <p:cNvSpPr txBox="1">
+            <a:spLocks noGrp="1"/>
+          </p:cNvSpPr>
           <p:nvPr>
-            <p:ph idx="1" type="body"/>
+            <p:ph type="body" idx="1"/>
           </p:nvPr>
         </p:nvSpPr>
         <p:spPr>
@@ -868,12 +896,12 @@
           </a:prstGeom>
         </p:spPr>
         <p:txBody>
-          <a:bodyPr anchorCtr="0" anchor="t" bIns="91425" lIns="91425" spcFirstLastPara="1" rIns="91425" wrap="square" tIns="91425">
+          <a:bodyPr spcFirstLastPara="1" wrap="square" lIns="91425" tIns="91425" rIns="91425" bIns="91425" anchor="t" anchorCtr="0">
             <a:noAutofit/>
           </a:bodyPr>
           <a:lstStyle/>
           <a:p>
-            <a:pPr indent="0" lvl="0" marL="0" rtl="0" algn="l">
+            <a:pPr marL="0" lvl="0" indent="0" algn="l" rtl="0">
               <a:spcBef>
                 <a:spcPts val="0"/>
               </a:spcBef>
@@ -882,9 +910,6 @@
               </a:spcAft>
               <a:buNone/>
             </a:pPr>
-            <a:r>
-              <a:t/>
-            </a:r>
             <a:endParaRPr/>
           </a:p>
         </p:txBody>
@@ -898,11 +923,11 @@
 </file>
 
 <file path=ppt/notesSlides/notesSlide11.xml><?xml version="1.0" encoding="utf-8"?>
-<p:notes xmlns:a="http://schemas.openxmlformats.org/drawingml/2006/main" xmlns:r="http://schemas.openxmlformats.org/officeDocument/2006/relationships" xmlns:mc="http://schemas.openxmlformats.org/markup-compatibility/2006" xmlns:mv="urn:schemas-microsoft-com:mac:vml" xmlns:p="http://schemas.openxmlformats.org/presentationml/2006/main" xmlns:c="http://schemas.openxmlformats.org/drawingml/2006/chart" xmlns:dgm="http://schemas.openxmlformats.org/drawingml/2006/diagram" xmlns:o="urn:schemas-microsoft-com:office:office" xmlns:v="urn:schemas-microsoft-com:vml" xmlns:pvml="urn:schemas-microsoft-com:office:powerpoint" xmlns:com="http://schemas.openxmlformats.org/drawingml/2006/compatibility" xmlns:p14="http://schemas.microsoft.com/office/powerpoint/2010/main" xmlns:p15="http://schemas.microsoft.com/office/powerpoint/2012/main" xmlns:ahyp="http://schemas.microsoft.com/office/drawing/2018/hyperlinkcolor" showMasterPhAnim="0" showMasterSp="0">
+<p:notes xmlns:a="http://schemas.openxmlformats.org/drawingml/2006/main" xmlns:r="http://schemas.openxmlformats.org/officeDocument/2006/relationships" xmlns:p="http://schemas.openxmlformats.org/presentationml/2006/main" showMasterSp="0" showMasterPhAnim="0">
   <p:cSld>
     <p:spTree>
       <p:nvGrpSpPr>
-        <p:cNvPr id="131" name="Shape 131"/>
+        <p:cNvPr id="1" name="Shape 131"/>
         <p:cNvGrpSpPr/>
         <p:nvPr/>
       </p:nvGrpSpPr>
@@ -917,9 +942,11 @@
       <p:sp>
         <p:nvSpPr>
           <p:cNvPr id="132" name="Google Shape;132;ge28cc64f3f_0_22:notes"/>
-          <p:cNvSpPr/>
+          <p:cNvSpPr>
+            <a:spLocks noGrp="1" noRot="1" noChangeAspect="1"/>
+          </p:cNvSpPr>
           <p:nvPr>
-            <p:ph idx="2" type="sldImg"/>
+            <p:ph type="sldImg" idx="2"/>
           </p:nvPr>
         </p:nvSpPr>
         <p:spPr>
@@ -928,9 +955,13 @@
             <a:ext cx="6096000" cy="3429000"/>
           </a:xfrm>
           <a:custGeom>
-            <a:rect b="b" l="l" r="r" t="t"/>
+            <a:avLst/>
+            <a:gdLst/>
+            <a:ahLst/>
+            <a:cxnLst/>
+            <a:rect l="l" t="t" r="r" b="b"/>
             <a:pathLst>
-              <a:path extrusionOk="0" h="120000" w="120000">
+              <a:path w="120000" h="120000" extrusionOk="0">
                 <a:moveTo>
                   <a:pt x="0" y="0"/>
                 </a:moveTo>
@@ -952,9 +983,11 @@
       <p:sp>
         <p:nvSpPr>
           <p:cNvPr id="133" name="Google Shape;133;ge28cc64f3f_0_22:notes"/>
-          <p:cNvSpPr txBox="1"/>
+          <p:cNvSpPr txBox="1">
+            <a:spLocks noGrp="1"/>
+          </p:cNvSpPr>
           <p:nvPr>
-            <p:ph idx="1" type="body"/>
+            <p:ph type="body" idx="1"/>
           </p:nvPr>
         </p:nvSpPr>
         <p:spPr>
@@ -967,12 +1000,12 @@
           </a:prstGeom>
         </p:spPr>
         <p:txBody>
-          <a:bodyPr anchorCtr="0" anchor="t" bIns="91425" lIns="91425" spcFirstLastPara="1" rIns="91425" wrap="square" tIns="91425">
+          <a:bodyPr spcFirstLastPara="1" wrap="square" lIns="91425" tIns="91425" rIns="91425" bIns="91425" anchor="t" anchorCtr="0">
             <a:noAutofit/>
           </a:bodyPr>
           <a:lstStyle/>
           <a:p>
-            <a:pPr indent="0" lvl="0" marL="0" rtl="0" algn="l">
+            <a:pPr marL="0" lvl="0" indent="0" algn="l" rtl="0">
               <a:spcBef>
                 <a:spcPts val="0"/>
               </a:spcBef>
@@ -981,9 +1014,6 @@
               </a:spcAft>
               <a:buNone/>
             </a:pPr>
-            <a:r>
-              <a:t/>
-            </a:r>
             <a:endParaRPr/>
           </a:p>
         </p:txBody>
@@ -997,11 +1027,11 @@
 </file>
 
 <file path=ppt/notesSlides/notesSlide12.xml><?xml version="1.0" encoding="utf-8"?>
-<p:notes xmlns:a="http://schemas.openxmlformats.org/drawingml/2006/main" xmlns:r="http://schemas.openxmlformats.org/officeDocument/2006/relationships" xmlns:mc="http://schemas.openxmlformats.org/markup-compatibility/2006" xmlns:mv="urn:schemas-microsoft-com:mac:vml" xmlns:p="http://schemas.openxmlformats.org/presentationml/2006/main" xmlns:c="http://schemas.openxmlformats.org/drawingml/2006/chart" xmlns:dgm="http://schemas.openxmlformats.org/drawingml/2006/diagram" xmlns:o="urn:schemas-microsoft-com:office:office" xmlns:v="urn:schemas-microsoft-com:vml" xmlns:pvml="urn:schemas-microsoft-com:office:powerpoint" xmlns:com="http://schemas.openxmlformats.org/drawingml/2006/compatibility" xmlns:p14="http://schemas.microsoft.com/office/powerpoint/2010/main" xmlns:p15="http://schemas.microsoft.com/office/powerpoint/2012/main" xmlns:ahyp="http://schemas.microsoft.com/office/drawing/2018/hyperlinkcolor" showMasterPhAnim="0" showMasterSp="0">
+<p:notes xmlns:a="http://schemas.openxmlformats.org/drawingml/2006/main" xmlns:r="http://schemas.openxmlformats.org/officeDocument/2006/relationships" xmlns:p="http://schemas.openxmlformats.org/presentationml/2006/main" showMasterSp="0" showMasterPhAnim="0">
   <p:cSld>
     <p:spTree>
       <p:nvGrpSpPr>
-        <p:cNvPr id="138" name="Shape 138"/>
+        <p:cNvPr id="1" name="Shape 138"/>
         <p:cNvGrpSpPr/>
         <p:nvPr/>
       </p:nvGrpSpPr>
@@ -1016,9 +1046,11 @@
       <p:sp>
         <p:nvSpPr>
           <p:cNvPr id="139" name="Google Shape;139;g8d1c815cf8_0_8:notes"/>
-          <p:cNvSpPr/>
+          <p:cNvSpPr>
+            <a:spLocks noGrp="1" noRot="1" noChangeAspect="1"/>
+          </p:cNvSpPr>
           <p:nvPr>
-            <p:ph idx="2" type="sldImg"/>
+            <p:ph type="sldImg" idx="2"/>
           </p:nvPr>
         </p:nvSpPr>
         <p:spPr>
@@ -1027,9 +1059,13 @@
             <a:ext cx="6096000" cy="3429000"/>
           </a:xfrm>
           <a:custGeom>
-            <a:rect b="b" l="l" r="r" t="t"/>
+            <a:avLst/>
+            <a:gdLst/>
+            <a:ahLst/>
+            <a:cxnLst/>
+            <a:rect l="l" t="t" r="r" b="b"/>
             <a:pathLst>
-              <a:path extrusionOk="0" h="120000" w="120000">
+              <a:path w="120000" h="120000" extrusionOk="0">
                 <a:moveTo>
                   <a:pt x="0" y="0"/>
                 </a:moveTo>
@@ -1051,9 +1087,11 @@
       <p:sp>
         <p:nvSpPr>
           <p:cNvPr id="140" name="Google Shape;140;g8d1c815cf8_0_8:notes"/>
-          <p:cNvSpPr txBox="1"/>
+          <p:cNvSpPr txBox="1">
+            <a:spLocks noGrp="1"/>
+          </p:cNvSpPr>
           <p:nvPr>
-            <p:ph idx="1" type="body"/>
+            <p:ph type="body" idx="1"/>
           </p:nvPr>
         </p:nvSpPr>
         <p:spPr>
@@ -1066,12 +1104,12 @@
           </a:prstGeom>
         </p:spPr>
         <p:txBody>
-          <a:bodyPr anchorCtr="0" anchor="t" bIns="91425" lIns="91425" spcFirstLastPara="1" rIns="91425" wrap="square" tIns="91425">
+          <a:bodyPr spcFirstLastPara="1" wrap="square" lIns="91425" tIns="91425" rIns="91425" bIns="91425" anchor="t" anchorCtr="0">
             <a:noAutofit/>
           </a:bodyPr>
           <a:lstStyle/>
           <a:p>
-            <a:pPr indent="0" lvl="0" marL="0" rtl="0" algn="l">
+            <a:pPr marL="0" lvl="0" indent="0" algn="l" rtl="0">
               <a:spcBef>
                 <a:spcPts val="0"/>
               </a:spcBef>
@@ -1080,9 +1118,6 @@
               </a:spcAft>
               <a:buNone/>
             </a:pPr>
-            <a:r>
-              <a:t/>
-            </a:r>
             <a:endParaRPr/>
           </a:p>
         </p:txBody>
@@ -1096,11 +1131,11 @@
 </file>
 
 <file path=ppt/notesSlides/notesSlide13.xml><?xml version="1.0" encoding="utf-8"?>
-<p:notes xmlns:a="http://schemas.openxmlformats.org/drawingml/2006/main" xmlns:r="http://schemas.openxmlformats.org/officeDocument/2006/relationships" xmlns:mc="http://schemas.openxmlformats.org/markup-compatibility/2006" xmlns:mv="urn:schemas-microsoft-com:mac:vml" xmlns:p="http://schemas.openxmlformats.org/presentationml/2006/main" xmlns:c="http://schemas.openxmlformats.org/drawingml/2006/chart" xmlns:dgm="http://schemas.openxmlformats.org/drawingml/2006/diagram" xmlns:o="urn:schemas-microsoft-com:office:office" xmlns:v="urn:schemas-microsoft-com:vml" xmlns:pvml="urn:schemas-microsoft-com:office:powerpoint" xmlns:com="http://schemas.openxmlformats.org/drawingml/2006/compatibility" xmlns:p14="http://schemas.microsoft.com/office/powerpoint/2010/main" xmlns:p15="http://schemas.microsoft.com/office/powerpoint/2012/main" xmlns:ahyp="http://schemas.microsoft.com/office/drawing/2018/hyperlinkcolor" showMasterPhAnim="0" showMasterSp="0">
+<p:notes xmlns:a="http://schemas.openxmlformats.org/drawingml/2006/main" xmlns:r="http://schemas.openxmlformats.org/officeDocument/2006/relationships" xmlns:p="http://schemas.openxmlformats.org/presentationml/2006/main" showMasterSp="0" showMasterPhAnim="0">
   <p:cSld>
     <p:spTree>
       <p:nvGrpSpPr>
-        <p:cNvPr id="147" name="Shape 147"/>
+        <p:cNvPr id="1" name="Shape 147"/>
         <p:cNvGrpSpPr/>
         <p:nvPr/>
       </p:nvGrpSpPr>
@@ -1115,9 +1150,11 @@
       <p:sp>
         <p:nvSpPr>
           <p:cNvPr id="148" name="Google Shape;148;g7766c7a979_0_393:notes"/>
-          <p:cNvSpPr/>
+          <p:cNvSpPr>
+            <a:spLocks noGrp="1" noRot="1" noChangeAspect="1"/>
+          </p:cNvSpPr>
           <p:nvPr>
-            <p:ph idx="2" type="sldImg"/>
+            <p:ph type="sldImg" idx="2"/>
           </p:nvPr>
         </p:nvSpPr>
         <p:spPr>
@@ -1126,9 +1163,13 @@
             <a:ext cx="6096000" cy="3429000"/>
           </a:xfrm>
           <a:custGeom>
-            <a:rect b="b" l="l" r="r" t="t"/>
+            <a:avLst/>
+            <a:gdLst/>
+            <a:ahLst/>
+            <a:cxnLst/>
+            <a:rect l="l" t="t" r="r" b="b"/>
             <a:pathLst>
-              <a:path extrusionOk="0" h="120000" w="120000">
+              <a:path w="120000" h="120000" extrusionOk="0">
                 <a:moveTo>
                   <a:pt x="0" y="0"/>
                 </a:moveTo>
@@ -1150,9 +1191,11 @@
       <p:sp>
         <p:nvSpPr>
           <p:cNvPr id="149" name="Google Shape;149;g7766c7a979_0_393:notes"/>
-          <p:cNvSpPr txBox="1"/>
+          <p:cNvSpPr txBox="1">
+            <a:spLocks noGrp="1"/>
+          </p:cNvSpPr>
           <p:nvPr>
-            <p:ph idx="1" type="body"/>
+            <p:ph type="body" idx="1"/>
           </p:nvPr>
         </p:nvSpPr>
         <p:spPr>
@@ -1165,12 +1208,12 @@
           </a:prstGeom>
         </p:spPr>
         <p:txBody>
-          <a:bodyPr anchorCtr="0" anchor="t" bIns="91425" lIns="91425" spcFirstLastPara="1" rIns="91425" wrap="square" tIns="91425">
+          <a:bodyPr spcFirstLastPara="1" wrap="square" lIns="91425" tIns="91425" rIns="91425" bIns="91425" anchor="t" anchorCtr="0">
             <a:noAutofit/>
           </a:bodyPr>
           <a:lstStyle/>
           <a:p>
-            <a:pPr indent="0" lvl="0" marL="0" rtl="0" algn="l">
+            <a:pPr marL="0" lvl="0" indent="0" algn="l" rtl="0">
               <a:spcBef>
                 <a:spcPts val="0"/>
               </a:spcBef>
@@ -1179,9 +1222,6 @@
               </a:spcAft>
               <a:buNone/>
             </a:pPr>
-            <a:r>
-              <a:t/>
-            </a:r>
             <a:endParaRPr/>
           </a:p>
         </p:txBody>
@@ -1195,11 +1235,11 @@
 </file>
 
 <file path=ppt/notesSlides/notesSlide14.xml><?xml version="1.0" encoding="utf-8"?>
-<p:notes xmlns:a="http://schemas.openxmlformats.org/drawingml/2006/main" xmlns:r="http://schemas.openxmlformats.org/officeDocument/2006/relationships" xmlns:mc="http://schemas.openxmlformats.org/markup-compatibility/2006" xmlns:mv="urn:schemas-microsoft-com:mac:vml" xmlns:p="http://schemas.openxmlformats.org/presentationml/2006/main" xmlns:c="http://schemas.openxmlformats.org/drawingml/2006/chart" xmlns:dgm="http://schemas.openxmlformats.org/drawingml/2006/diagram" xmlns:o="urn:schemas-microsoft-com:office:office" xmlns:v="urn:schemas-microsoft-com:vml" xmlns:pvml="urn:schemas-microsoft-com:office:powerpoint" xmlns:com="http://schemas.openxmlformats.org/drawingml/2006/compatibility" xmlns:p14="http://schemas.microsoft.com/office/powerpoint/2010/main" xmlns:p15="http://schemas.microsoft.com/office/powerpoint/2012/main" xmlns:ahyp="http://schemas.microsoft.com/office/drawing/2018/hyperlinkcolor" showMasterPhAnim="0" showMasterSp="0">
+<p:notes xmlns:a="http://schemas.openxmlformats.org/drawingml/2006/main" xmlns:r="http://schemas.openxmlformats.org/officeDocument/2006/relationships" xmlns:p="http://schemas.openxmlformats.org/presentationml/2006/main" showMasterSp="0" showMasterPhAnim="0">
   <p:cSld>
     <p:spTree>
       <p:nvGrpSpPr>
-        <p:cNvPr id="162" name="Shape 162"/>
+        <p:cNvPr id="1" name="Shape 162"/>
         <p:cNvGrpSpPr/>
         <p:nvPr/>
       </p:nvGrpSpPr>
@@ -1214,9 +1254,11 @@
       <p:sp>
         <p:nvSpPr>
           <p:cNvPr id="163" name="Google Shape;163;ge28cc64f3f_0_42:notes"/>
-          <p:cNvSpPr/>
+          <p:cNvSpPr>
+            <a:spLocks noGrp="1" noRot="1" noChangeAspect="1"/>
+          </p:cNvSpPr>
           <p:nvPr>
-            <p:ph idx="2" type="sldImg"/>
+            <p:ph type="sldImg" idx="2"/>
           </p:nvPr>
         </p:nvSpPr>
         <p:spPr>
@@ -1225,9 +1267,13 @@
             <a:ext cx="6096000" cy="3429000"/>
           </a:xfrm>
           <a:custGeom>
-            <a:rect b="b" l="l" r="r" t="t"/>
+            <a:avLst/>
+            <a:gdLst/>
+            <a:ahLst/>
+            <a:cxnLst/>
+            <a:rect l="l" t="t" r="r" b="b"/>
             <a:pathLst>
-              <a:path extrusionOk="0" h="120000" w="120000">
+              <a:path w="120000" h="120000" extrusionOk="0">
                 <a:moveTo>
                   <a:pt x="0" y="0"/>
                 </a:moveTo>
@@ -1249,9 +1295,11 @@
       <p:sp>
         <p:nvSpPr>
           <p:cNvPr id="164" name="Google Shape;164;ge28cc64f3f_0_42:notes"/>
-          <p:cNvSpPr txBox="1"/>
+          <p:cNvSpPr txBox="1">
+            <a:spLocks noGrp="1"/>
+          </p:cNvSpPr>
           <p:nvPr>
-            <p:ph idx="1" type="body"/>
+            <p:ph type="body" idx="1"/>
           </p:nvPr>
         </p:nvSpPr>
         <p:spPr>
@@ -1264,12 +1312,12 @@
           </a:prstGeom>
         </p:spPr>
         <p:txBody>
-          <a:bodyPr anchorCtr="0" anchor="t" bIns="91425" lIns="91425" spcFirstLastPara="1" rIns="91425" wrap="square" tIns="91425">
+          <a:bodyPr spcFirstLastPara="1" wrap="square" lIns="91425" tIns="91425" rIns="91425" bIns="91425" anchor="t" anchorCtr="0">
             <a:noAutofit/>
           </a:bodyPr>
           <a:lstStyle/>
           <a:p>
-            <a:pPr indent="0" lvl="0" marL="0" rtl="0" algn="l">
+            <a:pPr marL="0" lvl="0" indent="0" algn="l" rtl="0">
               <a:spcBef>
                 <a:spcPts val="0"/>
               </a:spcBef>
@@ -1278,9 +1326,6 @@
               </a:spcAft>
               <a:buNone/>
             </a:pPr>
-            <a:r>
-              <a:t/>
-            </a:r>
             <a:endParaRPr/>
           </a:p>
         </p:txBody>
@@ -1294,11 +1339,11 @@
 </file>
 
 <file path=ppt/notesSlides/notesSlide2.xml><?xml version="1.0" encoding="utf-8"?>
-<p:notes xmlns:a="http://schemas.openxmlformats.org/drawingml/2006/main" xmlns:r="http://schemas.openxmlformats.org/officeDocument/2006/relationships" xmlns:mc="http://schemas.openxmlformats.org/markup-compatibility/2006" xmlns:mv="urn:schemas-microsoft-com:mac:vml" xmlns:p="http://schemas.openxmlformats.org/presentationml/2006/main" xmlns:c="http://schemas.openxmlformats.org/drawingml/2006/chart" xmlns:dgm="http://schemas.openxmlformats.org/drawingml/2006/diagram" xmlns:o="urn:schemas-microsoft-com:office:office" xmlns:v="urn:schemas-microsoft-com:vml" xmlns:pvml="urn:schemas-microsoft-com:office:powerpoint" xmlns:com="http://schemas.openxmlformats.org/drawingml/2006/compatibility" xmlns:p14="http://schemas.microsoft.com/office/powerpoint/2010/main" xmlns:p15="http://schemas.microsoft.com/office/powerpoint/2012/main" xmlns:ahyp="http://schemas.microsoft.com/office/drawing/2018/hyperlinkcolor" showMasterPhAnim="0" showMasterSp="0">
+<p:notes xmlns:a="http://schemas.openxmlformats.org/drawingml/2006/main" xmlns:r="http://schemas.openxmlformats.org/officeDocument/2006/relationships" xmlns:p="http://schemas.openxmlformats.org/presentationml/2006/main" showMasterSp="0" showMasterPhAnim="0">
   <p:cSld>
     <p:spTree>
       <p:nvGrpSpPr>
-        <p:cNvPr id="56" name="Shape 56"/>
+        <p:cNvPr id="1" name="Shape 56"/>
         <p:cNvGrpSpPr/>
         <p:nvPr/>
       </p:nvGrpSpPr>
@@ -1313,9 +1358,11 @@
       <p:sp>
         <p:nvSpPr>
           <p:cNvPr id="57" name="Google Shape;57;g7766c7a979_0_358:notes"/>
-          <p:cNvSpPr/>
+          <p:cNvSpPr>
+            <a:spLocks noGrp="1" noRot="1" noChangeAspect="1"/>
+          </p:cNvSpPr>
           <p:nvPr>
-            <p:ph idx="2" type="sldImg"/>
+            <p:ph type="sldImg" idx="2"/>
           </p:nvPr>
         </p:nvSpPr>
         <p:spPr>
@@ -1324,9 +1371,13 @@
             <a:ext cx="6096000" cy="3429000"/>
           </a:xfrm>
           <a:custGeom>
-            <a:rect b="b" l="l" r="r" t="t"/>
+            <a:avLst/>
+            <a:gdLst/>
+            <a:ahLst/>
+            <a:cxnLst/>
+            <a:rect l="l" t="t" r="r" b="b"/>
             <a:pathLst>
-              <a:path extrusionOk="0" h="120000" w="120000">
+              <a:path w="120000" h="120000" extrusionOk="0">
                 <a:moveTo>
                   <a:pt x="0" y="0"/>
                 </a:moveTo>
@@ -1348,9 +1399,11 @@
       <p:sp>
         <p:nvSpPr>
           <p:cNvPr id="58" name="Google Shape;58;g7766c7a979_0_358:notes"/>
-          <p:cNvSpPr txBox="1"/>
+          <p:cNvSpPr txBox="1">
+            <a:spLocks noGrp="1"/>
+          </p:cNvSpPr>
           <p:nvPr>
-            <p:ph idx="1" type="body"/>
+            <p:ph type="body" idx="1"/>
           </p:nvPr>
         </p:nvSpPr>
         <p:spPr>
@@ -1363,12 +1416,12 @@
           </a:prstGeom>
         </p:spPr>
         <p:txBody>
-          <a:bodyPr anchorCtr="0" anchor="t" bIns="91425" lIns="91425" spcFirstLastPara="1" rIns="91425" wrap="square" tIns="91425">
+          <a:bodyPr spcFirstLastPara="1" wrap="square" lIns="91425" tIns="91425" rIns="91425" bIns="91425" anchor="t" anchorCtr="0">
             <a:noAutofit/>
           </a:bodyPr>
           <a:lstStyle/>
           <a:p>
-            <a:pPr indent="0" lvl="0" marL="0" rtl="0" algn="l">
+            <a:pPr marL="0" lvl="0" indent="0" algn="l" rtl="0">
               <a:spcBef>
                 <a:spcPts val="0"/>
               </a:spcBef>
@@ -1377,9 +1430,6 @@
               </a:spcAft>
               <a:buNone/>
             </a:pPr>
-            <a:r>
-              <a:t/>
-            </a:r>
             <a:endParaRPr/>
           </a:p>
         </p:txBody>
@@ -1393,11 +1443,11 @@
 </file>
 
 <file path=ppt/notesSlides/notesSlide3.xml><?xml version="1.0" encoding="utf-8"?>
-<p:notes xmlns:a="http://schemas.openxmlformats.org/drawingml/2006/main" xmlns:r="http://schemas.openxmlformats.org/officeDocument/2006/relationships" xmlns:mc="http://schemas.openxmlformats.org/markup-compatibility/2006" xmlns:mv="urn:schemas-microsoft-com:mac:vml" xmlns:p="http://schemas.openxmlformats.org/presentationml/2006/main" xmlns:c="http://schemas.openxmlformats.org/drawingml/2006/chart" xmlns:dgm="http://schemas.openxmlformats.org/drawingml/2006/diagram" xmlns:o="urn:schemas-microsoft-com:office:office" xmlns:v="urn:schemas-microsoft-com:vml" xmlns:pvml="urn:schemas-microsoft-com:office:powerpoint" xmlns:com="http://schemas.openxmlformats.org/drawingml/2006/compatibility" xmlns:p14="http://schemas.microsoft.com/office/powerpoint/2010/main" xmlns:p15="http://schemas.microsoft.com/office/powerpoint/2012/main" xmlns:ahyp="http://schemas.microsoft.com/office/drawing/2018/hyperlinkcolor" showMasterPhAnim="0" showMasterSp="0">
+<p:notes xmlns:a="http://schemas.openxmlformats.org/drawingml/2006/main" xmlns:r="http://schemas.openxmlformats.org/officeDocument/2006/relationships" xmlns:p="http://schemas.openxmlformats.org/presentationml/2006/main" showMasterSp="0" showMasterPhAnim="0">
   <p:cSld>
     <p:spTree>
       <p:nvGrpSpPr>
-        <p:cNvPr id="63" name="Shape 63"/>
+        <p:cNvPr id="1" name="Shape 63"/>
         <p:cNvGrpSpPr/>
         <p:nvPr/>
       </p:nvGrpSpPr>
@@ -1412,9 +1462,11 @@
       <p:sp>
         <p:nvSpPr>
           <p:cNvPr id="64" name="Google Shape;64;g7766c7a979_0_363:notes"/>
-          <p:cNvSpPr/>
+          <p:cNvSpPr>
+            <a:spLocks noGrp="1" noRot="1" noChangeAspect="1"/>
+          </p:cNvSpPr>
           <p:nvPr>
-            <p:ph idx="2" type="sldImg"/>
+            <p:ph type="sldImg" idx="2"/>
           </p:nvPr>
         </p:nvSpPr>
         <p:spPr>
@@ -1423,9 +1475,13 @@
             <a:ext cx="6096000" cy="3429000"/>
           </a:xfrm>
           <a:custGeom>
-            <a:rect b="b" l="l" r="r" t="t"/>
+            <a:avLst/>
+            <a:gdLst/>
+            <a:ahLst/>
+            <a:cxnLst/>
+            <a:rect l="l" t="t" r="r" b="b"/>
             <a:pathLst>
-              <a:path extrusionOk="0" h="120000" w="120000">
+              <a:path w="120000" h="120000" extrusionOk="0">
                 <a:moveTo>
                   <a:pt x="0" y="0"/>
                 </a:moveTo>
@@ -1447,9 +1503,11 @@
       <p:sp>
         <p:nvSpPr>
           <p:cNvPr id="65" name="Google Shape;65;g7766c7a979_0_363:notes"/>
-          <p:cNvSpPr txBox="1"/>
+          <p:cNvSpPr txBox="1">
+            <a:spLocks noGrp="1"/>
+          </p:cNvSpPr>
           <p:nvPr>
-            <p:ph idx="1" type="body"/>
+            <p:ph type="body" idx="1"/>
           </p:nvPr>
         </p:nvSpPr>
         <p:spPr>
@@ -1462,12 +1520,12 @@
           </a:prstGeom>
         </p:spPr>
         <p:txBody>
-          <a:bodyPr anchorCtr="0" anchor="t" bIns="91425" lIns="91425" spcFirstLastPara="1" rIns="91425" wrap="square" tIns="91425">
+          <a:bodyPr spcFirstLastPara="1" wrap="square" lIns="91425" tIns="91425" rIns="91425" bIns="91425" anchor="t" anchorCtr="0">
             <a:noAutofit/>
           </a:bodyPr>
           <a:lstStyle/>
           <a:p>
-            <a:pPr indent="0" lvl="0" marL="0" rtl="0" algn="l">
+            <a:pPr marL="0" lvl="0" indent="0" algn="l" rtl="0">
               <a:spcBef>
                 <a:spcPts val="0"/>
               </a:spcBef>
@@ -1476,9 +1534,6 @@
               </a:spcAft>
               <a:buNone/>
             </a:pPr>
-            <a:r>
-              <a:t/>
-            </a:r>
             <a:endParaRPr/>
           </a:p>
         </p:txBody>
@@ -1492,11 +1547,11 @@
 </file>
 
 <file path=ppt/notesSlides/notesSlide4.xml><?xml version="1.0" encoding="utf-8"?>
-<p:notes xmlns:a="http://schemas.openxmlformats.org/drawingml/2006/main" xmlns:r="http://schemas.openxmlformats.org/officeDocument/2006/relationships" xmlns:mc="http://schemas.openxmlformats.org/markup-compatibility/2006" xmlns:mv="urn:schemas-microsoft-com:mac:vml" xmlns:p="http://schemas.openxmlformats.org/presentationml/2006/main" xmlns:c="http://schemas.openxmlformats.org/drawingml/2006/chart" xmlns:dgm="http://schemas.openxmlformats.org/drawingml/2006/diagram" xmlns:o="urn:schemas-microsoft-com:office:office" xmlns:v="urn:schemas-microsoft-com:vml" xmlns:pvml="urn:schemas-microsoft-com:office:powerpoint" xmlns:com="http://schemas.openxmlformats.org/drawingml/2006/compatibility" xmlns:p14="http://schemas.microsoft.com/office/powerpoint/2010/main" xmlns:p15="http://schemas.microsoft.com/office/powerpoint/2012/main" xmlns:ahyp="http://schemas.microsoft.com/office/drawing/2018/hyperlinkcolor" showMasterPhAnim="0" showMasterSp="0">
+<p:notes xmlns:a="http://schemas.openxmlformats.org/drawingml/2006/main" xmlns:r="http://schemas.openxmlformats.org/officeDocument/2006/relationships" xmlns:p="http://schemas.openxmlformats.org/presentationml/2006/main" showMasterSp="0" showMasterPhAnim="0">
   <p:cSld>
     <p:spTree>
       <p:nvGrpSpPr>
-        <p:cNvPr id="69" name="Shape 69"/>
+        <p:cNvPr id="1" name="Shape 69"/>
         <p:cNvGrpSpPr/>
         <p:nvPr/>
       </p:nvGrpSpPr>
@@ -1511,9 +1566,11 @@
       <p:sp>
         <p:nvSpPr>
           <p:cNvPr id="70" name="Google Shape;70;g7766c7a979_0_373:notes"/>
-          <p:cNvSpPr/>
+          <p:cNvSpPr>
+            <a:spLocks noGrp="1" noRot="1" noChangeAspect="1"/>
+          </p:cNvSpPr>
           <p:nvPr>
-            <p:ph idx="2" type="sldImg"/>
+            <p:ph type="sldImg" idx="2"/>
           </p:nvPr>
         </p:nvSpPr>
         <p:spPr>
@@ -1522,9 +1579,13 @@
             <a:ext cx="6096000" cy="3429000"/>
           </a:xfrm>
           <a:custGeom>
-            <a:rect b="b" l="l" r="r" t="t"/>
+            <a:avLst/>
+            <a:gdLst/>
+            <a:ahLst/>
+            <a:cxnLst/>
+            <a:rect l="l" t="t" r="r" b="b"/>
             <a:pathLst>
-              <a:path extrusionOk="0" h="120000" w="120000">
+              <a:path w="120000" h="120000" extrusionOk="0">
                 <a:moveTo>
                   <a:pt x="0" y="0"/>
                 </a:moveTo>
@@ -1546,9 +1607,11 @@
       <p:sp>
         <p:nvSpPr>
           <p:cNvPr id="71" name="Google Shape;71;g7766c7a979_0_373:notes"/>
-          <p:cNvSpPr txBox="1"/>
+          <p:cNvSpPr txBox="1">
+            <a:spLocks noGrp="1"/>
+          </p:cNvSpPr>
           <p:nvPr>
-            <p:ph idx="1" type="body"/>
+            <p:ph type="body" idx="1"/>
           </p:nvPr>
         </p:nvSpPr>
         <p:spPr>
@@ -1561,12 +1624,12 @@
           </a:prstGeom>
         </p:spPr>
         <p:txBody>
-          <a:bodyPr anchorCtr="0" anchor="t" bIns="91425" lIns="91425" spcFirstLastPara="1" rIns="91425" wrap="square" tIns="91425">
+          <a:bodyPr spcFirstLastPara="1" wrap="square" lIns="91425" tIns="91425" rIns="91425" bIns="91425" anchor="t" anchorCtr="0">
             <a:noAutofit/>
           </a:bodyPr>
           <a:lstStyle/>
           <a:p>
-            <a:pPr indent="0" lvl="0" marL="0" rtl="0" algn="l">
+            <a:pPr marL="0" lvl="0" indent="0" algn="l" rtl="0">
               <a:spcBef>
                 <a:spcPts val="0"/>
               </a:spcBef>
@@ -1575,9 +1638,6 @@
               </a:spcAft>
               <a:buNone/>
             </a:pPr>
-            <a:r>
-              <a:t/>
-            </a:r>
             <a:endParaRPr/>
           </a:p>
         </p:txBody>
@@ -1591,11 +1651,11 @@
 </file>
 
 <file path=ppt/notesSlides/notesSlide5.xml><?xml version="1.0" encoding="utf-8"?>
-<p:notes xmlns:a="http://schemas.openxmlformats.org/drawingml/2006/main" xmlns:r="http://schemas.openxmlformats.org/officeDocument/2006/relationships" xmlns:mc="http://schemas.openxmlformats.org/markup-compatibility/2006" xmlns:mv="urn:schemas-microsoft-com:mac:vml" xmlns:p="http://schemas.openxmlformats.org/presentationml/2006/main" xmlns:c="http://schemas.openxmlformats.org/drawingml/2006/chart" xmlns:dgm="http://schemas.openxmlformats.org/drawingml/2006/diagram" xmlns:o="urn:schemas-microsoft-com:office:office" xmlns:v="urn:schemas-microsoft-com:vml" xmlns:pvml="urn:schemas-microsoft-com:office:powerpoint" xmlns:com="http://schemas.openxmlformats.org/drawingml/2006/compatibility" xmlns:p14="http://schemas.microsoft.com/office/powerpoint/2010/main" xmlns:p15="http://schemas.microsoft.com/office/powerpoint/2012/main" xmlns:ahyp="http://schemas.microsoft.com/office/drawing/2018/hyperlinkcolor" showMasterPhAnim="0" showMasterSp="0">
+<p:notes xmlns:a="http://schemas.openxmlformats.org/drawingml/2006/main" xmlns:r="http://schemas.openxmlformats.org/officeDocument/2006/relationships" xmlns:p="http://schemas.openxmlformats.org/presentationml/2006/main" showMasterSp="0" showMasterPhAnim="0">
   <p:cSld>
     <p:spTree>
       <p:nvGrpSpPr>
-        <p:cNvPr id="79" name="Shape 79"/>
+        <p:cNvPr id="1" name="Shape 79"/>
         <p:cNvGrpSpPr/>
         <p:nvPr/>
       </p:nvGrpSpPr>
@@ -1610,20 +1670,26 @@
       <p:sp>
         <p:nvSpPr>
           <p:cNvPr id="80" name="Google Shape;80;g964b07954c_0_0:notes"/>
-          <p:cNvSpPr/>
+          <p:cNvSpPr>
+            <a:spLocks noGrp="1" noRot="1" noChangeAspect="1"/>
+          </p:cNvSpPr>
           <p:nvPr>
-            <p:ph idx="2" type="sldImg"/>
+            <p:ph type="sldImg" idx="2"/>
           </p:nvPr>
         </p:nvSpPr>
         <p:spPr>
           <a:xfrm>
-            <a:off x="381300" y="685800"/>
+            <a:off x="381000" y="685800"/>
             <a:ext cx="6096000" cy="3429000"/>
           </a:xfrm>
           <a:custGeom>
-            <a:rect b="b" l="l" r="r" t="t"/>
+            <a:avLst/>
+            <a:gdLst/>
+            <a:ahLst/>
+            <a:cxnLst/>
+            <a:rect l="l" t="t" r="r" b="b"/>
             <a:pathLst>
-              <a:path extrusionOk="0" h="120000" w="120000">
+              <a:path w="120000" h="120000" extrusionOk="0">
                 <a:moveTo>
                   <a:pt x="0" y="0"/>
                 </a:moveTo>
@@ -1645,9 +1711,11 @@
       <p:sp>
         <p:nvSpPr>
           <p:cNvPr id="81" name="Google Shape;81;g964b07954c_0_0:notes"/>
-          <p:cNvSpPr txBox="1"/>
+          <p:cNvSpPr txBox="1">
+            <a:spLocks noGrp="1"/>
+          </p:cNvSpPr>
           <p:nvPr>
-            <p:ph idx="1" type="body"/>
+            <p:ph type="body" idx="1"/>
           </p:nvPr>
         </p:nvSpPr>
         <p:spPr>
@@ -1660,12 +1728,12 @@
           </a:prstGeom>
         </p:spPr>
         <p:txBody>
-          <a:bodyPr anchorCtr="0" anchor="t" bIns="91425" lIns="91425" spcFirstLastPara="1" rIns="91425" wrap="square" tIns="91425">
+          <a:bodyPr spcFirstLastPara="1" wrap="square" lIns="91425" tIns="91425" rIns="91425" bIns="91425" anchor="t" anchorCtr="0">
             <a:noAutofit/>
           </a:bodyPr>
           <a:lstStyle/>
           <a:p>
-            <a:pPr indent="0" lvl="0" marL="0" rtl="0" algn="l">
+            <a:pPr marL="0" lvl="0" indent="0" algn="l" rtl="0">
               <a:spcBef>
                 <a:spcPts val="0"/>
               </a:spcBef>
@@ -1674,9 +1742,6 @@
               </a:spcAft>
               <a:buNone/>
             </a:pPr>
-            <a:r>
-              <a:t/>
-            </a:r>
             <a:endParaRPr/>
           </a:p>
         </p:txBody>
@@ -1690,11 +1755,11 @@
 </file>
 
 <file path=ppt/notesSlides/notesSlide6.xml><?xml version="1.0" encoding="utf-8"?>
-<p:notes xmlns:a="http://schemas.openxmlformats.org/drawingml/2006/main" xmlns:r="http://schemas.openxmlformats.org/officeDocument/2006/relationships" xmlns:mc="http://schemas.openxmlformats.org/markup-compatibility/2006" xmlns:mv="urn:schemas-microsoft-com:mac:vml" xmlns:p="http://schemas.openxmlformats.org/presentationml/2006/main" xmlns:c="http://schemas.openxmlformats.org/drawingml/2006/chart" xmlns:dgm="http://schemas.openxmlformats.org/drawingml/2006/diagram" xmlns:o="urn:schemas-microsoft-com:office:office" xmlns:v="urn:schemas-microsoft-com:vml" xmlns:pvml="urn:schemas-microsoft-com:office:powerpoint" xmlns:com="http://schemas.openxmlformats.org/drawingml/2006/compatibility" xmlns:p14="http://schemas.microsoft.com/office/powerpoint/2010/main" xmlns:p15="http://schemas.microsoft.com/office/powerpoint/2012/main" xmlns:ahyp="http://schemas.microsoft.com/office/drawing/2018/hyperlinkcolor" showMasterPhAnim="0" showMasterSp="0">
+<p:notes xmlns:a="http://schemas.openxmlformats.org/drawingml/2006/main" xmlns:r="http://schemas.openxmlformats.org/officeDocument/2006/relationships" xmlns:p="http://schemas.openxmlformats.org/presentationml/2006/main" showMasterSp="0" showMasterPhAnim="0">
   <p:cSld>
     <p:spTree>
       <p:nvGrpSpPr>
-        <p:cNvPr id="87" name="Shape 87"/>
+        <p:cNvPr id="1" name="Shape 87"/>
         <p:cNvGrpSpPr/>
         <p:nvPr/>
       </p:nvGrpSpPr>
@@ -1709,9 +1774,11 @@
       <p:sp>
         <p:nvSpPr>
           <p:cNvPr id="88" name="Google Shape;88;g8d1c815cf8_0_0:notes"/>
-          <p:cNvSpPr/>
+          <p:cNvSpPr>
+            <a:spLocks noGrp="1" noRot="1" noChangeAspect="1"/>
+          </p:cNvSpPr>
           <p:nvPr>
-            <p:ph idx="2" type="sldImg"/>
+            <p:ph type="sldImg" idx="2"/>
           </p:nvPr>
         </p:nvSpPr>
         <p:spPr>
@@ -1720,9 +1787,13 @@
             <a:ext cx="6096000" cy="3429000"/>
           </a:xfrm>
           <a:custGeom>
-            <a:rect b="b" l="l" r="r" t="t"/>
+            <a:avLst/>
+            <a:gdLst/>
+            <a:ahLst/>
+            <a:cxnLst/>
+            <a:rect l="l" t="t" r="r" b="b"/>
             <a:pathLst>
-              <a:path extrusionOk="0" h="120000" w="120000">
+              <a:path w="120000" h="120000" extrusionOk="0">
                 <a:moveTo>
                   <a:pt x="0" y="0"/>
                 </a:moveTo>
@@ -1744,9 +1815,11 @@
       <p:sp>
         <p:nvSpPr>
           <p:cNvPr id="89" name="Google Shape;89;g8d1c815cf8_0_0:notes"/>
-          <p:cNvSpPr txBox="1"/>
+          <p:cNvSpPr txBox="1">
+            <a:spLocks noGrp="1"/>
+          </p:cNvSpPr>
           <p:nvPr>
-            <p:ph idx="1" type="body"/>
+            <p:ph type="body" idx="1"/>
           </p:nvPr>
         </p:nvSpPr>
         <p:spPr>
@@ -1759,12 +1832,12 @@
           </a:prstGeom>
         </p:spPr>
         <p:txBody>
-          <a:bodyPr anchorCtr="0" anchor="t" bIns="91425" lIns="91425" spcFirstLastPara="1" rIns="91425" wrap="square" tIns="91425">
+          <a:bodyPr spcFirstLastPara="1" wrap="square" lIns="91425" tIns="91425" rIns="91425" bIns="91425" anchor="t" anchorCtr="0">
             <a:noAutofit/>
           </a:bodyPr>
           <a:lstStyle/>
           <a:p>
-            <a:pPr indent="0" lvl="0" marL="0" rtl="0" algn="l">
+            <a:pPr marL="0" lvl="0" indent="0" algn="l" rtl="0">
               <a:spcBef>
                 <a:spcPts val="0"/>
               </a:spcBef>
@@ -1773,9 +1846,6 @@
               </a:spcAft>
               <a:buNone/>
             </a:pPr>
-            <a:r>
-              <a:t/>
-            </a:r>
             <a:endParaRPr/>
           </a:p>
         </p:txBody>
@@ -1789,11 +1859,11 @@
 </file>
 
 <file path=ppt/notesSlides/notesSlide7.xml><?xml version="1.0" encoding="utf-8"?>
-<p:notes xmlns:a="http://schemas.openxmlformats.org/drawingml/2006/main" xmlns:r="http://schemas.openxmlformats.org/officeDocument/2006/relationships" xmlns:mc="http://schemas.openxmlformats.org/markup-compatibility/2006" xmlns:mv="urn:schemas-microsoft-com:mac:vml" xmlns:p="http://schemas.openxmlformats.org/presentationml/2006/main" xmlns:c="http://schemas.openxmlformats.org/drawingml/2006/chart" xmlns:dgm="http://schemas.openxmlformats.org/drawingml/2006/diagram" xmlns:o="urn:schemas-microsoft-com:office:office" xmlns:v="urn:schemas-microsoft-com:vml" xmlns:pvml="urn:schemas-microsoft-com:office:powerpoint" xmlns:com="http://schemas.openxmlformats.org/drawingml/2006/compatibility" xmlns:p14="http://schemas.microsoft.com/office/powerpoint/2010/main" xmlns:p15="http://schemas.microsoft.com/office/powerpoint/2012/main" xmlns:ahyp="http://schemas.microsoft.com/office/drawing/2018/hyperlinkcolor" showMasterPhAnim="0" showMasterSp="0">
+<p:notes xmlns:a="http://schemas.openxmlformats.org/drawingml/2006/main" xmlns:r="http://schemas.openxmlformats.org/officeDocument/2006/relationships" xmlns:p="http://schemas.openxmlformats.org/presentationml/2006/main" showMasterSp="0" showMasterPhAnim="0">
   <p:cSld>
     <p:spTree>
       <p:nvGrpSpPr>
-        <p:cNvPr id="96" name="Shape 96"/>
+        <p:cNvPr id="1" name="Shape 96"/>
         <p:cNvGrpSpPr/>
         <p:nvPr/>
       </p:nvGrpSpPr>
@@ -1808,9 +1878,11 @@
       <p:sp>
         <p:nvSpPr>
           <p:cNvPr id="97" name="Google Shape;97;g7766c7a979_0_378:notes"/>
-          <p:cNvSpPr/>
+          <p:cNvSpPr>
+            <a:spLocks noGrp="1" noRot="1" noChangeAspect="1"/>
+          </p:cNvSpPr>
           <p:nvPr>
-            <p:ph idx="2" type="sldImg"/>
+            <p:ph type="sldImg" idx="2"/>
           </p:nvPr>
         </p:nvSpPr>
         <p:spPr>
@@ -1819,9 +1891,13 @@
             <a:ext cx="6096000" cy="3429000"/>
           </a:xfrm>
           <a:custGeom>
-            <a:rect b="b" l="l" r="r" t="t"/>
+            <a:avLst/>
+            <a:gdLst/>
+            <a:ahLst/>
+            <a:cxnLst/>
+            <a:rect l="l" t="t" r="r" b="b"/>
             <a:pathLst>
-              <a:path extrusionOk="0" h="120000" w="120000">
+              <a:path w="120000" h="120000" extrusionOk="0">
                 <a:moveTo>
                   <a:pt x="0" y="0"/>
                 </a:moveTo>
@@ -1843,9 +1919,11 @@
       <p:sp>
         <p:nvSpPr>
           <p:cNvPr id="98" name="Google Shape;98;g7766c7a979_0_378:notes"/>
-          <p:cNvSpPr txBox="1"/>
+          <p:cNvSpPr txBox="1">
+            <a:spLocks noGrp="1"/>
+          </p:cNvSpPr>
           <p:nvPr>
-            <p:ph idx="1" type="body"/>
+            <p:ph type="body" idx="1"/>
           </p:nvPr>
         </p:nvSpPr>
         <p:spPr>
@@ -1858,12 +1936,12 @@
           </a:prstGeom>
         </p:spPr>
         <p:txBody>
-          <a:bodyPr anchorCtr="0" anchor="t" bIns="91425" lIns="91425" spcFirstLastPara="1" rIns="91425" wrap="square" tIns="91425">
+          <a:bodyPr spcFirstLastPara="1" wrap="square" lIns="91425" tIns="91425" rIns="91425" bIns="91425" anchor="t" anchorCtr="0">
             <a:noAutofit/>
           </a:bodyPr>
           <a:lstStyle/>
           <a:p>
-            <a:pPr indent="0" lvl="0" marL="0" rtl="0" algn="l">
+            <a:pPr marL="0" lvl="0" indent="0" algn="l" rtl="0">
               <a:spcBef>
                 <a:spcPts val="0"/>
               </a:spcBef>
@@ -1872,9 +1950,6 @@
               </a:spcAft>
               <a:buNone/>
             </a:pPr>
-            <a:r>
-              <a:t/>
-            </a:r>
             <a:endParaRPr/>
           </a:p>
         </p:txBody>
@@ -1888,11 +1963,11 @@
 </file>
 
 <file path=ppt/notesSlides/notesSlide8.xml><?xml version="1.0" encoding="utf-8"?>
-<p:notes xmlns:a="http://schemas.openxmlformats.org/drawingml/2006/main" xmlns:r="http://schemas.openxmlformats.org/officeDocument/2006/relationships" xmlns:mc="http://schemas.openxmlformats.org/markup-compatibility/2006" xmlns:mv="urn:schemas-microsoft-com:mac:vml" xmlns:p="http://schemas.openxmlformats.org/presentationml/2006/main" xmlns:c="http://schemas.openxmlformats.org/drawingml/2006/chart" xmlns:dgm="http://schemas.openxmlformats.org/drawingml/2006/diagram" xmlns:o="urn:schemas-microsoft-com:office:office" xmlns:v="urn:schemas-microsoft-com:vml" xmlns:pvml="urn:schemas-microsoft-com:office:powerpoint" xmlns:com="http://schemas.openxmlformats.org/drawingml/2006/compatibility" xmlns:p14="http://schemas.microsoft.com/office/powerpoint/2010/main" xmlns:p15="http://schemas.microsoft.com/office/powerpoint/2012/main" xmlns:ahyp="http://schemas.microsoft.com/office/drawing/2018/hyperlinkcolor" showMasterPhAnim="0" showMasterSp="0">
+<p:notes xmlns:a="http://schemas.openxmlformats.org/drawingml/2006/main" xmlns:r="http://schemas.openxmlformats.org/officeDocument/2006/relationships" xmlns:p="http://schemas.openxmlformats.org/presentationml/2006/main" showMasterSp="0" showMasterPhAnim="0">
   <p:cSld>
     <p:spTree>
       <p:nvGrpSpPr>
-        <p:cNvPr id="103" name="Shape 103"/>
+        <p:cNvPr id="1" name="Shape 103"/>
         <p:cNvGrpSpPr/>
         <p:nvPr/>
       </p:nvGrpSpPr>
@@ -1907,9 +1982,11 @@
       <p:sp>
         <p:nvSpPr>
           <p:cNvPr id="104" name="Google Shape;104;ge28cc64f3f_0_5:notes"/>
-          <p:cNvSpPr/>
+          <p:cNvSpPr>
+            <a:spLocks noGrp="1" noRot="1" noChangeAspect="1"/>
+          </p:cNvSpPr>
           <p:nvPr>
-            <p:ph idx="2" type="sldImg"/>
+            <p:ph type="sldImg" idx="2"/>
           </p:nvPr>
         </p:nvSpPr>
         <p:spPr>
@@ -1918,9 +1995,13 @@
             <a:ext cx="6096000" cy="3429000"/>
           </a:xfrm>
           <a:custGeom>
-            <a:rect b="b" l="l" r="r" t="t"/>
+            <a:avLst/>
+            <a:gdLst/>
+            <a:ahLst/>
+            <a:cxnLst/>
+            <a:rect l="l" t="t" r="r" b="b"/>
             <a:pathLst>
-              <a:path extrusionOk="0" h="120000" w="120000">
+              <a:path w="120000" h="120000" extrusionOk="0">
                 <a:moveTo>
                   <a:pt x="0" y="0"/>
                 </a:moveTo>
@@ -1942,9 +2023,11 @@
       <p:sp>
         <p:nvSpPr>
           <p:cNvPr id="105" name="Google Shape;105;ge28cc64f3f_0_5:notes"/>
-          <p:cNvSpPr txBox="1"/>
+          <p:cNvSpPr txBox="1">
+            <a:spLocks noGrp="1"/>
+          </p:cNvSpPr>
           <p:nvPr>
-            <p:ph idx="1" type="body"/>
+            <p:ph type="body" idx="1"/>
           </p:nvPr>
         </p:nvSpPr>
         <p:spPr>
@@ -1957,12 +2040,12 @@
           </a:prstGeom>
         </p:spPr>
         <p:txBody>
-          <a:bodyPr anchorCtr="0" anchor="t" bIns="91425" lIns="91425" spcFirstLastPara="1" rIns="91425" wrap="square" tIns="91425">
+          <a:bodyPr spcFirstLastPara="1" wrap="square" lIns="91425" tIns="91425" rIns="91425" bIns="91425" anchor="t" anchorCtr="0">
             <a:noAutofit/>
           </a:bodyPr>
           <a:lstStyle/>
           <a:p>
-            <a:pPr indent="0" lvl="0" marL="0" rtl="0" algn="l">
+            <a:pPr marL="0" lvl="0" indent="0" algn="l" rtl="0">
               <a:spcBef>
                 <a:spcPts val="0"/>
               </a:spcBef>
@@ -1971,9 +2054,6 @@
               </a:spcAft>
               <a:buNone/>
             </a:pPr>
-            <a:r>
-              <a:t/>
-            </a:r>
             <a:endParaRPr/>
           </a:p>
         </p:txBody>
@@ -1987,11 +2067,11 @@
 </file>
 
 <file path=ppt/notesSlides/notesSlide9.xml><?xml version="1.0" encoding="utf-8"?>
-<p:notes xmlns:a="http://schemas.openxmlformats.org/drawingml/2006/main" xmlns:r="http://schemas.openxmlformats.org/officeDocument/2006/relationships" xmlns:mc="http://schemas.openxmlformats.org/markup-compatibility/2006" xmlns:mv="urn:schemas-microsoft-com:mac:vml" xmlns:p="http://schemas.openxmlformats.org/presentationml/2006/main" xmlns:c="http://schemas.openxmlformats.org/drawingml/2006/chart" xmlns:dgm="http://schemas.openxmlformats.org/drawingml/2006/diagram" xmlns:o="urn:schemas-microsoft-com:office:office" xmlns:v="urn:schemas-microsoft-com:vml" xmlns:pvml="urn:schemas-microsoft-com:office:powerpoint" xmlns:com="http://schemas.openxmlformats.org/drawingml/2006/compatibility" xmlns:p14="http://schemas.microsoft.com/office/powerpoint/2010/main" xmlns:p15="http://schemas.microsoft.com/office/powerpoint/2012/main" xmlns:ahyp="http://schemas.microsoft.com/office/drawing/2018/hyperlinkcolor" showMasterPhAnim="0" showMasterSp="0">
+<p:notes xmlns:a="http://schemas.openxmlformats.org/drawingml/2006/main" xmlns:r="http://schemas.openxmlformats.org/officeDocument/2006/relationships" xmlns:p="http://schemas.openxmlformats.org/presentationml/2006/main" showMasterSp="0" showMasterPhAnim="0">
   <p:cSld>
     <p:spTree>
       <p:nvGrpSpPr>
-        <p:cNvPr id="115" name="Shape 115"/>
+        <p:cNvPr id="1" name="Shape 115"/>
         <p:cNvGrpSpPr/>
         <p:nvPr/>
       </p:nvGrpSpPr>
@@ -2006,9 +2086,11 @@
       <p:sp>
         <p:nvSpPr>
           <p:cNvPr id="116" name="Google Shape;116;g93d07a7429_1_0:notes"/>
-          <p:cNvSpPr/>
+          <p:cNvSpPr>
+            <a:spLocks noGrp="1" noRot="1" noChangeAspect="1"/>
+          </p:cNvSpPr>
           <p:nvPr>
-            <p:ph idx="2" type="sldImg"/>
+            <p:ph type="sldImg" idx="2"/>
           </p:nvPr>
         </p:nvSpPr>
         <p:spPr>
@@ -2017,9 +2099,13 @@
             <a:ext cx="6096000" cy="3429000"/>
           </a:xfrm>
           <a:custGeom>
-            <a:rect b="b" l="l" r="r" t="t"/>
+            <a:avLst/>
+            <a:gdLst/>
+            <a:ahLst/>
+            <a:cxnLst/>
+            <a:rect l="l" t="t" r="r" b="b"/>
             <a:pathLst>
-              <a:path extrusionOk="0" h="120000" w="120000">
+              <a:path w="120000" h="120000" extrusionOk="0">
                 <a:moveTo>
                   <a:pt x="0" y="0"/>
                 </a:moveTo>
@@ -2041,9 +2127,11 @@
       <p:sp>
         <p:nvSpPr>
           <p:cNvPr id="117" name="Google Shape;117;g93d07a7429_1_0:notes"/>
-          <p:cNvSpPr txBox="1"/>
+          <p:cNvSpPr txBox="1">
+            <a:spLocks noGrp="1"/>
+          </p:cNvSpPr>
           <p:nvPr>
-            <p:ph idx="1" type="body"/>
+            <p:ph type="body" idx="1"/>
           </p:nvPr>
         </p:nvSpPr>
         <p:spPr>
@@ -2056,12 +2144,12 @@
           </a:prstGeom>
         </p:spPr>
         <p:txBody>
-          <a:bodyPr anchorCtr="0" anchor="t" bIns="91425" lIns="91425" spcFirstLastPara="1" rIns="91425" wrap="square" tIns="91425">
+          <a:bodyPr spcFirstLastPara="1" wrap="square" lIns="91425" tIns="91425" rIns="91425" bIns="91425" anchor="t" anchorCtr="0">
             <a:noAutofit/>
           </a:bodyPr>
           <a:lstStyle/>
           <a:p>
-            <a:pPr indent="0" lvl="0" marL="0" rtl="0" algn="l">
+            <a:pPr marL="0" lvl="0" indent="0" algn="l" rtl="0">
               <a:spcBef>
                 <a:spcPts val="0"/>
               </a:spcBef>
@@ -2070,9 +2158,6 @@
               </a:spcAft>
               <a:buNone/>
             </a:pPr>
-            <a:r>
-              <a:t/>
-            </a:r>
             <a:endParaRPr/>
           </a:p>
         </p:txBody>
@@ -2086,11 +2171,11 @@
 </file>
 
 <file path=ppt/slideLayouts/slideLayout1.xml><?xml version="1.0" encoding="utf-8"?>
-<p:sldLayout xmlns:a="http://schemas.openxmlformats.org/drawingml/2006/main" xmlns:r="http://schemas.openxmlformats.org/officeDocument/2006/relationships" xmlns:mc="http://schemas.openxmlformats.org/markup-compatibility/2006" xmlns:mv="urn:schemas-microsoft-com:mac:vml" xmlns:p="http://schemas.openxmlformats.org/presentationml/2006/main" xmlns:c="http://schemas.openxmlformats.org/drawingml/2006/chart" xmlns:dgm="http://schemas.openxmlformats.org/drawingml/2006/diagram" xmlns:o="urn:schemas-microsoft-com:office:office" xmlns:v="urn:schemas-microsoft-com:vml" xmlns:pvml="urn:schemas-microsoft-com:office:powerpoint" xmlns:com="http://schemas.openxmlformats.org/drawingml/2006/compatibility" xmlns:p14="http://schemas.microsoft.com/office/powerpoint/2010/main" xmlns:p15="http://schemas.microsoft.com/office/powerpoint/2012/main" xmlns:ahyp="http://schemas.microsoft.com/office/drawing/2018/hyperlinkcolor" matchingName="Title slide" type="title">
+<p:sldLayout xmlns:a="http://schemas.openxmlformats.org/drawingml/2006/main" xmlns:r="http://schemas.openxmlformats.org/officeDocument/2006/relationships" xmlns:p="http://schemas.openxmlformats.org/presentationml/2006/main" matchingName="Title slide" type="title">
   <p:cSld name="TITLE">
     <p:spTree>
       <p:nvGrpSpPr>
-        <p:cNvPr id="9" name="Shape 9"/>
+        <p:cNvPr id="1" name="Shape 9"/>
         <p:cNvGrpSpPr/>
         <p:nvPr/>
       </p:nvGrpSpPr>
@@ -2105,7 +2190,9 @@
       <p:sp>
         <p:nvSpPr>
           <p:cNvPr id="10" name="Google Shape;10;p2"/>
-          <p:cNvSpPr txBox="1"/>
+          <p:cNvSpPr txBox="1">
+            <a:spLocks noGrp="1"/>
+          </p:cNvSpPr>
           <p:nvPr>
             <p:ph type="ctrTitle"/>
           </p:nvPr>
@@ -2120,7 +2207,7 @@
           </a:prstGeom>
         </p:spPr>
         <p:txBody>
-          <a:bodyPr anchorCtr="0" anchor="b" bIns="91425" lIns="91425" spcFirstLastPara="1" rIns="91425" wrap="square" tIns="91425">
+          <a:bodyPr spcFirstLastPara="1" wrap="square" lIns="91425" tIns="91425" rIns="91425" bIns="91425" anchor="b" anchorCtr="0">
             <a:noAutofit/>
           </a:bodyPr>
           <a:lstStyle>
@@ -2224,15 +2311,19 @@
               <a:defRPr sz="5200"/>
             </a:lvl9pPr>
           </a:lstStyle>
-          <a:p/>
+          <a:p>
+            <a:endParaRPr/>
+          </a:p>
         </p:txBody>
       </p:sp>
       <p:sp>
         <p:nvSpPr>
           <p:cNvPr id="11" name="Google Shape;11;p2"/>
-          <p:cNvSpPr txBox="1"/>
+          <p:cNvSpPr txBox="1">
+            <a:spLocks noGrp="1"/>
+          </p:cNvSpPr>
           <p:nvPr>
-            <p:ph idx="1" type="subTitle"/>
+            <p:ph type="subTitle" idx="1"/>
           </p:nvPr>
         </p:nvSpPr>
         <p:spPr>
@@ -2245,7 +2336,7 @@
           </a:prstGeom>
         </p:spPr>
         <p:txBody>
-          <a:bodyPr anchorCtr="0" anchor="t" bIns="91425" lIns="91425" spcFirstLastPara="1" rIns="91425" wrap="square" tIns="91425">
+          <a:bodyPr spcFirstLastPara="1" wrap="square" lIns="91425" tIns="91425" rIns="91425" bIns="91425" anchor="t" anchorCtr="0">
             <a:noAutofit/>
           </a:bodyPr>
           <a:lstStyle>
@@ -2376,15 +2467,19 @@
               <a:defRPr sz="2800"/>
             </a:lvl9pPr>
           </a:lstStyle>
-          <a:p/>
+          <a:p>
+            <a:endParaRPr/>
+          </a:p>
         </p:txBody>
       </p:sp>
       <p:sp>
         <p:nvSpPr>
           <p:cNvPr id="12" name="Google Shape;12;p2"/>
-          <p:cNvSpPr txBox="1"/>
+          <p:cNvSpPr txBox="1">
+            <a:spLocks noGrp="1"/>
+          </p:cNvSpPr>
           <p:nvPr>
-            <p:ph idx="12" type="sldNum"/>
+            <p:ph type="sldNum" idx="12"/>
           </p:nvPr>
         </p:nvSpPr>
         <p:spPr>
@@ -2397,7 +2492,7 @@
           </a:prstGeom>
         </p:spPr>
         <p:txBody>
-          <a:bodyPr anchorCtr="0" anchor="ctr" bIns="91425" lIns="91425" spcFirstLastPara="1" rIns="91425" wrap="square" tIns="91425">
+          <a:bodyPr spcFirstLastPara="1" wrap="square" lIns="91425" tIns="91425" rIns="91425" bIns="91425" anchor="ctr" anchorCtr="0">
             <a:noAutofit/>
           </a:bodyPr>
           <a:lstStyle>
@@ -2439,7 +2534,7 @@
             </a:lvl9pPr>
           </a:lstStyle>
           <a:p>
-            <a:pPr indent="0" lvl="0" marL="0" rtl="0" algn="r">
+            <a:pPr marL="0" lvl="0" indent="0" algn="r" rtl="0">
               <a:spcBef>
                 <a:spcPts val="0"/>
               </a:spcBef>
@@ -2465,11 +2560,11 @@
 </file>
 
 <file path=ppt/slideLayouts/slideLayout10.xml><?xml version="1.0" encoding="utf-8"?>
-<p:sldLayout xmlns:a="http://schemas.openxmlformats.org/drawingml/2006/main" xmlns:r="http://schemas.openxmlformats.org/officeDocument/2006/relationships" xmlns:mc="http://schemas.openxmlformats.org/markup-compatibility/2006" xmlns:mv="urn:schemas-microsoft-com:mac:vml" xmlns:p="http://schemas.openxmlformats.org/presentationml/2006/main" xmlns:c="http://schemas.openxmlformats.org/drawingml/2006/chart" xmlns:dgm="http://schemas.openxmlformats.org/drawingml/2006/diagram" xmlns:o="urn:schemas-microsoft-com:office:office" xmlns:v="urn:schemas-microsoft-com:vml" xmlns:pvml="urn:schemas-microsoft-com:office:powerpoint" xmlns:com="http://schemas.openxmlformats.org/drawingml/2006/compatibility" xmlns:p14="http://schemas.microsoft.com/office/powerpoint/2010/main" xmlns:p15="http://schemas.microsoft.com/office/powerpoint/2012/main" xmlns:ahyp="http://schemas.microsoft.com/office/drawing/2018/hyperlinkcolor" matchingName="Big number">
+<p:sldLayout xmlns:a="http://schemas.openxmlformats.org/drawingml/2006/main" xmlns:r="http://schemas.openxmlformats.org/officeDocument/2006/relationships" xmlns:p="http://schemas.openxmlformats.org/presentationml/2006/main" matchingName="Big number">
   <p:cSld name="BIG_NUMBER">
     <p:spTree>
       <p:nvGrpSpPr>
-        <p:cNvPr id="44" name="Shape 44"/>
+        <p:cNvPr id="1" name="Shape 44"/>
         <p:cNvGrpSpPr/>
         <p:nvPr/>
       </p:nvGrpSpPr>
@@ -2484,9 +2579,11 @@
       <p:sp>
         <p:nvSpPr>
           <p:cNvPr id="45" name="Google Shape;45;p11"/>
-          <p:cNvSpPr txBox="1"/>
+          <p:cNvSpPr txBox="1">
+            <a:spLocks noGrp="1"/>
+          </p:cNvSpPr>
           <p:nvPr>
-            <p:ph hasCustomPrompt="1" type="title"/>
+            <p:ph type="title" hasCustomPrompt="1"/>
           </p:nvPr>
         </p:nvSpPr>
         <p:spPr>
@@ -2499,7 +2596,7 @@
           </a:prstGeom>
         </p:spPr>
         <p:txBody>
-          <a:bodyPr anchorCtr="0" anchor="b" bIns="91425" lIns="91425" spcFirstLastPara="1" rIns="91425" wrap="square" tIns="91425">
+          <a:bodyPr spcFirstLastPara="1" wrap="square" lIns="91425" tIns="91425" rIns="91425" bIns="91425" anchor="b" anchorCtr="0">
             <a:noAutofit/>
           </a:bodyPr>
           <a:lstStyle>
@@ -2613,9 +2710,11 @@
       <p:sp>
         <p:nvSpPr>
           <p:cNvPr id="46" name="Google Shape;46;p11"/>
-          <p:cNvSpPr txBox="1"/>
+          <p:cNvSpPr txBox="1">
+            <a:spLocks noGrp="1"/>
+          </p:cNvSpPr>
           <p:nvPr>
-            <p:ph idx="1" type="body"/>
+            <p:ph type="body" idx="1"/>
           </p:nvPr>
         </p:nvSpPr>
         <p:spPr>
@@ -2628,11 +2727,11 @@
           </a:prstGeom>
         </p:spPr>
         <p:txBody>
-          <a:bodyPr anchorCtr="0" anchor="t" bIns="91425" lIns="91425" spcFirstLastPara="1" rIns="91425" wrap="square" tIns="91425">
+          <a:bodyPr spcFirstLastPara="1" wrap="square" lIns="91425" tIns="91425" rIns="91425" bIns="91425" anchor="t" anchorCtr="0">
             <a:noAutofit/>
           </a:bodyPr>
           <a:lstStyle>
-            <a:lvl1pPr indent="-342900" lvl="0" marL="457200" algn="ctr">
+            <a:lvl1pPr marL="457200" lvl="0" indent="-342900" algn="ctr">
               <a:spcBef>
                 <a:spcPts val="0"/>
               </a:spcBef>
@@ -2643,7 +2742,7 @@
               <a:buChar char="●"/>
               <a:defRPr/>
             </a:lvl1pPr>
-            <a:lvl2pPr indent="-317500" lvl="1" marL="914400" algn="ctr">
+            <a:lvl2pPr marL="914400" lvl="1" indent="-317500" algn="ctr">
               <a:spcBef>
                 <a:spcPts val="1600"/>
               </a:spcBef>
@@ -2654,7 +2753,7 @@
               <a:buChar char="○"/>
               <a:defRPr/>
             </a:lvl2pPr>
-            <a:lvl3pPr indent="-317500" lvl="2" marL="1371600" algn="ctr">
+            <a:lvl3pPr marL="1371600" lvl="2" indent="-317500" algn="ctr">
               <a:spcBef>
                 <a:spcPts val="1600"/>
               </a:spcBef>
@@ -2665,7 +2764,7 @@
               <a:buChar char="■"/>
               <a:defRPr/>
             </a:lvl3pPr>
-            <a:lvl4pPr indent="-317500" lvl="3" marL="1828800" algn="ctr">
+            <a:lvl4pPr marL="1828800" lvl="3" indent="-317500" algn="ctr">
               <a:spcBef>
                 <a:spcPts val="1600"/>
               </a:spcBef>
@@ -2676,7 +2775,7 @@
               <a:buChar char="●"/>
               <a:defRPr/>
             </a:lvl4pPr>
-            <a:lvl5pPr indent="-317500" lvl="4" marL="2286000" algn="ctr">
+            <a:lvl5pPr marL="2286000" lvl="4" indent="-317500" algn="ctr">
               <a:spcBef>
                 <a:spcPts val="1600"/>
               </a:spcBef>
@@ -2687,7 +2786,7 @@
               <a:buChar char="○"/>
               <a:defRPr/>
             </a:lvl5pPr>
-            <a:lvl6pPr indent="-317500" lvl="5" marL="2743200" algn="ctr">
+            <a:lvl6pPr marL="2743200" lvl="5" indent="-317500" algn="ctr">
               <a:spcBef>
                 <a:spcPts val="1600"/>
               </a:spcBef>
@@ -2698,7 +2797,7 @@
               <a:buChar char="■"/>
               <a:defRPr/>
             </a:lvl6pPr>
-            <a:lvl7pPr indent="-317500" lvl="6" marL="3200400" algn="ctr">
+            <a:lvl7pPr marL="3200400" lvl="6" indent="-317500" algn="ctr">
               <a:spcBef>
                 <a:spcPts val="1600"/>
               </a:spcBef>
@@ -2709,7 +2808,7 @@
               <a:buChar char="●"/>
               <a:defRPr/>
             </a:lvl7pPr>
-            <a:lvl8pPr indent="-317500" lvl="7" marL="3657600" algn="ctr">
+            <a:lvl8pPr marL="3657600" lvl="7" indent="-317500" algn="ctr">
               <a:spcBef>
                 <a:spcPts val="1600"/>
               </a:spcBef>
@@ -2720,7 +2819,7 @@
               <a:buChar char="○"/>
               <a:defRPr/>
             </a:lvl8pPr>
-            <a:lvl9pPr indent="-317500" lvl="8" marL="4114800" algn="ctr">
+            <a:lvl9pPr marL="4114800" lvl="8" indent="-317500" algn="ctr">
               <a:spcBef>
                 <a:spcPts val="1600"/>
               </a:spcBef>
@@ -2732,15 +2831,19 @@
               <a:defRPr/>
             </a:lvl9pPr>
           </a:lstStyle>
-          <a:p/>
+          <a:p>
+            <a:endParaRPr/>
+          </a:p>
         </p:txBody>
       </p:sp>
       <p:sp>
         <p:nvSpPr>
           <p:cNvPr id="47" name="Google Shape;47;p11"/>
-          <p:cNvSpPr txBox="1"/>
+          <p:cNvSpPr txBox="1">
+            <a:spLocks noGrp="1"/>
+          </p:cNvSpPr>
           <p:nvPr>
-            <p:ph idx="12" type="sldNum"/>
+            <p:ph type="sldNum" idx="12"/>
           </p:nvPr>
         </p:nvSpPr>
         <p:spPr>
@@ -2753,7 +2856,7 @@
           </a:prstGeom>
         </p:spPr>
         <p:txBody>
-          <a:bodyPr anchorCtr="0" anchor="ctr" bIns="91425" lIns="91425" spcFirstLastPara="1" rIns="91425" wrap="square" tIns="91425">
+          <a:bodyPr spcFirstLastPara="1" wrap="square" lIns="91425" tIns="91425" rIns="91425" bIns="91425" anchor="ctr" anchorCtr="0">
             <a:noAutofit/>
           </a:bodyPr>
           <a:lstStyle>
@@ -2795,7 +2898,7 @@
             </a:lvl9pPr>
           </a:lstStyle>
           <a:p>
-            <a:pPr indent="0" lvl="0" marL="0" rtl="0" algn="r">
+            <a:pPr marL="0" lvl="0" indent="0" algn="r" rtl="0">
               <a:spcBef>
                 <a:spcPts val="0"/>
               </a:spcBef>
@@ -2821,11 +2924,11 @@
 </file>
 
 <file path=ppt/slideLayouts/slideLayout11.xml><?xml version="1.0" encoding="utf-8"?>
-<p:sldLayout xmlns:a="http://schemas.openxmlformats.org/drawingml/2006/main" xmlns:r="http://schemas.openxmlformats.org/officeDocument/2006/relationships" xmlns:mc="http://schemas.openxmlformats.org/markup-compatibility/2006" xmlns:mv="urn:schemas-microsoft-com:mac:vml" xmlns:p="http://schemas.openxmlformats.org/presentationml/2006/main" xmlns:c="http://schemas.openxmlformats.org/drawingml/2006/chart" xmlns:dgm="http://schemas.openxmlformats.org/drawingml/2006/diagram" xmlns:o="urn:schemas-microsoft-com:office:office" xmlns:v="urn:schemas-microsoft-com:vml" xmlns:pvml="urn:schemas-microsoft-com:office:powerpoint" xmlns:com="http://schemas.openxmlformats.org/drawingml/2006/compatibility" xmlns:p14="http://schemas.microsoft.com/office/powerpoint/2010/main" xmlns:p15="http://schemas.microsoft.com/office/powerpoint/2012/main" xmlns:ahyp="http://schemas.microsoft.com/office/drawing/2018/hyperlinkcolor" matchingName="Blank" type="blank">
+<p:sldLayout xmlns:a="http://schemas.openxmlformats.org/drawingml/2006/main" xmlns:r="http://schemas.openxmlformats.org/officeDocument/2006/relationships" xmlns:p="http://schemas.openxmlformats.org/presentationml/2006/main" matchingName="Blank" type="blank">
   <p:cSld name="BLANK">
     <p:spTree>
       <p:nvGrpSpPr>
-        <p:cNvPr id="48" name="Shape 48"/>
+        <p:cNvPr id="1" name="Shape 48"/>
         <p:cNvGrpSpPr/>
         <p:nvPr/>
       </p:nvGrpSpPr>
@@ -2840,9 +2943,11 @@
       <p:sp>
         <p:nvSpPr>
           <p:cNvPr id="49" name="Google Shape;49;p12"/>
-          <p:cNvSpPr txBox="1"/>
+          <p:cNvSpPr txBox="1">
+            <a:spLocks noGrp="1"/>
+          </p:cNvSpPr>
           <p:nvPr>
-            <p:ph idx="12" type="sldNum"/>
+            <p:ph type="sldNum" idx="12"/>
           </p:nvPr>
         </p:nvSpPr>
         <p:spPr>
@@ -2855,7 +2960,7 @@
           </a:prstGeom>
         </p:spPr>
         <p:txBody>
-          <a:bodyPr anchorCtr="0" anchor="ctr" bIns="91425" lIns="91425" spcFirstLastPara="1" rIns="91425" wrap="square" tIns="91425">
+          <a:bodyPr spcFirstLastPara="1" wrap="square" lIns="91425" tIns="91425" rIns="91425" bIns="91425" anchor="ctr" anchorCtr="0">
             <a:noAutofit/>
           </a:bodyPr>
           <a:lstStyle>
@@ -2897,7 +3002,7 @@
             </a:lvl9pPr>
           </a:lstStyle>
           <a:p>
-            <a:pPr indent="0" lvl="0" marL="0" rtl="0" algn="r">
+            <a:pPr marL="0" lvl="0" indent="0" algn="r" rtl="0">
               <a:spcBef>
                 <a:spcPts val="0"/>
               </a:spcBef>
@@ -2923,11 +3028,11 @@
 </file>
 
 <file path=ppt/slideLayouts/slideLayout2.xml><?xml version="1.0" encoding="utf-8"?>
-<p:sldLayout xmlns:a="http://schemas.openxmlformats.org/drawingml/2006/main" xmlns:r="http://schemas.openxmlformats.org/officeDocument/2006/relationships" xmlns:mc="http://schemas.openxmlformats.org/markup-compatibility/2006" xmlns:mv="urn:schemas-microsoft-com:mac:vml" xmlns:p="http://schemas.openxmlformats.org/presentationml/2006/main" xmlns:c="http://schemas.openxmlformats.org/drawingml/2006/chart" xmlns:dgm="http://schemas.openxmlformats.org/drawingml/2006/diagram" xmlns:o="urn:schemas-microsoft-com:office:office" xmlns:v="urn:schemas-microsoft-com:vml" xmlns:pvml="urn:schemas-microsoft-com:office:powerpoint" xmlns:com="http://schemas.openxmlformats.org/drawingml/2006/compatibility" xmlns:p14="http://schemas.microsoft.com/office/powerpoint/2010/main" xmlns:p15="http://schemas.microsoft.com/office/powerpoint/2012/main" xmlns:ahyp="http://schemas.microsoft.com/office/drawing/2018/hyperlinkcolor" matchingName="Section header" type="secHead">
+<p:sldLayout xmlns:a="http://schemas.openxmlformats.org/drawingml/2006/main" xmlns:r="http://schemas.openxmlformats.org/officeDocument/2006/relationships" xmlns:p="http://schemas.openxmlformats.org/presentationml/2006/main" matchingName="Section header" type="secHead">
   <p:cSld name="SECTION_HEADER">
     <p:spTree>
       <p:nvGrpSpPr>
-        <p:cNvPr id="13" name="Shape 13"/>
+        <p:cNvPr id="1" name="Shape 13"/>
         <p:cNvGrpSpPr/>
         <p:nvPr/>
       </p:nvGrpSpPr>
@@ -2942,7 +3047,9 @@
       <p:sp>
         <p:nvSpPr>
           <p:cNvPr id="14" name="Google Shape;14;p3"/>
-          <p:cNvSpPr txBox="1"/>
+          <p:cNvSpPr txBox="1">
+            <a:spLocks noGrp="1"/>
+          </p:cNvSpPr>
           <p:nvPr>
             <p:ph type="title"/>
           </p:nvPr>
@@ -2957,7 +3064,7 @@
           </a:prstGeom>
         </p:spPr>
         <p:txBody>
-          <a:bodyPr anchorCtr="0" anchor="ctr" bIns="91425" lIns="91425" spcFirstLastPara="1" rIns="91425" wrap="square" tIns="91425">
+          <a:bodyPr spcFirstLastPara="1" wrap="square" lIns="91425" tIns="91425" rIns="91425" bIns="91425" anchor="ctr" anchorCtr="0">
             <a:noAutofit/>
           </a:bodyPr>
           <a:lstStyle>
@@ -3061,15 +3168,19 @@
               <a:defRPr sz="3600"/>
             </a:lvl9pPr>
           </a:lstStyle>
-          <a:p/>
+          <a:p>
+            <a:endParaRPr/>
+          </a:p>
         </p:txBody>
       </p:sp>
       <p:sp>
         <p:nvSpPr>
           <p:cNvPr id="15" name="Google Shape;15;p3"/>
-          <p:cNvSpPr txBox="1"/>
+          <p:cNvSpPr txBox="1">
+            <a:spLocks noGrp="1"/>
+          </p:cNvSpPr>
           <p:nvPr>
-            <p:ph idx="12" type="sldNum"/>
+            <p:ph type="sldNum" idx="12"/>
           </p:nvPr>
         </p:nvSpPr>
         <p:spPr>
@@ -3082,7 +3193,7 @@
           </a:prstGeom>
         </p:spPr>
         <p:txBody>
-          <a:bodyPr anchorCtr="0" anchor="ctr" bIns="91425" lIns="91425" spcFirstLastPara="1" rIns="91425" wrap="square" tIns="91425">
+          <a:bodyPr spcFirstLastPara="1" wrap="square" lIns="91425" tIns="91425" rIns="91425" bIns="91425" anchor="ctr" anchorCtr="0">
             <a:noAutofit/>
           </a:bodyPr>
           <a:lstStyle>
@@ -3124,7 +3235,7 @@
             </a:lvl9pPr>
           </a:lstStyle>
           <a:p>
-            <a:pPr indent="0" lvl="0" marL="0" rtl="0" algn="r">
+            <a:pPr marL="0" lvl="0" indent="0" algn="r" rtl="0">
               <a:spcBef>
                 <a:spcPts val="0"/>
               </a:spcBef>
@@ -3150,11 +3261,11 @@
 </file>
 
 <file path=ppt/slideLayouts/slideLayout3.xml><?xml version="1.0" encoding="utf-8"?>
-<p:sldLayout xmlns:a="http://schemas.openxmlformats.org/drawingml/2006/main" xmlns:r="http://schemas.openxmlformats.org/officeDocument/2006/relationships" xmlns:mc="http://schemas.openxmlformats.org/markup-compatibility/2006" xmlns:mv="urn:schemas-microsoft-com:mac:vml" xmlns:p="http://schemas.openxmlformats.org/presentationml/2006/main" xmlns:c="http://schemas.openxmlformats.org/drawingml/2006/chart" xmlns:dgm="http://schemas.openxmlformats.org/drawingml/2006/diagram" xmlns:o="urn:schemas-microsoft-com:office:office" xmlns:v="urn:schemas-microsoft-com:vml" xmlns:pvml="urn:schemas-microsoft-com:office:powerpoint" xmlns:com="http://schemas.openxmlformats.org/drawingml/2006/compatibility" xmlns:p14="http://schemas.microsoft.com/office/powerpoint/2010/main" xmlns:p15="http://schemas.microsoft.com/office/powerpoint/2012/main" xmlns:ahyp="http://schemas.microsoft.com/office/drawing/2018/hyperlinkcolor" matchingName="Title and body" type="tx">
+<p:sldLayout xmlns:a="http://schemas.openxmlformats.org/drawingml/2006/main" xmlns:r="http://schemas.openxmlformats.org/officeDocument/2006/relationships" xmlns:p="http://schemas.openxmlformats.org/presentationml/2006/main" matchingName="Title and body" type="tx">
   <p:cSld name="TITLE_AND_BODY">
     <p:spTree>
       <p:nvGrpSpPr>
-        <p:cNvPr id="16" name="Shape 16"/>
+        <p:cNvPr id="1" name="Shape 16"/>
         <p:cNvGrpSpPr/>
         <p:nvPr/>
       </p:nvGrpSpPr>
@@ -3169,7 +3280,9 @@
       <p:sp>
         <p:nvSpPr>
           <p:cNvPr id="17" name="Google Shape;17;p4"/>
-          <p:cNvSpPr txBox="1"/>
+          <p:cNvSpPr txBox="1">
+            <a:spLocks noGrp="1"/>
+          </p:cNvSpPr>
           <p:nvPr>
             <p:ph type="title"/>
           </p:nvPr>
@@ -3184,7 +3297,7 @@
           </a:prstGeom>
         </p:spPr>
         <p:txBody>
-          <a:bodyPr anchorCtr="0" anchor="t" bIns="91425" lIns="91425" spcFirstLastPara="1" rIns="91425" wrap="square" tIns="91425">
+          <a:bodyPr spcFirstLastPara="1" wrap="square" lIns="91425" tIns="91425" rIns="91425" bIns="91425" anchor="t" anchorCtr="0">
             <a:noAutofit/>
           </a:bodyPr>
           <a:lstStyle>
@@ -3288,15 +3401,19 @@
               <a:defRPr/>
             </a:lvl9pPr>
           </a:lstStyle>
-          <a:p/>
+          <a:p>
+            <a:endParaRPr/>
+          </a:p>
         </p:txBody>
       </p:sp>
       <p:sp>
         <p:nvSpPr>
           <p:cNvPr id="18" name="Google Shape;18;p4"/>
-          <p:cNvSpPr txBox="1"/>
+          <p:cNvSpPr txBox="1">
+            <a:spLocks noGrp="1"/>
+          </p:cNvSpPr>
           <p:nvPr>
-            <p:ph idx="1" type="body"/>
+            <p:ph type="body" idx="1"/>
           </p:nvPr>
         </p:nvSpPr>
         <p:spPr>
@@ -3309,11 +3426,11 @@
           </a:prstGeom>
         </p:spPr>
         <p:txBody>
-          <a:bodyPr anchorCtr="0" anchor="t" bIns="91425" lIns="91425" spcFirstLastPara="1" rIns="91425" wrap="square" tIns="91425">
+          <a:bodyPr spcFirstLastPara="1" wrap="square" lIns="91425" tIns="91425" rIns="91425" bIns="91425" anchor="t" anchorCtr="0">
             <a:noAutofit/>
           </a:bodyPr>
           <a:lstStyle>
-            <a:lvl1pPr indent="-342900" lvl="0" marL="457200">
+            <a:lvl1pPr marL="457200" lvl="0" indent="-342900">
               <a:spcBef>
                 <a:spcPts val="0"/>
               </a:spcBef>
@@ -3324,7 +3441,7 @@
               <a:buChar char="●"/>
               <a:defRPr/>
             </a:lvl1pPr>
-            <a:lvl2pPr indent="-317500" lvl="1" marL="914400">
+            <a:lvl2pPr marL="914400" lvl="1" indent="-317500">
               <a:spcBef>
                 <a:spcPts val="1600"/>
               </a:spcBef>
@@ -3335,7 +3452,7 @@
               <a:buChar char="○"/>
               <a:defRPr/>
             </a:lvl2pPr>
-            <a:lvl3pPr indent="-317500" lvl="2" marL="1371600">
+            <a:lvl3pPr marL="1371600" lvl="2" indent="-317500">
               <a:spcBef>
                 <a:spcPts val="1600"/>
               </a:spcBef>
@@ -3346,7 +3463,7 @@
               <a:buChar char="■"/>
               <a:defRPr/>
             </a:lvl3pPr>
-            <a:lvl4pPr indent="-317500" lvl="3" marL="1828800">
+            <a:lvl4pPr marL="1828800" lvl="3" indent="-317500">
               <a:spcBef>
                 <a:spcPts val="1600"/>
               </a:spcBef>
@@ -3357,7 +3474,7 @@
               <a:buChar char="●"/>
               <a:defRPr/>
             </a:lvl4pPr>
-            <a:lvl5pPr indent="-317500" lvl="4" marL="2286000">
+            <a:lvl5pPr marL="2286000" lvl="4" indent="-317500">
               <a:spcBef>
                 <a:spcPts val="1600"/>
               </a:spcBef>
@@ -3368,7 +3485,7 @@
               <a:buChar char="○"/>
               <a:defRPr/>
             </a:lvl5pPr>
-            <a:lvl6pPr indent="-317500" lvl="5" marL="2743200">
+            <a:lvl6pPr marL="2743200" lvl="5" indent="-317500">
               <a:spcBef>
                 <a:spcPts val="1600"/>
               </a:spcBef>
@@ -3379,7 +3496,7 @@
               <a:buChar char="■"/>
               <a:defRPr/>
             </a:lvl6pPr>
-            <a:lvl7pPr indent="-317500" lvl="6" marL="3200400">
+            <a:lvl7pPr marL="3200400" lvl="6" indent="-317500">
               <a:spcBef>
                 <a:spcPts val="1600"/>
               </a:spcBef>
@@ -3390,7 +3507,7 @@
               <a:buChar char="●"/>
               <a:defRPr/>
             </a:lvl7pPr>
-            <a:lvl8pPr indent="-317500" lvl="7" marL="3657600">
+            <a:lvl8pPr marL="3657600" lvl="7" indent="-317500">
               <a:spcBef>
                 <a:spcPts val="1600"/>
               </a:spcBef>
@@ -3401,7 +3518,7 @@
               <a:buChar char="○"/>
               <a:defRPr/>
             </a:lvl8pPr>
-            <a:lvl9pPr indent="-317500" lvl="8" marL="4114800">
+            <a:lvl9pPr marL="4114800" lvl="8" indent="-317500">
               <a:spcBef>
                 <a:spcPts val="1600"/>
               </a:spcBef>
@@ -3413,15 +3530,19 @@
               <a:defRPr/>
             </a:lvl9pPr>
           </a:lstStyle>
-          <a:p/>
+          <a:p>
+            <a:endParaRPr/>
+          </a:p>
         </p:txBody>
       </p:sp>
       <p:sp>
         <p:nvSpPr>
           <p:cNvPr id="19" name="Google Shape;19;p4"/>
-          <p:cNvSpPr txBox="1"/>
+          <p:cNvSpPr txBox="1">
+            <a:spLocks noGrp="1"/>
+          </p:cNvSpPr>
           <p:nvPr>
-            <p:ph idx="12" type="sldNum"/>
+            <p:ph type="sldNum" idx="12"/>
           </p:nvPr>
         </p:nvSpPr>
         <p:spPr>
@@ -3434,7 +3555,7 @@
           </a:prstGeom>
         </p:spPr>
         <p:txBody>
-          <a:bodyPr anchorCtr="0" anchor="ctr" bIns="91425" lIns="91425" spcFirstLastPara="1" rIns="91425" wrap="square" tIns="91425">
+          <a:bodyPr spcFirstLastPara="1" wrap="square" lIns="91425" tIns="91425" rIns="91425" bIns="91425" anchor="ctr" anchorCtr="0">
             <a:noAutofit/>
           </a:bodyPr>
           <a:lstStyle>
@@ -3476,7 +3597,7 @@
             </a:lvl9pPr>
           </a:lstStyle>
           <a:p>
-            <a:pPr indent="0" lvl="0" marL="0" rtl="0" algn="r">
+            <a:pPr marL="0" lvl="0" indent="0" algn="r" rtl="0">
               <a:spcBef>
                 <a:spcPts val="0"/>
               </a:spcBef>
@@ -3502,11 +3623,11 @@
 </file>
 
 <file path=ppt/slideLayouts/slideLayout4.xml><?xml version="1.0" encoding="utf-8"?>
-<p:sldLayout xmlns:a="http://schemas.openxmlformats.org/drawingml/2006/main" xmlns:r="http://schemas.openxmlformats.org/officeDocument/2006/relationships" xmlns:mc="http://schemas.openxmlformats.org/markup-compatibility/2006" xmlns:mv="urn:schemas-microsoft-com:mac:vml" xmlns:p="http://schemas.openxmlformats.org/presentationml/2006/main" xmlns:c="http://schemas.openxmlformats.org/drawingml/2006/chart" xmlns:dgm="http://schemas.openxmlformats.org/drawingml/2006/diagram" xmlns:o="urn:schemas-microsoft-com:office:office" xmlns:v="urn:schemas-microsoft-com:vml" xmlns:pvml="urn:schemas-microsoft-com:office:powerpoint" xmlns:com="http://schemas.openxmlformats.org/drawingml/2006/compatibility" xmlns:p14="http://schemas.microsoft.com/office/powerpoint/2010/main" xmlns:p15="http://schemas.microsoft.com/office/powerpoint/2012/main" xmlns:ahyp="http://schemas.microsoft.com/office/drawing/2018/hyperlinkcolor" matchingName="Title and two columns" type="twoColTx">
+<p:sldLayout xmlns:a="http://schemas.openxmlformats.org/drawingml/2006/main" xmlns:r="http://schemas.openxmlformats.org/officeDocument/2006/relationships" xmlns:p="http://schemas.openxmlformats.org/presentationml/2006/main" matchingName="Title and two columns" type="twoColTx">
   <p:cSld name="TITLE_AND_TWO_COLUMNS">
     <p:spTree>
       <p:nvGrpSpPr>
-        <p:cNvPr id="20" name="Shape 20"/>
+        <p:cNvPr id="1" name="Shape 20"/>
         <p:cNvGrpSpPr/>
         <p:nvPr/>
       </p:nvGrpSpPr>
@@ -3521,7 +3642,9 @@
       <p:sp>
         <p:nvSpPr>
           <p:cNvPr id="21" name="Google Shape;21;p5"/>
-          <p:cNvSpPr txBox="1"/>
+          <p:cNvSpPr txBox="1">
+            <a:spLocks noGrp="1"/>
+          </p:cNvSpPr>
           <p:nvPr>
             <p:ph type="title"/>
           </p:nvPr>
@@ -3536,7 +3659,7 @@
           </a:prstGeom>
         </p:spPr>
         <p:txBody>
-          <a:bodyPr anchorCtr="0" anchor="t" bIns="91425" lIns="91425" spcFirstLastPara="1" rIns="91425" wrap="square" tIns="91425">
+          <a:bodyPr spcFirstLastPara="1" wrap="square" lIns="91425" tIns="91425" rIns="91425" bIns="91425" anchor="t" anchorCtr="0">
             <a:noAutofit/>
           </a:bodyPr>
           <a:lstStyle>
@@ -3640,15 +3763,19 @@
               <a:defRPr/>
             </a:lvl9pPr>
           </a:lstStyle>
-          <a:p/>
+          <a:p>
+            <a:endParaRPr/>
+          </a:p>
         </p:txBody>
       </p:sp>
       <p:sp>
         <p:nvSpPr>
           <p:cNvPr id="22" name="Google Shape;22;p5"/>
-          <p:cNvSpPr txBox="1"/>
+          <p:cNvSpPr txBox="1">
+            <a:spLocks noGrp="1"/>
+          </p:cNvSpPr>
           <p:nvPr>
-            <p:ph idx="1" type="body"/>
+            <p:ph type="body" idx="1"/>
           </p:nvPr>
         </p:nvSpPr>
         <p:spPr>
@@ -3661,11 +3788,11 @@
           </a:prstGeom>
         </p:spPr>
         <p:txBody>
-          <a:bodyPr anchorCtr="0" anchor="t" bIns="91425" lIns="91425" spcFirstLastPara="1" rIns="91425" wrap="square" tIns="91425">
+          <a:bodyPr spcFirstLastPara="1" wrap="square" lIns="91425" tIns="91425" rIns="91425" bIns="91425" anchor="t" anchorCtr="0">
             <a:noAutofit/>
           </a:bodyPr>
           <a:lstStyle>
-            <a:lvl1pPr indent="-317500" lvl="0" marL="457200">
+            <a:lvl1pPr marL="457200" lvl="0" indent="-317500">
               <a:spcBef>
                 <a:spcPts val="0"/>
               </a:spcBef>
@@ -3676,7 +3803,7 @@
               <a:buChar char="●"/>
               <a:defRPr sz="1400"/>
             </a:lvl1pPr>
-            <a:lvl2pPr indent="-304800" lvl="1" marL="914400">
+            <a:lvl2pPr marL="914400" lvl="1" indent="-304800">
               <a:spcBef>
                 <a:spcPts val="1600"/>
               </a:spcBef>
@@ -3687,7 +3814,7 @@
               <a:buChar char="○"/>
               <a:defRPr sz="1200"/>
             </a:lvl2pPr>
-            <a:lvl3pPr indent="-304800" lvl="2" marL="1371600">
+            <a:lvl3pPr marL="1371600" lvl="2" indent="-304800">
               <a:spcBef>
                 <a:spcPts val="1600"/>
               </a:spcBef>
@@ -3698,7 +3825,7 @@
               <a:buChar char="■"/>
               <a:defRPr sz="1200"/>
             </a:lvl3pPr>
-            <a:lvl4pPr indent="-304800" lvl="3" marL="1828800">
+            <a:lvl4pPr marL="1828800" lvl="3" indent="-304800">
               <a:spcBef>
                 <a:spcPts val="1600"/>
               </a:spcBef>
@@ -3709,7 +3836,7 @@
               <a:buChar char="●"/>
               <a:defRPr sz="1200"/>
             </a:lvl4pPr>
-            <a:lvl5pPr indent="-304800" lvl="4" marL="2286000">
+            <a:lvl5pPr marL="2286000" lvl="4" indent="-304800">
               <a:spcBef>
                 <a:spcPts val="1600"/>
               </a:spcBef>
@@ -3720,7 +3847,7 @@
               <a:buChar char="○"/>
               <a:defRPr sz="1200"/>
             </a:lvl5pPr>
-            <a:lvl6pPr indent="-304800" lvl="5" marL="2743200">
+            <a:lvl6pPr marL="2743200" lvl="5" indent="-304800">
               <a:spcBef>
                 <a:spcPts val="1600"/>
               </a:spcBef>
@@ -3731,7 +3858,7 @@
               <a:buChar char="■"/>
               <a:defRPr sz="1200"/>
             </a:lvl6pPr>
-            <a:lvl7pPr indent="-304800" lvl="6" marL="3200400">
+            <a:lvl7pPr marL="3200400" lvl="6" indent="-304800">
               <a:spcBef>
                 <a:spcPts val="1600"/>
               </a:spcBef>
@@ -3742,7 +3869,7 @@
               <a:buChar char="●"/>
               <a:defRPr sz="1200"/>
             </a:lvl7pPr>
-            <a:lvl8pPr indent="-304800" lvl="7" marL="3657600">
+            <a:lvl8pPr marL="3657600" lvl="7" indent="-304800">
               <a:spcBef>
                 <a:spcPts val="1600"/>
               </a:spcBef>
@@ -3753,7 +3880,7 @@
               <a:buChar char="○"/>
               <a:defRPr sz="1200"/>
             </a:lvl8pPr>
-            <a:lvl9pPr indent="-304800" lvl="8" marL="4114800">
+            <a:lvl9pPr marL="4114800" lvl="8" indent="-304800">
               <a:spcBef>
                 <a:spcPts val="1600"/>
               </a:spcBef>
@@ -3765,15 +3892,19 @@
               <a:defRPr sz="1200"/>
             </a:lvl9pPr>
           </a:lstStyle>
-          <a:p/>
+          <a:p>
+            <a:endParaRPr/>
+          </a:p>
         </p:txBody>
       </p:sp>
       <p:sp>
         <p:nvSpPr>
           <p:cNvPr id="23" name="Google Shape;23;p5"/>
-          <p:cNvSpPr txBox="1"/>
+          <p:cNvSpPr txBox="1">
+            <a:spLocks noGrp="1"/>
+          </p:cNvSpPr>
           <p:nvPr>
-            <p:ph idx="2" type="body"/>
+            <p:ph type="body" idx="2"/>
           </p:nvPr>
         </p:nvSpPr>
         <p:spPr>
@@ -3786,11 +3917,11 @@
           </a:prstGeom>
         </p:spPr>
         <p:txBody>
-          <a:bodyPr anchorCtr="0" anchor="t" bIns="91425" lIns="91425" spcFirstLastPara="1" rIns="91425" wrap="square" tIns="91425">
+          <a:bodyPr spcFirstLastPara="1" wrap="square" lIns="91425" tIns="91425" rIns="91425" bIns="91425" anchor="t" anchorCtr="0">
             <a:noAutofit/>
           </a:bodyPr>
           <a:lstStyle>
-            <a:lvl1pPr indent="-317500" lvl="0" marL="457200">
+            <a:lvl1pPr marL="457200" lvl="0" indent="-317500">
               <a:spcBef>
                 <a:spcPts val="0"/>
               </a:spcBef>
@@ -3801,7 +3932,7 @@
               <a:buChar char="●"/>
               <a:defRPr sz="1400"/>
             </a:lvl1pPr>
-            <a:lvl2pPr indent="-304800" lvl="1" marL="914400">
+            <a:lvl2pPr marL="914400" lvl="1" indent="-304800">
               <a:spcBef>
                 <a:spcPts val="1600"/>
               </a:spcBef>
@@ -3812,7 +3943,7 @@
               <a:buChar char="○"/>
               <a:defRPr sz="1200"/>
             </a:lvl2pPr>
-            <a:lvl3pPr indent="-304800" lvl="2" marL="1371600">
+            <a:lvl3pPr marL="1371600" lvl="2" indent="-304800">
               <a:spcBef>
                 <a:spcPts val="1600"/>
               </a:spcBef>
@@ -3823,7 +3954,7 @@
               <a:buChar char="■"/>
               <a:defRPr sz="1200"/>
             </a:lvl3pPr>
-            <a:lvl4pPr indent="-304800" lvl="3" marL="1828800">
+            <a:lvl4pPr marL="1828800" lvl="3" indent="-304800">
               <a:spcBef>
                 <a:spcPts val="1600"/>
               </a:spcBef>
@@ -3834,7 +3965,7 @@
               <a:buChar char="●"/>
               <a:defRPr sz="1200"/>
             </a:lvl4pPr>
-            <a:lvl5pPr indent="-304800" lvl="4" marL="2286000">
+            <a:lvl5pPr marL="2286000" lvl="4" indent="-304800">
               <a:spcBef>
                 <a:spcPts val="1600"/>
               </a:spcBef>
@@ -3845,7 +3976,7 @@
               <a:buChar char="○"/>
               <a:defRPr sz="1200"/>
             </a:lvl5pPr>
-            <a:lvl6pPr indent="-304800" lvl="5" marL="2743200">
+            <a:lvl6pPr marL="2743200" lvl="5" indent="-304800">
               <a:spcBef>
                 <a:spcPts val="1600"/>
               </a:spcBef>
@@ -3856,7 +3987,7 @@
               <a:buChar char="■"/>
               <a:defRPr sz="1200"/>
             </a:lvl6pPr>
-            <a:lvl7pPr indent="-304800" lvl="6" marL="3200400">
+            <a:lvl7pPr marL="3200400" lvl="6" indent="-304800">
               <a:spcBef>
                 <a:spcPts val="1600"/>
               </a:spcBef>
@@ -3867,7 +3998,7 @@
               <a:buChar char="●"/>
               <a:defRPr sz="1200"/>
             </a:lvl7pPr>
-            <a:lvl8pPr indent="-304800" lvl="7" marL="3657600">
+            <a:lvl8pPr marL="3657600" lvl="7" indent="-304800">
               <a:spcBef>
                 <a:spcPts val="1600"/>
               </a:spcBef>
@@ -3878,7 +4009,7 @@
               <a:buChar char="○"/>
               <a:defRPr sz="1200"/>
             </a:lvl8pPr>
-            <a:lvl9pPr indent="-304800" lvl="8" marL="4114800">
+            <a:lvl9pPr marL="4114800" lvl="8" indent="-304800">
               <a:spcBef>
                 <a:spcPts val="1600"/>
               </a:spcBef>
@@ -3890,15 +4021,19 @@
               <a:defRPr sz="1200"/>
             </a:lvl9pPr>
           </a:lstStyle>
-          <a:p/>
+          <a:p>
+            <a:endParaRPr/>
+          </a:p>
         </p:txBody>
       </p:sp>
       <p:sp>
         <p:nvSpPr>
           <p:cNvPr id="24" name="Google Shape;24;p5"/>
-          <p:cNvSpPr txBox="1"/>
+          <p:cNvSpPr txBox="1">
+            <a:spLocks noGrp="1"/>
+          </p:cNvSpPr>
           <p:nvPr>
-            <p:ph idx="12" type="sldNum"/>
+            <p:ph type="sldNum" idx="12"/>
           </p:nvPr>
         </p:nvSpPr>
         <p:spPr>
@@ -3911,7 +4046,7 @@
           </a:prstGeom>
         </p:spPr>
         <p:txBody>
-          <a:bodyPr anchorCtr="0" anchor="ctr" bIns="91425" lIns="91425" spcFirstLastPara="1" rIns="91425" wrap="square" tIns="91425">
+          <a:bodyPr spcFirstLastPara="1" wrap="square" lIns="91425" tIns="91425" rIns="91425" bIns="91425" anchor="ctr" anchorCtr="0">
             <a:noAutofit/>
           </a:bodyPr>
           <a:lstStyle>
@@ -3953,7 +4088,7 @@
             </a:lvl9pPr>
           </a:lstStyle>
           <a:p>
-            <a:pPr indent="0" lvl="0" marL="0" rtl="0" algn="r">
+            <a:pPr marL="0" lvl="0" indent="0" algn="r" rtl="0">
               <a:spcBef>
                 <a:spcPts val="0"/>
               </a:spcBef>
@@ -3979,11 +4114,11 @@
 </file>
 
 <file path=ppt/slideLayouts/slideLayout5.xml><?xml version="1.0" encoding="utf-8"?>
-<p:sldLayout xmlns:a="http://schemas.openxmlformats.org/drawingml/2006/main" xmlns:r="http://schemas.openxmlformats.org/officeDocument/2006/relationships" xmlns:mc="http://schemas.openxmlformats.org/markup-compatibility/2006" xmlns:mv="urn:schemas-microsoft-com:mac:vml" xmlns:p="http://schemas.openxmlformats.org/presentationml/2006/main" xmlns:c="http://schemas.openxmlformats.org/drawingml/2006/chart" xmlns:dgm="http://schemas.openxmlformats.org/drawingml/2006/diagram" xmlns:o="urn:schemas-microsoft-com:office:office" xmlns:v="urn:schemas-microsoft-com:vml" xmlns:pvml="urn:schemas-microsoft-com:office:powerpoint" xmlns:com="http://schemas.openxmlformats.org/drawingml/2006/compatibility" xmlns:p14="http://schemas.microsoft.com/office/powerpoint/2010/main" xmlns:p15="http://schemas.microsoft.com/office/powerpoint/2012/main" xmlns:ahyp="http://schemas.microsoft.com/office/drawing/2018/hyperlinkcolor" matchingName="Title only" type="titleOnly">
+<p:sldLayout xmlns:a="http://schemas.openxmlformats.org/drawingml/2006/main" xmlns:r="http://schemas.openxmlformats.org/officeDocument/2006/relationships" xmlns:p="http://schemas.openxmlformats.org/presentationml/2006/main" matchingName="Title only" type="titleOnly">
   <p:cSld name="TITLE_ONLY">
     <p:spTree>
       <p:nvGrpSpPr>
-        <p:cNvPr id="25" name="Shape 25"/>
+        <p:cNvPr id="1" name="Shape 25"/>
         <p:cNvGrpSpPr/>
         <p:nvPr/>
       </p:nvGrpSpPr>
@@ -3998,7 +4133,9 @@
       <p:sp>
         <p:nvSpPr>
           <p:cNvPr id="26" name="Google Shape;26;p6"/>
-          <p:cNvSpPr txBox="1"/>
+          <p:cNvSpPr txBox="1">
+            <a:spLocks noGrp="1"/>
+          </p:cNvSpPr>
           <p:nvPr>
             <p:ph type="title"/>
           </p:nvPr>
@@ -4013,7 +4150,7 @@
           </a:prstGeom>
         </p:spPr>
         <p:txBody>
-          <a:bodyPr anchorCtr="0" anchor="t" bIns="91425" lIns="91425" spcFirstLastPara="1" rIns="91425" wrap="square" tIns="91425">
+          <a:bodyPr spcFirstLastPara="1" wrap="square" lIns="91425" tIns="91425" rIns="91425" bIns="91425" anchor="t" anchorCtr="0">
             <a:noAutofit/>
           </a:bodyPr>
           <a:lstStyle>
@@ -4117,15 +4254,19 @@
               <a:defRPr/>
             </a:lvl9pPr>
           </a:lstStyle>
-          <a:p/>
+          <a:p>
+            <a:endParaRPr/>
+          </a:p>
         </p:txBody>
       </p:sp>
       <p:sp>
         <p:nvSpPr>
           <p:cNvPr id="27" name="Google Shape;27;p6"/>
-          <p:cNvSpPr txBox="1"/>
+          <p:cNvSpPr txBox="1">
+            <a:spLocks noGrp="1"/>
+          </p:cNvSpPr>
           <p:nvPr>
-            <p:ph idx="12" type="sldNum"/>
+            <p:ph type="sldNum" idx="12"/>
           </p:nvPr>
         </p:nvSpPr>
         <p:spPr>
@@ -4138,7 +4279,7 @@
           </a:prstGeom>
         </p:spPr>
         <p:txBody>
-          <a:bodyPr anchorCtr="0" anchor="ctr" bIns="91425" lIns="91425" spcFirstLastPara="1" rIns="91425" wrap="square" tIns="91425">
+          <a:bodyPr spcFirstLastPara="1" wrap="square" lIns="91425" tIns="91425" rIns="91425" bIns="91425" anchor="ctr" anchorCtr="0">
             <a:noAutofit/>
           </a:bodyPr>
           <a:lstStyle>
@@ -4180,7 +4321,7 @@
             </a:lvl9pPr>
           </a:lstStyle>
           <a:p>
-            <a:pPr indent="0" lvl="0" marL="0" rtl="0" algn="r">
+            <a:pPr marL="0" lvl="0" indent="0" algn="r" rtl="0">
               <a:spcBef>
                 <a:spcPts val="0"/>
               </a:spcBef>
@@ -4206,11 +4347,11 @@
 </file>
 
 <file path=ppt/slideLayouts/slideLayout6.xml><?xml version="1.0" encoding="utf-8"?>
-<p:sldLayout xmlns:a="http://schemas.openxmlformats.org/drawingml/2006/main" xmlns:r="http://schemas.openxmlformats.org/officeDocument/2006/relationships" xmlns:mc="http://schemas.openxmlformats.org/markup-compatibility/2006" xmlns:mv="urn:schemas-microsoft-com:mac:vml" xmlns:p="http://schemas.openxmlformats.org/presentationml/2006/main" xmlns:c="http://schemas.openxmlformats.org/drawingml/2006/chart" xmlns:dgm="http://schemas.openxmlformats.org/drawingml/2006/diagram" xmlns:o="urn:schemas-microsoft-com:office:office" xmlns:v="urn:schemas-microsoft-com:vml" xmlns:pvml="urn:schemas-microsoft-com:office:powerpoint" xmlns:com="http://schemas.openxmlformats.org/drawingml/2006/compatibility" xmlns:p14="http://schemas.microsoft.com/office/powerpoint/2010/main" xmlns:p15="http://schemas.microsoft.com/office/powerpoint/2012/main" xmlns:ahyp="http://schemas.microsoft.com/office/drawing/2018/hyperlinkcolor" matchingName="One column text">
+<p:sldLayout xmlns:a="http://schemas.openxmlformats.org/drawingml/2006/main" xmlns:r="http://schemas.openxmlformats.org/officeDocument/2006/relationships" xmlns:p="http://schemas.openxmlformats.org/presentationml/2006/main" matchingName="One column text">
   <p:cSld name="ONE_COLUMN_TEXT">
     <p:spTree>
       <p:nvGrpSpPr>
-        <p:cNvPr id="28" name="Shape 28"/>
+        <p:cNvPr id="1" name="Shape 28"/>
         <p:cNvGrpSpPr/>
         <p:nvPr/>
       </p:nvGrpSpPr>
@@ -4225,7 +4366,9 @@
       <p:sp>
         <p:nvSpPr>
           <p:cNvPr id="29" name="Google Shape;29;p7"/>
-          <p:cNvSpPr txBox="1"/>
+          <p:cNvSpPr txBox="1">
+            <a:spLocks noGrp="1"/>
+          </p:cNvSpPr>
           <p:nvPr>
             <p:ph type="title"/>
           </p:nvPr>
@@ -4240,7 +4383,7 @@
           </a:prstGeom>
         </p:spPr>
         <p:txBody>
-          <a:bodyPr anchorCtr="0" anchor="b" bIns="91425" lIns="91425" spcFirstLastPara="1" rIns="91425" wrap="square" tIns="91425">
+          <a:bodyPr spcFirstLastPara="1" wrap="square" lIns="91425" tIns="91425" rIns="91425" bIns="91425" anchor="b" anchorCtr="0">
             <a:noAutofit/>
           </a:bodyPr>
           <a:lstStyle>
@@ -4344,15 +4487,19 @@
               <a:defRPr sz="2400"/>
             </a:lvl9pPr>
           </a:lstStyle>
-          <a:p/>
+          <a:p>
+            <a:endParaRPr/>
+          </a:p>
         </p:txBody>
       </p:sp>
       <p:sp>
         <p:nvSpPr>
           <p:cNvPr id="30" name="Google Shape;30;p7"/>
-          <p:cNvSpPr txBox="1"/>
+          <p:cNvSpPr txBox="1">
+            <a:spLocks noGrp="1"/>
+          </p:cNvSpPr>
           <p:nvPr>
-            <p:ph idx="1" type="body"/>
+            <p:ph type="body" idx="1"/>
           </p:nvPr>
         </p:nvSpPr>
         <p:spPr>
@@ -4365,11 +4512,11 @@
           </a:prstGeom>
         </p:spPr>
         <p:txBody>
-          <a:bodyPr anchorCtr="0" anchor="t" bIns="91425" lIns="91425" spcFirstLastPara="1" rIns="91425" wrap="square" tIns="91425">
+          <a:bodyPr spcFirstLastPara="1" wrap="square" lIns="91425" tIns="91425" rIns="91425" bIns="91425" anchor="t" anchorCtr="0">
             <a:noAutofit/>
           </a:bodyPr>
           <a:lstStyle>
-            <a:lvl1pPr indent="-304800" lvl="0" marL="457200">
+            <a:lvl1pPr marL="457200" lvl="0" indent="-304800">
               <a:spcBef>
                 <a:spcPts val="0"/>
               </a:spcBef>
@@ -4380,7 +4527,7 @@
               <a:buChar char="●"/>
               <a:defRPr sz="1200"/>
             </a:lvl1pPr>
-            <a:lvl2pPr indent="-304800" lvl="1" marL="914400">
+            <a:lvl2pPr marL="914400" lvl="1" indent="-304800">
               <a:spcBef>
                 <a:spcPts val="1600"/>
               </a:spcBef>
@@ -4391,7 +4538,7 @@
               <a:buChar char="○"/>
               <a:defRPr sz="1200"/>
             </a:lvl2pPr>
-            <a:lvl3pPr indent="-304800" lvl="2" marL="1371600">
+            <a:lvl3pPr marL="1371600" lvl="2" indent="-304800">
               <a:spcBef>
                 <a:spcPts val="1600"/>
               </a:spcBef>
@@ -4402,7 +4549,7 @@
               <a:buChar char="■"/>
               <a:defRPr sz="1200"/>
             </a:lvl3pPr>
-            <a:lvl4pPr indent="-304800" lvl="3" marL="1828800">
+            <a:lvl4pPr marL="1828800" lvl="3" indent="-304800">
               <a:spcBef>
                 <a:spcPts val="1600"/>
               </a:spcBef>
@@ -4413,7 +4560,7 @@
               <a:buChar char="●"/>
               <a:defRPr sz="1200"/>
             </a:lvl4pPr>
-            <a:lvl5pPr indent="-304800" lvl="4" marL="2286000">
+            <a:lvl5pPr marL="2286000" lvl="4" indent="-304800">
               <a:spcBef>
                 <a:spcPts val="1600"/>
               </a:spcBef>
@@ -4424,7 +4571,7 @@
               <a:buChar char="○"/>
               <a:defRPr sz="1200"/>
             </a:lvl5pPr>
-            <a:lvl6pPr indent="-304800" lvl="5" marL="2743200">
+            <a:lvl6pPr marL="2743200" lvl="5" indent="-304800">
               <a:spcBef>
                 <a:spcPts val="1600"/>
               </a:spcBef>
@@ -4435,7 +4582,7 @@
               <a:buChar char="■"/>
               <a:defRPr sz="1200"/>
             </a:lvl6pPr>
-            <a:lvl7pPr indent="-304800" lvl="6" marL="3200400">
+            <a:lvl7pPr marL="3200400" lvl="6" indent="-304800">
               <a:spcBef>
                 <a:spcPts val="1600"/>
               </a:spcBef>
@@ -4446,7 +4593,7 @@
               <a:buChar char="●"/>
               <a:defRPr sz="1200"/>
             </a:lvl7pPr>
-            <a:lvl8pPr indent="-304800" lvl="7" marL="3657600">
+            <a:lvl8pPr marL="3657600" lvl="7" indent="-304800">
               <a:spcBef>
                 <a:spcPts val="1600"/>
               </a:spcBef>
@@ -4457,7 +4604,7 @@
               <a:buChar char="○"/>
               <a:defRPr sz="1200"/>
             </a:lvl8pPr>
-            <a:lvl9pPr indent="-304800" lvl="8" marL="4114800">
+            <a:lvl9pPr marL="4114800" lvl="8" indent="-304800">
               <a:spcBef>
                 <a:spcPts val="1600"/>
               </a:spcBef>
@@ -4469,15 +4616,19 @@
               <a:defRPr sz="1200"/>
             </a:lvl9pPr>
           </a:lstStyle>
-          <a:p/>
+          <a:p>
+            <a:endParaRPr/>
+          </a:p>
         </p:txBody>
       </p:sp>
       <p:sp>
         <p:nvSpPr>
           <p:cNvPr id="31" name="Google Shape;31;p7"/>
-          <p:cNvSpPr txBox="1"/>
+          <p:cNvSpPr txBox="1">
+            <a:spLocks noGrp="1"/>
+          </p:cNvSpPr>
           <p:nvPr>
-            <p:ph idx="12" type="sldNum"/>
+            <p:ph type="sldNum" idx="12"/>
           </p:nvPr>
         </p:nvSpPr>
         <p:spPr>
@@ -4490,7 +4641,7 @@
           </a:prstGeom>
         </p:spPr>
         <p:txBody>
-          <a:bodyPr anchorCtr="0" anchor="ctr" bIns="91425" lIns="91425" spcFirstLastPara="1" rIns="91425" wrap="square" tIns="91425">
+          <a:bodyPr spcFirstLastPara="1" wrap="square" lIns="91425" tIns="91425" rIns="91425" bIns="91425" anchor="ctr" anchorCtr="0">
             <a:noAutofit/>
           </a:bodyPr>
           <a:lstStyle>
@@ -4532,7 +4683,7 @@
             </a:lvl9pPr>
           </a:lstStyle>
           <a:p>
-            <a:pPr indent="0" lvl="0" marL="0" rtl="0" algn="r">
+            <a:pPr marL="0" lvl="0" indent="0" algn="r" rtl="0">
               <a:spcBef>
                 <a:spcPts val="0"/>
               </a:spcBef>
@@ -4558,11 +4709,11 @@
 </file>
 
 <file path=ppt/slideLayouts/slideLayout7.xml><?xml version="1.0" encoding="utf-8"?>
-<p:sldLayout xmlns:a="http://schemas.openxmlformats.org/drawingml/2006/main" xmlns:r="http://schemas.openxmlformats.org/officeDocument/2006/relationships" xmlns:mc="http://schemas.openxmlformats.org/markup-compatibility/2006" xmlns:mv="urn:schemas-microsoft-com:mac:vml" xmlns:p="http://schemas.openxmlformats.org/presentationml/2006/main" xmlns:c="http://schemas.openxmlformats.org/drawingml/2006/chart" xmlns:dgm="http://schemas.openxmlformats.org/drawingml/2006/diagram" xmlns:o="urn:schemas-microsoft-com:office:office" xmlns:v="urn:schemas-microsoft-com:vml" xmlns:pvml="urn:schemas-microsoft-com:office:powerpoint" xmlns:com="http://schemas.openxmlformats.org/drawingml/2006/compatibility" xmlns:p14="http://schemas.microsoft.com/office/powerpoint/2010/main" xmlns:p15="http://schemas.microsoft.com/office/powerpoint/2012/main" xmlns:ahyp="http://schemas.microsoft.com/office/drawing/2018/hyperlinkcolor" matchingName="Main point">
+<p:sldLayout xmlns:a="http://schemas.openxmlformats.org/drawingml/2006/main" xmlns:r="http://schemas.openxmlformats.org/officeDocument/2006/relationships" xmlns:p="http://schemas.openxmlformats.org/presentationml/2006/main" matchingName="Main point">
   <p:cSld name="MAIN_POINT">
     <p:spTree>
       <p:nvGrpSpPr>
-        <p:cNvPr id="32" name="Shape 32"/>
+        <p:cNvPr id="1" name="Shape 32"/>
         <p:cNvGrpSpPr/>
         <p:nvPr/>
       </p:nvGrpSpPr>
@@ -4577,7 +4728,9 @@
       <p:sp>
         <p:nvSpPr>
           <p:cNvPr id="33" name="Google Shape;33;p8"/>
-          <p:cNvSpPr txBox="1"/>
+          <p:cNvSpPr txBox="1">
+            <a:spLocks noGrp="1"/>
+          </p:cNvSpPr>
           <p:nvPr>
             <p:ph type="title"/>
           </p:nvPr>
@@ -4592,7 +4745,7 @@
           </a:prstGeom>
         </p:spPr>
         <p:txBody>
-          <a:bodyPr anchorCtr="0" anchor="ctr" bIns="91425" lIns="91425" spcFirstLastPara="1" rIns="91425" wrap="square" tIns="91425">
+          <a:bodyPr spcFirstLastPara="1" wrap="square" lIns="91425" tIns="91425" rIns="91425" bIns="91425" anchor="ctr" anchorCtr="0">
             <a:noAutofit/>
           </a:bodyPr>
           <a:lstStyle>
@@ -4696,15 +4849,19 @@
               <a:defRPr sz="4800"/>
             </a:lvl9pPr>
           </a:lstStyle>
-          <a:p/>
+          <a:p>
+            <a:endParaRPr/>
+          </a:p>
         </p:txBody>
       </p:sp>
       <p:sp>
         <p:nvSpPr>
           <p:cNvPr id="34" name="Google Shape;34;p8"/>
-          <p:cNvSpPr txBox="1"/>
+          <p:cNvSpPr txBox="1">
+            <a:spLocks noGrp="1"/>
+          </p:cNvSpPr>
           <p:nvPr>
-            <p:ph idx="12" type="sldNum"/>
+            <p:ph type="sldNum" idx="12"/>
           </p:nvPr>
         </p:nvSpPr>
         <p:spPr>
@@ -4717,7 +4874,7 @@
           </a:prstGeom>
         </p:spPr>
         <p:txBody>
-          <a:bodyPr anchorCtr="0" anchor="ctr" bIns="91425" lIns="91425" spcFirstLastPara="1" rIns="91425" wrap="square" tIns="91425">
+          <a:bodyPr spcFirstLastPara="1" wrap="square" lIns="91425" tIns="91425" rIns="91425" bIns="91425" anchor="ctr" anchorCtr="0">
             <a:noAutofit/>
           </a:bodyPr>
           <a:lstStyle>
@@ -4759,7 +4916,7 @@
             </a:lvl9pPr>
           </a:lstStyle>
           <a:p>
-            <a:pPr indent="0" lvl="0" marL="0" rtl="0" algn="r">
+            <a:pPr marL="0" lvl="0" indent="0" algn="r" rtl="0">
               <a:spcBef>
                 <a:spcPts val="0"/>
               </a:spcBef>
@@ -4785,11 +4942,11 @@
 </file>
 
 <file path=ppt/slideLayouts/slideLayout8.xml><?xml version="1.0" encoding="utf-8"?>
-<p:sldLayout xmlns:a="http://schemas.openxmlformats.org/drawingml/2006/main" xmlns:r="http://schemas.openxmlformats.org/officeDocument/2006/relationships" xmlns:mc="http://schemas.openxmlformats.org/markup-compatibility/2006" xmlns:mv="urn:schemas-microsoft-com:mac:vml" xmlns:p="http://schemas.openxmlformats.org/presentationml/2006/main" xmlns:c="http://schemas.openxmlformats.org/drawingml/2006/chart" xmlns:dgm="http://schemas.openxmlformats.org/drawingml/2006/diagram" xmlns:o="urn:schemas-microsoft-com:office:office" xmlns:v="urn:schemas-microsoft-com:vml" xmlns:pvml="urn:schemas-microsoft-com:office:powerpoint" xmlns:com="http://schemas.openxmlformats.org/drawingml/2006/compatibility" xmlns:p14="http://schemas.microsoft.com/office/powerpoint/2010/main" xmlns:p15="http://schemas.microsoft.com/office/powerpoint/2012/main" xmlns:ahyp="http://schemas.microsoft.com/office/drawing/2018/hyperlinkcolor" matchingName="Section title and description">
+<p:sldLayout xmlns:a="http://schemas.openxmlformats.org/drawingml/2006/main" xmlns:r="http://schemas.openxmlformats.org/officeDocument/2006/relationships" xmlns:p="http://schemas.openxmlformats.org/presentationml/2006/main" matchingName="Section title and description">
   <p:cSld name="SECTION_TITLE_AND_DESCRIPTION">
     <p:spTree>
       <p:nvGrpSpPr>
-        <p:cNvPr id="35" name="Shape 35"/>
+        <p:cNvPr id="1" name="Shape 35"/>
         <p:cNvGrpSpPr/>
         <p:nvPr/>
       </p:nvGrpSpPr>
@@ -4823,12 +4980,12 @@
           </a:ln>
         </p:spPr>
         <p:txBody>
-          <a:bodyPr anchorCtr="0" anchor="ctr" bIns="91425" lIns="91425" spcFirstLastPara="1" rIns="91425" wrap="square" tIns="91425">
+          <a:bodyPr spcFirstLastPara="1" wrap="square" lIns="91425" tIns="91425" rIns="91425" bIns="91425" anchor="ctr" anchorCtr="0">
             <a:noAutofit/>
           </a:bodyPr>
           <a:lstStyle/>
           <a:p>
-            <a:pPr indent="0" lvl="0" marL="0" rtl="0" algn="l">
+            <a:pPr marL="0" lvl="0" indent="0" algn="l" rtl="0">
               <a:spcBef>
                 <a:spcPts val="0"/>
               </a:spcBef>
@@ -4837,9 +4994,6 @@
               </a:spcAft>
               <a:buNone/>
             </a:pPr>
-            <a:r>
-              <a:t/>
-            </a:r>
             <a:endParaRPr/>
           </a:p>
         </p:txBody>
@@ -4847,7 +5001,9 @@
       <p:sp>
         <p:nvSpPr>
           <p:cNvPr id="37" name="Google Shape;37;p9"/>
-          <p:cNvSpPr txBox="1"/>
+          <p:cNvSpPr txBox="1">
+            <a:spLocks noGrp="1"/>
+          </p:cNvSpPr>
           <p:nvPr>
             <p:ph type="title"/>
           </p:nvPr>
@@ -4862,7 +5018,7 @@
           </a:prstGeom>
         </p:spPr>
         <p:txBody>
-          <a:bodyPr anchorCtr="0" anchor="b" bIns="91425" lIns="91425" spcFirstLastPara="1" rIns="91425" wrap="square" tIns="91425">
+          <a:bodyPr spcFirstLastPara="1" wrap="square" lIns="91425" tIns="91425" rIns="91425" bIns="91425" anchor="b" anchorCtr="0">
             <a:noAutofit/>
           </a:bodyPr>
           <a:lstStyle>
@@ -4966,15 +5122,19 @@
               <a:defRPr sz="4200"/>
             </a:lvl9pPr>
           </a:lstStyle>
-          <a:p/>
+          <a:p>
+            <a:endParaRPr/>
+          </a:p>
         </p:txBody>
       </p:sp>
       <p:sp>
         <p:nvSpPr>
           <p:cNvPr id="38" name="Google Shape;38;p9"/>
-          <p:cNvSpPr txBox="1"/>
+          <p:cNvSpPr txBox="1">
+            <a:spLocks noGrp="1"/>
+          </p:cNvSpPr>
           <p:nvPr>
-            <p:ph idx="1" type="subTitle"/>
+            <p:ph type="subTitle" idx="1"/>
           </p:nvPr>
         </p:nvSpPr>
         <p:spPr>
@@ -4987,7 +5147,7 @@
           </a:prstGeom>
         </p:spPr>
         <p:txBody>
-          <a:bodyPr anchorCtr="0" anchor="t" bIns="91425" lIns="91425" spcFirstLastPara="1" rIns="91425" wrap="square" tIns="91425">
+          <a:bodyPr spcFirstLastPara="1" wrap="square" lIns="91425" tIns="91425" rIns="91425" bIns="91425" anchor="t" anchorCtr="0">
             <a:noAutofit/>
           </a:bodyPr>
           <a:lstStyle>
@@ -5118,15 +5278,19 @@
               <a:defRPr sz="2100"/>
             </a:lvl9pPr>
           </a:lstStyle>
-          <a:p/>
+          <a:p>
+            <a:endParaRPr/>
+          </a:p>
         </p:txBody>
       </p:sp>
       <p:sp>
         <p:nvSpPr>
           <p:cNvPr id="39" name="Google Shape;39;p9"/>
-          <p:cNvSpPr txBox="1"/>
+          <p:cNvSpPr txBox="1">
+            <a:spLocks noGrp="1"/>
+          </p:cNvSpPr>
           <p:nvPr>
-            <p:ph idx="2" type="body"/>
+            <p:ph type="body" idx="2"/>
           </p:nvPr>
         </p:nvSpPr>
         <p:spPr>
@@ -5139,11 +5303,11 @@
           </a:prstGeom>
         </p:spPr>
         <p:txBody>
-          <a:bodyPr anchorCtr="0" anchor="ctr" bIns="91425" lIns="91425" spcFirstLastPara="1" rIns="91425" wrap="square" tIns="91425">
+          <a:bodyPr spcFirstLastPara="1" wrap="square" lIns="91425" tIns="91425" rIns="91425" bIns="91425" anchor="ctr" anchorCtr="0">
             <a:noAutofit/>
           </a:bodyPr>
           <a:lstStyle>
-            <a:lvl1pPr indent="-342900" lvl="0" marL="457200">
+            <a:lvl1pPr marL="457200" lvl="0" indent="-342900">
               <a:spcBef>
                 <a:spcPts val="0"/>
               </a:spcBef>
@@ -5161,7 +5325,7 @@
                 </a:solidFill>
               </a:defRPr>
             </a:lvl1pPr>
-            <a:lvl2pPr indent="-317500" lvl="1" marL="914400">
+            <a:lvl2pPr marL="914400" lvl="1" indent="-317500">
               <a:spcBef>
                 <a:spcPts val="1600"/>
               </a:spcBef>
@@ -5179,7 +5343,7 @@
                 </a:solidFill>
               </a:defRPr>
             </a:lvl2pPr>
-            <a:lvl3pPr indent="-317500" lvl="2" marL="1371600">
+            <a:lvl3pPr marL="1371600" lvl="2" indent="-317500">
               <a:spcBef>
                 <a:spcPts val="1600"/>
               </a:spcBef>
@@ -5197,7 +5361,7 @@
                 </a:solidFill>
               </a:defRPr>
             </a:lvl3pPr>
-            <a:lvl4pPr indent="-317500" lvl="3" marL="1828800">
+            <a:lvl4pPr marL="1828800" lvl="3" indent="-317500">
               <a:spcBef>
                 <a:spcPts val="1600"/>
               </a:spcBef>
@@ -5215,7 +5379,7 @@
                 </a:solidFill>
               </a:defRPr>
             </a:lvl4pPr>
-            <a:lvl5pPr indent="-317500" lvl="4" marL="2286000">
+            <a:lvl5pPr marL="2286000" lvl="4" indent="-317500">
               <a:spcBef>
                 <a:spcPts val="1600"/>
               </a:spcBef>
@@ -5233,7 +5397,7 @@
                 </a:solidFill>
               </a:defRPr>
             </a:lvl5pPr>
-            <a:lvl6pPr indent="-317500" lvl="5" marL="2743200">
+            <a:lvl6pPr marL="2743200" lvl="5" indent="-317500">
               <a:spcBef>
                 <a:spcPts val="1600"/>
               </a:spcBef>
@@ -5251,7 +5415,7 @@
                 </a:solidFill>
               </a:defRPr>
             </a:lvl6pPr>
-            <a:lvl7pPr indent="-317500" lvl="6" marL="3200400">
+            <a:lvl7pPr marL="3200400" lvl="6" indent="-317500">
               <a:spcBef>
                 <a:spcPts val="1600"/>
               </a:spcBef>
@@ -5269,7 +5433,7 @@
                 </a:solidFill>
               </a:defRPr>
             </a:lvl7pPr>
-            <a:lvl8pPr indent="-317500" lvl="7" marL="3657600">
+            <a:lvl8pPr marL="3657600" lvl="7" indent="-317500">
               <a:spcBef>
                 <a:spcPts val="1600"/>
               </a:spcBef>
@@ -5287,7 +5451,7 @@
                 </a:solidFill>
               </a:defRPr>
             </a:lvl8pPr>
-            <a:lvl9pPr indent="-317500" lvl="8" marL="4114800">
+            <a:lvl9pPr marL="4114800" lvl="8" indent="-317500">
               <a:spcBef>
                 <a:spcPts val="1600"/>
               </a:spcBef>
@@ -5306,15 +5470,19 @@
               </a:defRPr>
             </a:lvl9pPr>
           </a:lstStyle>
-          <a:p/>
+          <a:p>
+            <a:endParaRPr/>
+          </a:p>
         </p:txBody>
       </p:sp>
       <p:sp>
         <p:nvSpPr>
           <p:cNvPr id="40" name="Google Shape;40;p9"/>
-          <p:cNvSpPr txBox="1"/>
+          <p:cNvSpPr txBox="1">
+            <a:spLocks noGrp="1"/>
+          </p:cNvSpPr>
           <p:nvPr>
-            <p:ph idx="12" type="sldNum"/>
+            <p:ph type="sldNum" idx="12"/>
           </p:nvPr>
         </p:nvSpPr>
         <p:spPr>
@@ -5327,7 +5495,7 @@
           </a:prstGeom>
         </p:spPr>
         <p:txBody>
-          <a:bodyPr anchorCtr="0" anchor="ctr" bIns="91425" lIns="91425" spcFirstLastPara="1" rIns="91425" wrap="square" tIns="91425">
+          <a:bodyPr spcFirstLastPara="1" wrap="square" lIns="91425" tIns="91425" rIns="91425" bIns="91425" anchor="ctr" anchorCtr="0">
             <a:noAutofit/>
           </a:bodyPr>
           <a:lstStyle>
@@ -5369,7 +5537,7 @@
             </a:lvl9pPr>
           </a:lstStyle>
           <a:p>
-            <a:pPr indent="0" lvl="0" marL="0" rtl="0" algn="r">
+            <a:pPr marL="0" lvl="0" indent="0" algn="r" rtl="0">
               <a:spcBef>
                 <a:spcPts val="0"/>
               </a:spcBef>
@@ -5395,11 +5563,11 @@
 </file>
 
 <file path=ppt/slideLayouts/slideLayout9.xml><?xml version="1.0" encoding="utf-8"?>
-<p:sldLayout xmlns:a="http://schemas.openxmlformats.org/drawingml/2006/main" xmlns:r="http://schemas.openxmlformats.org/officeDocument/2006/relationships" xmlns:mc="http://schemas.openxmlformats.org/markup-compatibility/2006" xmlns:mv="urn:schemas-microsoft-com:mac:vml" xmlns:p="http://schemas.openxmlformats.org/presentationml/2006/main" xmlns:c="http://schemas.openxmlformats.org/drawingml/2006/chart" xmlns:dgm="http://schemas.openxmlformats.org/drawingml/2006/diagram" xmlns:o="urn:schemas-microsoft-com:office:office" xmlns:v="urn:schemas-microsoft-com:vml" xmlns:pvml="urn:schemas-microsoft-com:office:powerpoint" xmlns:com="http://schemas.openxmlformats.org/drawingml/2006/compatibility" xmlns:p14="http://schemas.microsoft.com/office/powerpoint/2010/main" xmlns:p15="http://schemas.microsoft.com/office/powerpoint/2012/main" xmlns:ahyp="http://schemas.microsoft.com/office/drawing/2018/hyperlinkcolor" matchingName="Caption">
+<p:sldLayout xmlns:a="http://schemas.openxmlformats.org/drawingml/2006/main" xmlns:r="http://schemas.openxmlformats.org/officeDocument/2006/relationships" xmlns:p="http://schemas.openxmlformats.org/presentationml/2006/main" matchingName="Caption">
   <p:cSld name="CAPTION_ONLY">
     <p:spTree>
       <p:nvGrpSpPr>
-        <p:cNvPr id="41" name="Shape 41"/>
+        <p:cNvPr id="1" name="Shape 41"/>
         <p:cNvGrpSpPr/>
         <p:nvPr/>
       </p:nvGrpSpPr>
@@ -5414,9 +5582,11 @@
       <p:sp>
         <p:nvSpPr>
           <p:cNvPr id="42" name="Google Shape;42;p10"/>
-          <p:cNvSpPr txBox="1"/>
+          <p:cNvSpPr txBox="1">
+            <a:spLocks noGrp="1"/>
+          </p:cNvSpPr>
           <p:nvPr>
-            <p:ph idx="1" type="body"/>
+            <p:ph type="body" idx="1"/>
           </p:nvPr>
         </p:nvSpPr>
         <p:spPr>
@@ -5429,11 +5599,11 @@
           </a:prstGeom>
         </p:spPr>
         <p:txBody>
-          <a:bodyPr anchorCtr="0" anchor="ctr" bIns="91425" lIns="91425" spcFirstLastPara="1" rIns="91425" wrap="square" tIns="91425">
+          <a:bodyPr spcFirstLastPara="1" wrap="square" lIns="91425" tIns="91425" rIns="91425" bIns="91425" anchor="ctr" anchorCtr="0">
             <a:noAutofit/>
           </a:bodyPr>
           <a:lstStyle>
-            <a:lvl1pPr indent="-228600" lvl="0" marL="457200">
+            <a:lvl1pPr marL="457200" lvl="0" indent="-228600">
               <a:lnSpc>
                 <a:spcPct val="100000"/>
               </a:lnSpc>
@@ -5448,15 +5618,19 @@
               <a:defRPr/>
             </a:lvl1pPr>
           </a:lstStyle>
-          <a:p/>
+          <a:p>
+            <a:endParaRPr/>
+          </a:p>
         </p:txBody>
       </p:sp>
       <p:sp>
         <p:nvSpPr>
           <p:cNvPr id="43" name="Google Shape;43;p10"/>
-          <p:cNvSpPr txBox="1"/>
+          <p:cNvSpPr txBox="1">
+            <a:spLocks noGrp="1"/>
+          </p:cNvSpPr>
           <p:nvPr>
-            <p:ph idx="12" type="sldNum"/>
+            <p:ph type="sldNum" idx="12"/>
           </p:nvPr>
         </p:nvSpPr>
         <p:spPr>
@@ -5469,7 +5643,7 @@
           </a:prstGeom>
         </p:spPr>
         <p:txBody>
-          <a:bodyPr anchorCtr="0" anchor="ctr" bIns="91425" lIns="91425" spcFirstLastPara="1" rIns="91425" wrap="square" tIns="91425">
+          <a:bodyPr spcFirstLastPara="1" wrap="square" lIns="91425" tIns="91425" rIns="91425" bIns="91425" anchor="ctr" anchorCtr="0">
             <a:noAutofit/>
           </a:bodyPr>
           <a:lstStyle>
@@ -5511,7 +5685,7 @@
             </a:lvl9pPr>
           </a:lstStyle>
           <a:p>
-            <a:pPr indent="0" lvl="0" marL="0" rtl="0" algn="r">
+            <a:pPr marL="0" lvl="0" indent="0" algn="r" rtl="0">
               <a:spcBef>
                 <a:spcPts val="0"/>
               </a:spcBef>
@@ -5537,23 +5711,24 @@
 </file>
 
 <file path=ppt/slideMasters/slideMaster1.xml><?xml version="1.0" encoding="utf-8"?>
-<p:sldMaster xmlns:a="http://schemas.openxmlformats.org/drawingml/2006/main" xmlns:r="http://schemas.openxmlformats.org/officeDocument/2006/relationships" xmlns:mc="http://schemas.openxmlformats.org/markup-compatibility/2006" xmlns:mv="urn:schemas-microsoft-com:mac:vml" xmlns:p="http://schemas.openxmlformats.org/presentationml/2006/main" xmlns:c="http://schemas.openxmlformats.org/drawingml/2006/chart" xmlns:dgm="http://schemas.openxmlformats.org/drawingml/2006/diagram" xmlns:o="urn:schemas-microsoft-com:office:office" xmlns:v="urn:schemas-microsoft-com:vml" xmlns:pvml="urn:schemas-microsoft-com:office:powerpoint" xmlns:com="http://schemas.openxmlformats.org/drawingml/2006/compatibility" xmlns:p14="http://schemas.microsoft.com/office/powerpoint/2010/main" xmlns:p15="http://schemas.microsoft.com/office/powerpoint/2012/main" xmlns:ahyp="http://schemas.microsoft.com/office/drawing/2018/hyperlinkcolor">
+<p:sldMaster xmlns:a="http://schemas.openxmlformats.org/drawingml/2006/main" xmlns:r="http://schemas.openxmlformats.org/officeDocument/2006/relationships" xmlns:p="http://schemas.openxmlformats.org/presentationml/2006/main">
   <p:cSld name="simple-dark-2">
     <p:bg>
       <p:bgPr>
         <a:blipFill>
-          <a:blip r:embed="rId1">
+          <a:blip r:embed="rId13">
             <a:alphaModFix/>
           </a:blip>
           <a:stretch>
             <a:fillRect/>
           </a:stretch>
         </a:blipFill>
+        <a:effectLst/>
       </p:bgPr>
     </p:bg>
     <p:spTree>
       <p:nvGrpSpPr>
-        <p:cNvPr id="5" name="Shape 5"/>
+        <p:cNvPr id="1" name="Shape 5"/>
         <p:cNvGrpSpPr/>
         <p:nvPr/>
       </p:nvGrpSpPr>
@@ -5568,7 +5743,9 @@
       <p:sp>
         <p:nvSpPr>
           <p:cNvPr id="6" name="Google Shape;6;p1"/>
-          <p:cNvSpPr txBox="1"/>
+          <p:cNvSpPr txBox="1">
+            <a:spLocks noGrp="1"/>
+          </p:cNvSpPr>
           <p:nvPr>
             <p:ph type="title"/>
           </p:nvPr>
@@ -5587,7 +5764,7 @@
           </a:ln>
         </p:spPr>
         <p:txBody>
-          <a:bodyPr anchorCtr="0" anchor="t" bIns="91425" lIns="91425" spcFirstLastPara="1" rIns="91425" wrap="square" tIns="91425">
+          <a:bodyPr spcFirstLastPara="1" wrap="square" lIns="91425" tIns="91425" rIns="91425" bIns="91425" anchor="t" anchorCtr="0">
             <a:noAutofit/>
           </a:bodyPr>
           <a:lstStyle>
@@ -5754,15 +5931,19 @@
               </a:defRPr>
             </a:lvl9pPr>
           </a:lstStyle>
-          <a:p/>
+          <a:p>
+            <a:endParaRPr/>
+          </a:p>
         </p:txBody>
       </p:sp>
       <p:sp>
         <p:nvSpPr>
           <p:cNvPr id="7" name="Google Shape;7;p1"/>
-          <p:cNvSpPr txBox="1"/>
+          <p:cNvSpPr txBox="1">
+            <a:spLocks noGrp="1"/>
+          </p:cNvSpPr>
           <p:nvPr>
-            <p:ph idx="1" type="body"/>
+            <p:ph type="body" idx="1"/>
           </p:nvPr>
         </p:nvSpPr>
         <p:spPr>
@@ -5779,11 +5960,11 @@
           </a:ln>
         </p:spPr>
         <p:txBody>
-          <a:bodyPr anchorCtr="0" anchor="t" bIns="91425" lIns="91425" spcFirstLastPara="1" rIns="91425" wrap="square" tIns="91425">
+          <a:bodyPr spcFirstLastPara="1" wrap="square" lIns="91425" tIns="91425" rIns="91425" bIns="91425" anchor="t" anchorCtr="0">
             <a:noAutofit/>
           </a:bodyPr>
           <a:lstStyle>
-            <a:lvl1pPr indent="-342900" lvl="0" marL="457200">
+            <a:lvl1pPr marL="457200" lvl="0" indent="-342900">
               <a:lnSpc>
                 <a:spcPct val="115000"/>
               </a:lnSpc>
@@ -5804,7 +5985,7 @@
                 </a:solidFill>
               </a:defRPr>
             </a:lvl1pPr>
-            <a:lvl2pPr indent="-317500" lvl="1" marL="914400">
+            <a:lvl2pPr marL="914400" lvl="1" indent="-317500">
               <a:lnSpc>
                 <a:spcPct val="115000"/>
               </a:lnSpc>
@@ -5825,7 +6006,7 @@
                 </a:solidFill>
               </a:defRPr>
             </a:lvl2pPr>
-            <a:lvl3pPr indent="-317500" lvl="2" marL="1371600">
+            <a:lvl3pPr marL="1371600" lvl="2" indent="-317500">
               <a:lnSpc>
                 <a:spcPct val="115000"/>
               </a:lnSpc>
@@ -5846,7 +6027,7 @@
                 </a:solidFill>
               </a:defRPr>
             </a:lvl3pPr>
-            <a:lvl4pPr indent="-317500" lvl="3" marL="1828800">
+            <a:lvl4pPr marL="1828800" lvl="3" indent="-317500">
               <a:lnSpc>
                 <a:spcPct val="115000"/>
               </a:lnSpc>
@@ -5867,7 +6048,7 @@
                 </a:solidFill>
               </a:defRPr>
             </a:lvl4pPr>
-            <a:lvl5pPr indent="-317500" lvl="4" marL="2286000">
+            <a:lvl5pPr marL="2286000" lvl="4" indent="-317500">
               <a:lnSpc>
                 <a:spcPct val="115000"/>
               </a:lnSpc>
@@ -5888,7 +6069,7 @@
                 </a:solidFill>
               </a:defRPr>
             </a:lvl5pPr>
-            <a:lvl6pPr indent="-317500" lvl="5" marL="2743200">
+            <a:lvl6pPr marL="2743200" lvl="5" indent="-317500">
               <a:lnSpc>
                 <a:spcPct val="115000"/>
               </a:lnSpc>
@@ -5909,7 +6090,7 @@
                 </a:solidFill>
               </a:defRPr>
             </a:lvl6pPr>
-            <a:lvl7pPr indent="-317500" lvl="6" marL="3200400">
+            <a:lvl7pPr marL="3200400" lvl="6" indent="-317500">
               <a:lnSpc>
                 <a:spcPct val="115000"/>
               </a:lnSpc>
@@ -5930,7 +6111,7 @@
                 </a:solidFill>
               </a:defRPr>
             </a:lvl7pPr>
-            <a:lvl8pPr indent="-317500" lvl="7" marL="3657600">
+            <a:lvl8pPr marL="3657600" lvl="7" indent="-317500">
               <a:lnSpc>
                 <a:spcPct val="115000"/>
               </a:lnSpc>
@@ -5951,7 +6132,7 @@
                 </a:solidFill>
               </a:defRPr>
             </a:lvl8pPr>
-            <a:lvl9pPr indent="-317500" lvl="8" marL="4114800">
+            <a:lvl9pPr marL="4114800" lvl="8" indent="-317500">
               <a:lnSpc>
                 <a:spcPct val="115000"/>
               </a:lnSpc>
@@ -5973,15 +6154,19 @@
               </a:defRPr>
             </a:lvl9pPr>
           </a:lstStyle>
-          <a:p/>
+          <a:p>
+            <a:endParaRPr/>
+          </a:p>
         </p:txBody>
       </p:sp>
       <p:sp>
         <p:nvSpPr>
           <p:cNvPr id="8" name="Google Shape;8;p1"/>
-          <p:cNvSpPr txBox="1"/>
+          <p:cNvSpPr txBox="1">
+            <a:spLocks noGrp="1"/>
+          </p:cNvSpPr>
           <p:nvPr>
-            <p:ph idx="12" type="sldNum"/>
+            <p:ph type="sldNum" idx="12"/>
           </p:nvPr>
         </p:nvSpPr>
         <p:spPr>
@@ -5998,7 +6183,7 @@
           </a:ln>
         </p:spPr>
         <p:txBody>
-          <a:bodyPr anchorCtr="0" anchor="ctr" bIns="91425" lIns="91425" spcFirstLastPara="1" rIns="91425" wrap="square" tIns="91425">
+          <a:bodyPr spcFirstLastPara="1" wrap="square" lIns="91425" tIns="91425" rIns="91425" bIns="91425" anchor="ctr" anchorCtr="0">
             <a:noAutofit/>
           </a:bodyPr>
           <a:lstStyle>
@@ -6076,7 +6261,7 @@
             </a:lvl9pPr>
           </a:lstStyle>
           <a:p>
-            <a:pPr indent="0" lvl="0" marL="0" rtl="0" algn="r">
+            <a:pPr marL="0" lvl="0" indent="0" algn="r" rtl="0">
               <a:spcBef>
                 <a:spcPts val="0"/>
               </a:spcBef>
@@ -6095,24 +6280,24 @@
       </p:sp>
     </p:spTree>
   </p:cSld>
-  <p:clrMap accent1="accent1" accent2="accent2" accent3="accent3" accent4="accent4" accent5="accent5" accent6="accent6" bg1="lt1" bg2="dk2" tx1="dk1" tx2="lt2" folHlink="folHlink" hlink="hlink"/>
+  <p:clrMap bg1="lt1" tx1="dk1" bg2="dk2" tx2="lt2" accent1="accent1" accent2="accent2" accent3="accent3" accent4="accent4" accent5="accent5" accent6="accent6" hlink="hlink" folHlink="folHlink"/>
   <p:sldLayoutIdLst>
-    <p:sldLayoutId id="2147483648" r:id="rId2"/>
-    <p:sldLayoutId id="2147483649" r:id="rId3"/>
-    <p:sldLayoutId id="2147483650" r:id="rId4"/>
-    <p:sldLayoutId id="2147483651" r:id="rId5"/>
-    <p:sldLayoutId id="2147483652" r:id="rId6"/>
-    <p:sldLayoutId id="2147483653" r:id="rId7"/>
-    <p:sldLayoutId id="2147483654" r:id="rId8"/>
-    <p:sldLayoutId id="2147483655" r:id="rId9"/>
-    <p:sldLayoutId id="2147483656" r:id="rId10"/>
-    <p:sldLayoutId id="2147483657" r:id="rId11"/>
-    <p:sldLayoutId id="2147483658" r:id="rId12"/>
+    <p:sldLayoutId id="2147483648" r:id="rId1"/>
+    <p:sldLayoutId id="2147483649" r:id="rId2"/>
+    <p:sldLayoutId id="2147483650" r:id="rId3"/>
+    <p:sldLayoutId id="2147483651" r:id="rId4"/>
+    <p:sldLayoutId id="2147483652" r:id="rId5"/>
+    <p:sldLayoutId id="2147483653" r:id="rId6"/>
+    <p:sldLayoutId id="2147483654" r:id="rId7"/>
+    <p:sldLayoutId id="2147483655" r:id="rId8"/>
+    <p:sldLayoutId id="2147483656" r:id="rId9"/>
+    <p:sldLayoutId id="2147483657" r:id="rId10"/>
+    <p:sldLayoutId id="2147483658" r:id="rId11"/>
   </p:sldLayoutIdLst>
-  <p:hf dt="0" ftr="0" hdr="0" sldNum="0"/>
+  <p:hf sldNum="0" hdr="0" ftr="0" dt="0"/>
   <p:txStyles>
     <p:titleStyle>
-      <a:defPPr lvl="0" marR="0" rtl="0" algn="l">
+      <a:defPPr marR="0" lvl="0" algn="l" rtl="0">
         <a:lnSpc>
           <a:spcPct val="100000"/>
         </a:lnSpc>
@@ -6123,7 +6308,7 @@
           <a:spcPts val="0"/>
         </a:spcAft>
       </a:defPPr>
-      <a:lvl1pPr lvl="0" marR="0" rtl="0" algn="l">
+      <a:lvl1pPr marR="0" lvl="0" algn="l" rtl="0">
         <a:lnSpc>
           <a:spcPct val="100000"/>
         </a:lnSpc>
@@ -6137,7 +6322,7 @@
           <a:srgbClr val="000000"/>
         </a:buClr>
         <a:buFont typeface="Arial"/>
-        <a:defRPr b="0" i="0" sz="1400" u="none" cap="none" strike="noStrike">
+        <a:defRPr sz="1400" b="0" i="0" u="none" strike="noStrike" cap="none">
           <a:solidFill>
             <a:srgbClr val="000000"/>
           </a:solidFill>
@@ -6147,7 +6332,7 @@
           <a:sym typeface="Arial"/>
         </a:defRPr>
       </a:lvl1pPr>
-      <a:lvl2pPr lvl="1" marR="0" rtl="0" algn="l">
+      <a:lvl2pPr marR="0" lvl="1" algn="l" rtl="0">
         <a:lnSpc>
           <a:spcPct val="100000"/>
         </a:lnSpc>
@@ -6161,7 +6346,7 @@
           <a:srgbClr val="000000"/>
         </a:buClr>
         <a:buFont typeface="Arial"/>
-        <a:defRPr b="0" i="0" sz="1400" u="none" cap="none" strike="noStrike">
+        <a:defRPr sz="1400" b="0" i="0" u="none" strike="noStrike" cap="none">
           <a:solidFill>
             <a:srgbClr val="000000"/>
           </a:solidFill>
@@ -6171,7 +6356,7 @@
           <a:sym typeface="Arial"/>
         </a:defRPr>
       </a:lvl2pPr>
-      <a:lvl3pPr lvl="2" marR="0" rtl="0" algn="l">
+      <a:lvl3pPr marR="0" lvl="2" algn="l" rtl="0">
         <a:lnSpc>
           <a:spcPct val="100000"/>
         </a:lnSpc>
@@ -6185,7 +6370,7 @@
           <a:srgbClr val="000000"/>
         </a:buClr>
         <a:buFont typeface="Arial"/>
-        <a:defRPr b="0" i="0" sz="1400" u="none" cap="none" strike="noStrike">
+        <a:defRPr sz="1400" b="0" i="0" u="none" strike="noStrike" cap="none">
           <a:solidFill>
             <a:srgbClr val="000000"/>
           </a:solidFill>
@@ -6195,7 +6380,7 @@
           <a:sym typeface="Arial"/>
         </a:defRPr>
       </a:lvl3pPr>
-      <a:lvl4pPr lvl="3" marR="0" rtl="0" algn="l">
+      <a:lvl4pPr marR="0" lvl="3" algn="l" rtl="0">
         <a:lnSpc>
           <a:spcPct val="100000"/>
         </a:lnSpc>
@@ -6209,7 +6394,7 @@
           <a:srgbClr val="000000"/>
         </a:buClr>
         <a:buFont typeface="Arial"/>
-        <a:defRPr b="0" i="0" sz="1400" u="none" cap="none" strike="noStrike">
+        <a:defRPr sz="1400" b="0" i="0" u="none" strike="noStrike" cap="none">
           <a:solidFill>
             <a:srgbClr val="000000"/>
           </a:solidFill>
@@ -6219,7 +6404,7 @@
           <a:sym typeface="Arial"/>
         </a:defRPr>
       </a:lvl4pPr>
-      <a:lvl5pPr lvl="4" marR="0" rtl="0" algn="l">
+      <a:lvl5pPr marR="0" lvl="4" algn="l" rtl="0">
         <a:lnSpc>
           <a:spcPct val="100000"/>
         </a:lnSpc>
@@ -6233,7 +6418,7 @@
           <a:srgbClr val="000000"/>
         </a:buClr>
         <a:buFont typeface="Arial"/>
-        <a:defRPr b="0" i="0" sz="1400" u="none" cap="none" strike="noStrike">
+        <a:defRPr sz="1400" b="0" i="0" u="none" strike="noStrike" cap="none">
           <a:solidFill>
             <a:srgbClr val="000000"/>
           </a:solidFill>
@@ -6243,7 +6428,7 @@
           <a:sym typeface="Arial"/>
         </a:defRPr>
       </a:lvl5pPr>
-      <a:lvl6pPr lvl="5" marR="0" rtl="0" algn="l">
+      <a:lvl6pPr marR="0" lvl="5" algn="l" rtl="0">
         <a:lnSpc>
           <a:spcPct val="100000"/>
         </a:lnSpc>
@@ -6257,7 +6442,7 @@
           <a:srgbClr val="000000"/>
         </a:buClr>
         <a:buFont typeface="Arial"/>
-        <a:defRPr b="0" i="0" sz="1400" u="none" cap="none" strike="noStrike">
+        <a:defRPr sz="1400" b="0" i="0" u="none" strike="noStrike" cap="none">
           <a:solidFill>
             <a:srgbClr val="000000"/>
           </a:solidFill>
@@ -6267,7 +6452,7 @@
           <a:sym typeface="Arial"/>
         </a:defRPr>
       </a:lvl6pPr>
-      <a:lvl7pPr lvl="6" marR="0" rtl="0" algn="l">
+      <a:lvl7pPr marR="0" lvl="6" algn="l" rtl="0">
         <a:lnSpc>
           <a:spcPct val="100000"/>
         </a:lnSpc>
@@ -6281,7 +6466,7 @@
           <a:srgbClr val="000000"/>
         </a:buClr>
         <a:buFont typeface="Arial"/>
-        <a:defRPr b="0" i="0" sz="1400" u="none" cap="none" strike="noStrike">
+        <a:defRPr sz="1400" b="0" i="0" u="none" strike="noStrike" cap="none">
           <a:solidFill>
             <a:srgbClr val="000000"/>
           </a:solidFill>
@@ -6291,7 +6476,7 @@
           <a:sym typeface="Arial"/>
         </a:defRPr>
       </a:lvl7pPr>
-      <a:lvl8pPr lvl="7" marR="0" rtl="0" algn="l">
+      <a:lvl8pPr marR="0" lvl="7" algn="l" rtl="0">
         <a:lnSpc>
           <a:spcPct val="100000"/>
         </a:lnSpc>
@@ -6305,7 +6490,7 @@
           <a:srgbClr val="000000"/>
         </a:buClr>
         <a:buFont typeface="Arial"/>
-        <a:defRPr b="0" i="0" sz="1400" u="none" cap="none" strike="noStrike">
+        <a:defRPr sz="1400" b="0" i="0" u="none" strike="noStrike" cap="none">
           <a:solidFill>
             <a:srgbClr val="000000"/>
           </a:solidFill>
@@ -6315,7 +6500,7 @@
           <a:sym typeface="Arial"/>
         </a:defRPr>
       </a:lvl8pPr>
-      <a:lvl9pPr lvl="8" marR="0" rtl="0" algn="l">
+      <a:lvl9pPr marR="0" lvl="8" algn="l" rtl="0">
         <a:lnSpc>
           <a:spcPct val="100000"/>
         </a:lnSpc>
@@ -6329,7 +6514,7 @@
           <a:srgbClr val="000000"/>
         </a:buClr>
         <a:buFont typeface="Arial"/>
-        <a:defRPr b="0" i="0" sz="1400" u="none" cap="none" strike="noStrike">
+        <a:defRPr sz="1400" b="0" i="0" u="none" strike="noStrike" cap="none">
           <a:solidFill>
             <a:srgbClr val="000000"/>
           </a:solidFill>
@@ -6341,7 +6526,7 @@
       </a:lvl9pPr>
     </p:titleStyle>
     <p:bodyStyle>
-      <a:defPPr lvl="0" marR="0" rtl="0" algn="l">
+      <a:defPPr marR="0" lvl="0" algn="l" rtl="0">
         <a:lnSpc>
           <a:spcPct val="100000"/>
         </a:lnSpc>
@@ -6352,7 +6537,7 @@
           <a:spcPts val="0"/>
         </a:spcAft>
       </a:defPPr>
-      <a:lvl1pPr lvl="0" marR="0" rtl="0" algn="l">
+      <a:lvl1pPr marR="0" lvl="0" algn="l" rtl="0">
         <a:lnSpc>
           <a:spcPct val="100000"/>
         </a:lnSpc>
@@ -6366,7 +6551,7 @@
           <a:srgbClr val="000000"/>
         </a:buClr>
         <a:buFont typeface="Arial"/>
-        <a:defRPr b="0" i="0" sz="1400" u="none" cap="none" strike="noStrike">
+        <a:defRPr sz="1400" b="0" i="0" u="none" strike="noStrike" cap="none">
           <a:solidFill>
             <a:srgbClr val="000000"/>
           </a:solidFill>
@@ -6376,7 +6561,7 @@
           <a:sym typeface="Arial"/>
         </a:defRPr>
       </a:lvl1pPr>
-      <a:lvl2pPr lvl="1" marR="0" rtl="0" algn="l">
+      <a:lvl2pPr marR="0" lvl="1" algn="l" rtl="0">
         <a:lnSpc>
           <a:spcPct val="100000"/>
         </a:lnSpc>
@@ -6390,7 +6575,7 @@
           <a:srgbClr val="000000"/>
         </a:buClr>
         <a:buFont typeface="Arial"/>
-        <a:defRPr b="0" i="0" sz="1400" u="none" cap="none" strike="noStrike">
+        <a:defRPr sz="1400" b="0" i="0" u="none" strike="noStrike" cap="none">
           <a:solidFill>
             <a:srgbClr val="000000"/>
           </a:solidFill>
@@ -6400,7 +6585,7 @@
           <a:sym typeface="Arial"/>
         </a:defRPr>
       </a:lvl2pPr>
-      <a:lvl3pPr lvl="2" marR="0" rtl="0" algn="l">
+      <a:lvl3pPr marR="0" lvl="2" algn="l" rtl="0">
         <a:lnSpc>
           <a:spcPct val="100000"/>
         </a:lnSpc>
@@ -6414,7 +6599,7 @@
           <a:srgbClr val="000000"/>
         </a:buClr>
         <a:buFont typeface="Arial"/>
-        <a:defRPr b="0" i="0" sz="1400" u="none" cap="none" strike="noStrike">
+        <a:defRPr sz="1400" b="0" i="0" u="none" strike="noStrike" cap="none">
           <a:solidFill>
             <a:srgbClr val="000000"/>
           </a:solidFill>
@@ -6424,7 +6609,7 @@
           <a:sym typeface="Arial"/>
         </a:defRPr>
       </a:lvl3pPr>
-      <a:lvl4pPr lvl="3" marR="0" rtl="0" algn="l">
+      <a:lvl4pPr marR="0" lvl="3" algn="l" rtl="0">
         <a:lnSpc>
           <a:spcPct val="100000"/>
         </a:lnSpc>
@@ -6438,7 +6623,7 @@
           <a:srgbClr val="000000"/>
         </a:buClr>
         <a:buFont typeface="Arial"/>
-        <a:defRPr b="0" i="0" sz="1400" u="none" cap="none" strike="noStrike">
+        <a:defRPr sz="1400" b="0" i="0" u="none" strike="noStrike" cap="none">
           <a:solidFill>
             <a:srgbClr val="000000"/>
           </a:solidFill>
@@ -6448,7 +6633,7 @@
           <a:sym typeface="Arial"/>
         </a:defRPr>
       </a:lvl4pPr>
-      <a:lvl5pPr lvl="4" marR="0" rtl="0" algn="l">
+      <a:lvl5pPr marR="0" lvl="4" algn="l" rtl="0">
         <a:lnSpc>
           <a:spcPct val="100000"/>
         </a:lnSpc>
@@ -6462,7 +6647,7 @@
           <a:srgbClr val="000000"/>
         </a:buClr>
         <a:buFont typeface="Arial"/>
-        <a:defRPr b="0" i="0" sz="1400" u="none" cap="none" strike="noStrike">
+        <a:defRPr sz="1400" b="0" i="0" u="none" strike="noStrike" cap="none">
           <a:solidFill>
             <a:srgbClr val="000000"/>
           </a:solidFill>
@@ -6472,7 +6657,7 @@
           <a:sym typeface="Arial"/>
         </a:defRPr>
       </a:lvl5pPr>
-      <a:lvl6pPr lvl="5" marR="0" rtl="0" algn="l">
+      <a:lvl6pPr marR="0" lvl="5" algn="l" rtl="0">
         <a:lnSpc>
           <a:spcPct val="100000"/>
         </a:lnSpc>
@@ -6486,7 +6671,7 @@
           <a:srgbClr val="000000"/>
         </a:buClr>
         <a:buFont typeface="Arial"/>
-        <a:defRPr b="0" i="0" sz="1400" u="none" cap="none" strike="noStrike">
+        <a:defRPr sz="1400" b="0" i="0" u="none" strike="noStrike" cap="none">
           <a:solidFill>
             <a:srgbClr val="000000"/>
           </a:solidFill>
@@ -6496,7 +6681,7 @@
           <a:sym typeface="Arial"/>
         </a:defRPr>
       </a:lvl6pPr>
-      <a:lvl7pPr lvl="6" marR="0" rtl="0" algn="l">
+      <a:lvl7pPr marR="0" lvl="6" algn="l" rtl="0">
         <a:lnSpc>
           <a:spcPct val="100000"/>
         </a:lnSpc>
@@ -6510,7 +6695,7 @@
           <a:srgbClr val="000000"/>
         </a:buClr>
         <a:buFont typeface="Arial"/>
-        <a:defRPr b="0" i="0" sz="1400" u="none" cap="none" strike="noStrike">
+        <a:defRPr sz="1400" b="0" i="0" u="none" strike="noStrike" cap="none">
           <a:solidFill>
             <a:srgbClr val="000000"/>
           </a:solidFill>
@@ -6520,7 +6705,7 @@
           <a:sym typeface="Arial"/>
         </a:defRPr>
       </a:lvl7pPr>
-      <a:lvl8pPr lvl="7" marR="0" rtl="0" algn="l">
+      <a:lvl8pPr marR="0" lvl="7" algn="l" rtl="0">
         <a:lnSpc>
           <a:spcPct val="100000"/>
         </a:lnSpc>
@@ -6534,7 +6719,7 @@
           <a:srgbClr val="000000"/>
         </a:buClr>
         <a:buFont typeface="Arial"/>
-        <a:defRPr b="0" i="0" sz="1400" u="none" cap="none" strike="noStrike">
+        <a:defRPr sz="1400" b="0" i="0" u="none" strike="noStrike" cap="none">
           <a:solidFill>
             <a:srgbClr val="000000"/>
           </a:solidFill>
@@ -6544,7 +6729,7 @@
           <a:sym typeface="Arial"/>
         </a:defRPr>
       </a:lvl8pPr>
-      <a:lvl9pPr lvl="8" marR="0" rtl="0" algn="l">
+      <a:lvl9pPr marR="0" lvl="8" algn="l" rtl="0">
         <a:lnSpc>
           <a:spcPct val="100000"/>
         </a:lnSpc>
@@ -6558,7 +6743,7 @@
           <a:srgbClr val="000000"/>
         </a:buClr>
         <a:buFont typeface="Arial"/>
-        <a:defRPr b="0" i="0" sz="1400" u="none" cap="none" strike="noStrike">
+        <a:defRPr sz="1400" b="0" i="0" u="none" strike="noStrike" cap="none">
           <a:solidFill>
             <a:srgbClr val="000000"/>
           </a:solidFill>
@@ -6570,7 +6755,7 @@
       </a:lvl9pPr>
     </p:bodyStyle>
     <p:otherStyle>
-      <a:defPPr lvl="0" marR="0" rtl="0" algn="l">
+      <a:defPPr marR="0" lvl="0" algn="l" rtl="0">
         <a:lnSpc>
           <a:spcPct val="100000"/>
         </a:lnSpc>
@@ -6581,7 +6766,7 @@
           <a:spcPts val="0"/>
         </a:spcAft>
       </a:defPPr>
-      <a:lvl1pPr lvl="0" marR="0" rtl="0" algn="l">
+      <a:lvl1pPr marR="0" lvl="0" algn="l" rtl="0">
         <a:lnSpc>
           <a:spcPct val="100000"/>
         </a:lnSpc>
@@ -6595,7 +6780,7 @@
           <a:srgbClr val="000000"/>
         </a:buClr>
         <a:buFont typeface="Arial"/>
-        <a:defRPr b="0" i="0" sz="1400" u="none" cap="none" strike="noStrike">
+        <a:defRPr sz="1400" b="0" i="0" u="none" strike="noStrike" cap="none">
           <a:solidFill>
             <a:srgbClr val="000000"/>
           </a:solidFill>
@@ -6605,7 +6790,7 @@
           <a:sym typeface="Arial"/>
         </a:defRPr>
       </a:lvl1pPr>
-      <a:lvl2pPr lvl="1" marR="0" rtl="0" algn="l">
+      <a:lvl2pPr marR="0" lvl="1" algn="l" rtl="0">
         <a:lnSpc>
           <a:spcPct val="100000"/>
         </a:lnSpc>
@@ -6619,7 +6804,7 @@
           <a:srgbClr val="000000"/>
         </a:buClr>
         <a:buFont typeface="Arial"/>
-        <a:defRPr b="0" i="0" sz="1400" u="none" cap="none" strike="noStrike">
+        <a:defRPr sz="1400" b="0" i="0" u="none" strike="noStrike" cap="none">
           <a:solidFill>
             <a:srgbClr val="000000"/>
           </a:solidFill>
@@ -6629,7 +6814,7 @@
           <a:sym typeface="Arial"/>
         </a:defRPr>
       </a:lvl2pPr>
-      <a:lvl3pPr lvl="2" marR="0" rtl="0" algn="l">
+      <a:lvl3pPr marR="0" lvl="2" algn="l" rtl="0">
         <a:lnSpc>
           <a:spcPct val="100000"/>
         </a:lnSpc>
@@ -6643,7 +6828,7 @@
           <a:srgbClr val="000000"/>
         </a:buClr>
         <a:buFont typeface="Arial"/>
-        <a:defRPr b="0" i="0" sz="1400" u="none" cap="none" strike="noStrike">
+        <a:defRPr sz="1400" b="0" i="0" u="none" strike="noStrike" cap="none">
           <a:solidFill>
             <a:srgbClr val="000000"/>
           </a:solidFill>
@@ -6653,7 +6838,7 @@
           <a:sym typeface="Arial"/>
         </a:defRPr>
       </a:lvl3pPr>
-      <a:lvl4pPr lvl="3" marR="0" rtl="0" algn="l">
+      <a:lvl4pPr marR="0" lvl="3" algn="l" rtl="0">
         <a:lnSpc>
           <a:spcPct val="100000"/>
         </a:lnSpc>
@@ -6667,7 +6852,7 @@
           <a:srgbClr val="000000"/>
         </a:buClr>
         <a:buFont typeface="Arial"/>
-        <a:defRPr b="0" i="0" sz="1400" u="none" cap="none" strike="noStrike">
+        <a:defRPr sz="1400" b="0" i="0" u="none" strike="noStrike" cap="none">
           <a:solidFill>
             <a:srgbClr val="000000"/>
           </a:solidFill>
@@ -6677,7 +6862,7 @@
           <a:sym typeface="Arial"/>
         </a:defRPr>
       </a:lvl4pPr>
-      <a:lvl5pPr lvl="4" marR="0" rtl="0" algn="l">
+      <a:lvl5pPr marR="0" lvl="4" algn="l" rtl="0">
         <a:lnSpc>
           <a:spcPct val="100000"/>
         </a:lnSpc>
@@ -6691,7 +6876,7 @@
           <a:srgbClr val="000000"/>
         </a:buClr>
         <a:buFont typeface="Arial"/>
-        <a:defRPr b="0" i="0" sz="1400" u="none" cap="none" strike="noStrike">
+        <a:defRPr sz="1400" b="0" i="0" u="none" strike="noStrike" cap="none">
           <a:solidFill>
             <a:srgbClr val="000000"/>
           </a:solidFill>
@@ -6701,7 +6886,7 @@
           <a:sym typeface="Arial"/>
         </a:defRPr>
       </a:lvl5pPr>
-      <a:lvl6pPr lvl="5" marR="0" rtl="0" algn="l">
+      <a:lvl6pPr marR="0" lvl="5" algn="l" rtl="0">
         <a:lnSpc>
           <a:spcPct val="100000"/>
         </a:lnSpc>
@@ -6715,7 +6900,7 @@
           <a:srgbClr val="000000"/>
         </a:buClr>
         <a:buFont typeface="Arial"/>
-        <a:defRPr b="0" i="0" sz="1400" u="none" cap="none" strike="noStrike">
+        <a:defRPr sz="1400" b="0" i="0" u="none" strike="noStrike" cap="none">
           <a:solidFill>
             <a:srgbClr val="000000"/>
           </a:solidFill>
@@ -6725,7 +6910,7 @@
           <a:sym typeface="Arial"/>
         </a:defRPr>
       </a:lvl6pPr>
-      <a:lvl7pPr lvl="6" marR="0" rtl="0" algn="l">
+      <a:lvl7pPr marR="0" lvl="6" algn="l" rtl="0">
         <a:lnSpc>
           <a:spcPct val="100000"/>
         </a:lnSpc>
@@ -6739,7 +6924,7 @@
           <a:srgbClr val="000000"/>
         </a:buClr>
         <a:buFont typeface="Arial"/>
-        <a:defRPr b="0" i="0" sz="1400" u="none" cap="none" strike="noStrike">
+        <a:defRPr sz="1400" b="0" i="0" u="none" strike="noStrike" cap="none">
           <a:solidFill>
             <a:srgbClr val="000000"/>
           </a:solidFill>
@@ -6749,7 +6934,7 @@
           <a:sym typeface="Arial"/>
         </a:defRPr>
       </a:lvl7pPr>
-      <a:lvl8pPr lvl="7" marR="0" rtl="0" algn="l">
+      <a:lvl8pPr marR="0" lvl="7" algn="l" rtl="0">
         <a:lnSpc>
           <a:spcPct val="100000"/>
         </a:lnSpc>
@@ -6763,7 +6948,7 @@
           <a:srgbClr val="000000"/>
         </a:buClr>
         <a:buFont typeface="Arial"/>
-        <a:defRPr b="0" i="0" sz="1400" u="none" cap="none" strike="noStrike">
+        <a:defRPr sz="1400" b="0" i="0" u="none" strike="noStrike" cap="none">
           <a:solidFill>
             <a:srgbClr val="000000"/>
           </a:solidFill>
@@ -6773,7 +6958,7 @@
           <a:sym typeface="Arial"/>
         </a:defRPr>
       </a:lvl8pPr>
-      <a:lvl9pPr lvl="8" marR="0" rtl="0" algn="l">
+      <a:lvl9pPr marR="0" lvl="8" algn="l" rtl="0">
         <a:lnSpc>
           <a:spcPct val="100000"/>
         </a:lnSpc>
@@ -6787,7 +6972,7 @@
           <a:srgbClr val="000000"/>
         </a:buClr>
         <a:buFont typeface="Arial"/>
-        <a:defRPr b="0" i="0" sz="1400" u="none" cap="none" strike="noStrike">
+        <a:defRPr sz="1400" b="0" i="0" u="none" strike="noStrike" cap="none">
           <a:solidFill>
             <a:srgbClr val="000000"/>
           </a:solidFill>
@@ -6803,11 +6988,11 @@
 </file>
 
 <file path=ppt/slides/slide1.xml><?xml version="1.0" encoding="utf-8"?>
-<p:sld xmlns:a="http://schemas.openxmlformats.org/drawingml/2006/main" xmlns:r="http://schemas.openxmlformats.org/officeDocument/2006/relationships" xmlns:mc="http://schemas.openxmlformats.org/markup-compatibility/2006" xmlns:mv="urn:schemas-microsoft-com:mac:vml" xmlns:p="http://schemas.openxmlformats.org/presentationml/2006/main" xmlns:c="http://schemas.openxmlformats.org/drawingml/2006/chart" xmlns:dgm="http://schemas.openxmlformats.org/drawingml/2006/diagram" xmlns:o="urn:schemas-microsoft-com:office:office" xmlns:v="urn:schemas-microsoft-com:vml" xmlns:pvml="urn:schemas-microsoft-com:office:powerpoint" xmlns:com="http://schemas.openxmlformats.org/drawingml/2006/compatibility" xmlns:p14="http://schemas.microsoft.com/office/powerpoint/2010/main" xmlns:p15="http://schemas.microsoft.com/office/powerpoint/2012/main" xmlns:ahyp="http://schemas.microsoft.com/office/drawing/2018/hyperlinkcolor">
+<p:sld xmlns:a="http://schemas.openxmlformats.org/drawingml/2006/main" xmlns:r="http://schemas.openxmlformats.org/officeDocument/2006/relationships" xmlns:p="http://schemas.openxmlformats.org/presentationml/2006/main">
   <p:cSld>
     <p:spTree>
       <p:nvGrpSpPr>
-        <p:cNvPr id="53" name="Shape 53"/>
+        <p:cNvPr id="1" name="Shape 53"/>
         <p:cNvGrpSpPr/>
         <p:nvPr/>
       </p:nvGrpSpPr>
@@ -6822,7 +7007,9 @@
       <p:sp>
         <p:nvSpPr>
           <p:cNvPr id="54" name="Google Shape;54;p13"/>
-          <p:cNvSpPr txBox="1"/>
+          <p:cNvSpPr txBox="1">
+            <a:spLocks noGrp="1"/>
+          </p:cNvSpPr>
           <p:nvPr>
             <p:ph type="ctrTitle"/>
           </p:nvPr>
@@ -6838,12 +7025,12 @@
           <a:noFill/>
         </p:spPr>
         <p:txBody>
-          <a:bodyPr anchorCtr="0" anchor="b" bIns="91425" lIns="91425" spcFirstLastPara="1" rIns="91425" wrap="square" tIns="91425">
+          <a:bodyPr spcFirstLastPara="1" wrap="square" lIns="91425" tIns="91425" rIns="91425" bIns="91425" anchor="b" anchorCtr="0">
             <a:noAutofit/>
           </a:bodyPr>
           <a:lstStyle/>
           <a:p>
-            <a:pPr indent="457200" lvl="0" marL="2286000" rtl="0" algn="l">
+            <a:pPr marL="2286000" lvl="0" indent="457200" algn="l" rtl="0">
               <a:spcBef>
                 <a:spcPts val="0"/>
               </a:spcBef>
@@ -6858,15 +7045,7 @@
                   <a:schemeClr val="lt2"/>
                 </a:solidFill>
               </a:rPr>
-              <a:t>  </a:t>
-            </a:r>
-            <a:r>
-              <a:rPr lang="en">
-                <a:solidFill>
-                  <a:schemeClr val="lt2"/>
-                </a:solidFill>
-              </a:rPr>
-              <a:t>R.E.M </a:t>
+              <a:t>  R.E.M </a:t>
             </a:r>
             <a:endParaRPr>
               <a:solidFill>
@@ -6879,9 +7058,11 @@
       <p:sp>
         <p:nvSpPr>
           <p:cNvPr id="55" name="Google Shape;55;p13"/>
-          <p:cNvSpPr txBox="1"/>
+          <p:cNvSpPr txBox="1">
+            <a:spLocks noGrp="1"/>
+          </p:cNvSpPr>
           <p:nvPr>
-            <p:ph idx="1" type="subTitle"/>
+            <p:ph type="subTitle" idx="1"/>
           </p:nvPr>
         </p:nvSpPr>
         <p:spPr>
@@ -6894,12 +7075,12 @@
           </a:prstGeom>
         </p:spPr>
         <p:txBody>
-          <a:bodyPr anchorCtr="0" anchor="t" bIns="91425" lIns="91425" spcFirstLastPara="1" rIns="91425" wrap="square" tIns="91425">
+          <a:bodyPr spcFirstLastPara="1" wrap="square" lIns="91425" tIns="91425" rIns="91425" bIns="91425" anchor="t" anchorCtr="0">
             <a:noAutofit/>
           </a:bodyPr>
           <a:lstStyle/>
           <a:p>
-            <a:pPr indent="0" lvl="0" marL="0" rtl="0" algn="ctr">
+            <a:pPr marL="0" lvl="0" indent="0" algn="ctr" rtl="0">
               <a:spcBef>
                 <a:spcPts val="0"/>
               </a:spcBef>
@@ -6925,11 +7106,11 @@
 </file>
 
 <file path=ppt/slides/slide10.xml><?xml version="1.0" encoding="utf-8"?>
-<p:sld xmlns:a="http://schemas.openxmlformats.org/drawingml/2006/main" xmlns:r="http://schemas.openxmlformats.org/officeDocument/2006/relationships" xmlns:mc="http://schemas.openxmlformats.org/markup-compatibility/2006" xmlns:mv="urn:schemas-microsoft-com:mac:vml" xmlns:p="http://schemas.openxmlformats.org/presentationml/2006/main" xmlns:c="http://schemas.openxmlformats.org/drawingml/2006/chart" xmlns:dgm="http://schemas.openxmlformats.org/drawingml/2006/diagram" xmlns:o="urn:schemas-microsoft-com:office:office" xmlns:v="urn:schemas-microsoft-com:vml" xmlns:pvml="urn:schemas-microsoft-com:office:powerpoint" xmlns:com="http://schemas.openxmlformats.org/drawingml/2006/compatibility" xmlns:p14="http://schemas.microsoft.com/office/powerpoint/2010/main" xmlns:p15="http://schemas.microsoft.com/office/powerpoint/2012/main" xmlns:ahyp="http://schemas.microsoft.com/office/drawing/2018/hyperlinkcolor">
+<p:sld xmlns:a="http://schemas.openxmlformats.org/drawingml/2006/main" xmlns:r="http://schemas.openxmlformats.org/officeDocument/2006/relationships" xmlns:p="http://schemas.openxmlformats.org/presentationml/2006/main">
   <p:cSld>
     <p:spTree>
       <p:nvGrpSpPr>
-        <p:cNvPr id="126" name="Shape 126"/>
+        <p:cNvPr id="1" name="Shape 126"/>
         <p:cNvGrpSpPr/>
         <p:nvPr/>
       </p:nvGrpSpPr>
@@ -6944,7 +7125,9 @@
       <p:sp>
         <p:nvSpPr>
           <p:cNvPr id="127" name="Google Shape;127;p22"/>
-          <p:cNvSpPr txBox="1"/>
+          <p:cNvSpPr txBox="1">
+            <a:spLocks noGrp="1"/>
+          </p:cNvSpPr>
           <p:nvPr>
             <p:ph type="title"/>
           </p:nvPr>
@@ -6959,12 +7142,12 @@
           </a:prstGeom>
         </p:spPr>
         <p:txBody>
-          <a:bodyPr anchorCtr="0" anchor="t" bIns="91425" lIns="91425" spcFirstLastPara="1" rIns="91425" wrap="square" tIns="91425">
+          <a:bodyPr spcFirstLastPara="1" wrap="square" lIns="91425" tIns="91425" rIns="91425" bIns="91425" anchor="t" anchorCtr="0">
             <a:noAutofit/>
           </a:bodyPr>
           <a:lstStyle/>
           <a:p>
-            <a:pPr indent="0" lvl="0" marL="0" rtl="0" algn="l">
+            <a:pPr marL="0" lvl="0" indent="0" algn="l" rtl="0">
               <a:spcBef>
                 <a:spcPts val="0"/>
               </a:spcBef>
@@ -6992,9 +7175,11 @@
       <p:sp>
         <p:nvSpPr>
           <p:cNvPr id="128" name="Google Shape;128;p22"/>
-          <p:cNvSpPr txBox="1"/>
+          <p:cNvSpPr txBox="1">
+            <a:spLocks noGrp="1"/>
+          </p:cNvSpPr>
           <p:nvPr>
-            <p:ph idx="1" type="body"/>
+            <p:ph type="body" idx="1"/>
           </p:nvPr>
         </p:nvSpPr>
         <p:spPr>
@@ -7007,12 +7192,12 @@
           </a:prstGeom>
         </p:spPr>
         <p:txBody>
-          <a:bodyPr anchorCtr="0" anchor="t" bIns="91425" lIns="91425" spcFirstLastPara="1" rIns="91425" wrap="square" tIns="91425">
+          <a:bodyPr spcFirstLastPara="1" wrap="square" lIns="91425" tIns="91425" rIns="91425" bIns="91425" anchor="t" anchorCtr="0">
             <a:noAutofit/>
           </a:bodyPr>
           <a:lstStyle/>
           <a:p>
-            <a:pPr indent="0" lvl="0" marL="0" rtl="0" algn="l">
+            <a:pPr marL="0" lvl="0" indent="0" algn="l" rtl="0">
               <a:spcBef>
                 <a:spcPts val="0"/>
               </a:spcBef>
@@ -7028,7 +7213,7 @@
             <a:endParaRPr/>
           </a:p>
           <a:p>
-            <a:pPr indent="0" lvl="0" marL="0" rtl="0" algn="l">
+            <a:pPr marL="0" lvl="0" indent="0" algn="l" rtl="0">
               <a:spcBef>
                 <a:spcPts val="1600"/>
               </a:spcBef>
@@ -7039,20 +7224,12 @@
             </a:pPr>
             <a:r>
               <a:rPr lang="en"/>
-              <a:t>This will prompt questions that will need to be </a:t>
-            </a:r>
-            <a:r>
-              <a:rPr lang="en"/>
-              <a:t>answered</a:t>
-            </a:r>
-            <a:r>
-              <a:rPr lang="en"/>
-              <a:t>. </a:t>
+              <a:t>This will prompt questions that will need to be answered. </a:t>
             </a:r>
             <a:endParaRPr/>
           </a:p>
           <a:p>
-            <a:pPr indent="0" lvl="0" marL="0" rtl="0" algn="l">
+            <a:pPr marL="0" lvl="0" indent="0" algn="l" rtl="0">
               <a:spcBef>
                 <a:spcPts val="1600"/>
               </a:spcBef>
@@ -7068,7 +7245,7 @@
             <a:endParaRPr/>
           </a:p>
           <a:p>
-            <a:pPr indent="0" lvl="0" marL="0" rtl="0" algn="l">
+            <a:pPr marL="0" lvl="0" indent="0" algn="l" rtl="0">
               <a:spcBef>
                 <a:spcPts val="1600"/>
               </a:spcBef>
@@ -7128,23 +7305,23 @@
             <a:avLst/>
           </a:prstGeom>
           <a:noFill/>
-          <a:ln cap="flat" cmpd="sng" w="19050">
+          <a:ln w="19050" cap="flat" cmpd="sng">
             <a:solidFill>
               <a:schemeClr val="dk2"/>
             </a:solidFill>
             <a:prstDash val="solid"/>
             <a:round/>
-            <a:headEnd len="sm" w="sm" type="none"/>
-            <a:tailEnd len="sm" w="sm" type="none"/>
+            <a:headEnd type="none" w="sm" len="sm"/>
+            <a:tailEnd type="none" w="sm" len="sm"/>
           </a:ln>
         </p:spPr>
         <p:txBody>
-          <a:bodyPr anchorCtr="0" anchor="ctr" bIns="91425" lIns="91425" spcFirstLastPara="1" rIns="91425" wrap="square" tIns="91425">
+          <a:bodyPr spcFirstLastPara="1" wrap="square" lIns="91425" tIns="91425" rIns="91425" bIns="91425" anchor="ctr" anchorCtr="0">
             <a:noAutofit/>
           </a:bodyPr>
           <a:lstStyle/>
           <a:p>
-            <a:pPr indent="0" lvl="0" marL="0" rtl="0" algn="l">
+            <a:pPr marL="0" lvl="0" indent="0" algn="l" rtl="0">
               <a:spcBef>
                 <a:spcPts val="0"/>
               </a:spcBef>
@@ -7153,9 +7330,6 @@
               </a:spcAft>
               <a:buNone/>
             </a:pPr>
-            <a:r>
-              <a:t/>
-            </a:r>
             <a:endParaRPr/>
           </a:p>
         </p:txBody>
@@ -7169,11 +7343,11 @@
 </file>
 
 <file path=ppt/slides/slide11.xml><?xml version="1.0" encoding="utf-8"?>
-<p:sld xmlns:a="http://schemas.openxmlformats.org/drawingml/2006/main" xmlns:r="http://schemas.openxmlformats.org/officeDocument/2006/relationships" xmlns:mc="http://schemas.openxmlformats.org/markup-compatibility/2006" xmlns:mv="urn:schemas-microsoft-com:mac:vml" xmlns:p="http://schemas.openxmlformats.org/presentationml/2006/main" xmlns:c="http://schemas.openxmlformats.org/drawingml/2006/chart" xmlns:dgm="http://schemas.openxmlformats.org/drawingml/2006/diagram" xmlns:o="urn:schemas-microsoft-com:office:office" xmlns:v="urn:schemas-microsoft-com:vml" xmlns:pvml="urn:schemas-microsoft-com:office:powerpoint" xmlns:com="http://schemas.openxmlformats.org/drawingml/2006/compatibility" xmlns:p14="http://schemas.microsoft.com/office/powerpoint/2010/main" xmlns:p15="http://schemas.microsoft.com/office/powerpoint/2012/main" xmlns:ahyp="http://schemas.microsoft.com/office/drawing/2018/hyperlinkcolor">
+<p:sld xmlns:a="http://schemas.openxmlformats.org/drawingml/2006/main" xmlns:r="http://schemas.openxmlformats.org/officeDocument/2006/relationships" xmlns:p="http://schemas.openxmlformats.org/presentationml/2006/main">
   <p:cSld>
     <p:spTree>
       <p:nvGrpSpPr>
-        <p:cNvPr id="134" name="Shape 134"/>
+        <p:cNvPr id="1" name="Shape 134"/>
         <p:cNvGrpSpPr/>
         <p:nvPr/>
       </p:nvGrpSpPr>
@@ -7188,7 +7362,9 @@
       <p:sp>
         <p:nvSpPr>
           <p:cNvPr id="135" name="Google Shape;135;p23"/>
-          <p:cNvSpPr txBox="1"/>
+          <p:cNvSpPr txBox="1">
+            <a:spLocks noGrp="1"/>
+          </p:cNvSpPr>
           <p:nvPr>
             <p:ph type="title"/>
           </p:nvPr>
@@ -7203,12 +7379,12 @@
           </a:prstGeom>
         </p:spPr>
         <p:txBody>
-          <a:bodyPr anchorCtr="0" anchor="t" bIns="91425" lIns="91425" spcFirstLastPara="1" rIns="91425" wrap="square" tIns="91425">
+          <a:bodyPr spcFirstLastPara="1" wrap="square" lIns="91425" tIns="91425" rIns="91425" bIns="91425" anchor="t" anchorCtr="0">
             <a:noAutofit/>
           </a:bodyPr>
           <a:lstStyle/>
           <a:p>
-            <a:pPr indent="0" lvl="0" marL="0" rtl="0" algn="l">
+            <a:pPr marL="0" lvl="0" indent="0" algn="l" rtl="0">
               <a:spcBef>
                 <a:spcPts val="0"/>
               </a:spcBef>
@@ -7217,9 +7393,6 @@
               </a:spcAft>
               <a:buNone/>
             </a:pPr>
-            <a:r>
-              <a:t/>
-            </a:r>
             <a:endParaRPr/>
           </a:p>
         </p:txBody>
@@ -7227,9 +7400,11 @@
       <p:sp>
         <p:nvSpPr>
           <p:cNvPr id="136" name="Google Shape;136;p23"/>
-          <p:cNvSpPr txBox="1"/>
+          <p:cNvSpPr txBox="1">
+            <a:spLocks noGrp="1"/>
+          </p:cNvSpPr>
           <p:nvPr>
-            <p:ph idx="1" type="body"/>
+            <p:ph type="body" idx="1"/>
           </p:nvPr>
         </p:nvSpPr>
         <p:spPr>
@@ -7242,12 +7417,12 @@
           </a:prstGeom>
         </p:spPr>
         <p:txBody>
-          <a:bodyPr anchorCtr="0" anchor="t" bIns="91425" lIns="91425" spcFirstLastPara="1" rIns="91425" wrap="square" tIns="91425">
+          <a:bodyPr spcFirstLastPara="1" wrap="square" lIns="91425" tIns="91425" rIns="91425" bIns="91425" anchor="t" anchorCtr="0">
             <a:noAutofit/>
           </a:bodyPr>
           <a:lstStyle/>
           <a:p>
-            <a:pPr indent="0" lvl="0" marL="0" rtl="0" algn="l">
+            <a:pPr marL="0" lvl="0" indent="0" algn="l" rtl="0">
               <a:spcBef>
                 <a:spcPts val="0"/>
               </a:spcBef>
@@ -7256,9 +7431,6 @@
               </a:spcAft>
               <a:buNone/>
             </a:pPr>
-            <a:r>
-              <a:t/>
-            </a:r>
             <a:endParaRPr/>
           </a:p>
         </p:txBody>
@@ -7300,11 +7472,11 @@
 </file>
 
 <file path=ppt/slides/slide12.xml><?xml version="1.0" encoding="utf-8"?>
-<p:sld xmlns:a="http://schemas.openxmlformats.org/drawingml/2006/main" xmlns:r="http://schemas.openxmlformats.org/officeDocument/2006/relationships" xmlns:mc="http://schemas.openxmlformats.org/markup-compatibility/2006" xmlns:mv="urn:schemas-microsoft-com:mac:vml" xmlns:p="http://schemas.openxmlformats.org/presentationml/2006/main" xmlns:c="http://schemas.openxmlformats.org/drawingml/2006/chart" xmlns:dgm="http://schemas.openxmlformats.org/drawingml/2006/diagram" xmlns:o="urn:schemas-microsoft-com:office:office" xmlns:v="urn:schemas-microsoft-com:vml" xmlns:pvml="urn:schemas-microsoft-com:office:powerpoint" xmlns:com="http://schemas.openxmlformats.org/drawingml/2006/compatibility" xmlns:p14="http://schemas.microsoft.com/office/powerpoint/2010/main" xmlns:p15="http://schemas.microsoft.com/office/powerpoint/2012/main" xmlns:ahyp="http://schemas.microsoft.com/office/drawing/2018/hyperlinkcolor">
+<p:sld xmlns:a="http://schemas.openxmlformats.org/drawingml/2006/main" xmlns:r="http://schemas.openxmlformats.org/officeDocument/2006/relationships" xmlns:p="http://schemas.openxmlformats.org/presentationml/2006/main">
   <p:cSld>
     <p:spTree>
       <p:nvGrpSpPr>
-        <p:cNvPr id="141" name="Shape 141"/>
+        <p:cNvPr id="1" name="Shape 141"/>
         <p:cNvGrpSpPr/>
         <p:nvPr/>
       </p:nvGrpSpPr>
@@ -7319,7 +7491,9 @@
       <p:sp>
         <p:nvSpPr>
           <p:cNvPr id="142" name="Google Shape;142;p24"/>
-          <p:cNvSpPr txBox="1"/>
+          <p:cNvSpPr txBox="1">
+            <a:spLocks noGrp="1"/>
+          </p:cNvSpPr>
           <p:nvPr>
             <p:ph type="title"/>
           </p:nvPr>
@@ -7334,12 +7508,12 @@
           </a:prstGeom>
         </p:spPr>
         <p:txBody>
-          <a:bodyPr anchorCtr="0" anchor="t" bIns="91425" lIns="91425" spcFirstLastPara="1" rIns="91425" wrap="square" tIns="91425">
+          <a:bodyPr spcFirstLastPara="1" wrap="square" lIns="91425" tIns="91425" rIns="91425" bIns="91425" anchor="t" anchorCtr="0">
             <a:noAutofit/>
           </a:bodyPr>
           <a:lstStyle/>
           <a:p>
-            <a:pPr indent="0" lvl="0" marL="0" rtl="0" algn="l">
+            <a:pPr marL="0" lvl="0" indent="0" algn="l" rtl="0">
               <a:spcBef>
                 <a:spcPts val="0"/>
               </a:spcBef>
@@ -7367,9 +7541,11 @@
       <p:sp>
         <p:nvSpPr>
           <p:cNvPr id="143" name="Google Shape;143;p24"/>
-          <p:cNvSpPr txBox="1"/>
+          <p:cNvSpPr txBox="1">
+            <a:spLocks noGrp="1"/>
+          </p:cNvSpPr>
           <p:nvPr>
-            <p:ph idx="1" type="body"/>
+            <p:ph type="body" idx="1"/>
           </p:nvPr>
         </p:nvSpPr>
         <p:spPr>
@@ -7382,12 +7558,12 @@
           </a:prstGeom>
         </p:spPr>
         <p:txBody>
-          <a:bodyPr anchorCtr="0" anchor="t" bIns="91425" lIns="91425" spcFirstLastPara="1" rIns="91425" wrap="square" tIns="91425">
+          <a:bodyPr spcFirstLastPara="1" wrap="square" lIns="91425" tIns="91425" rIns="91425" bIns="91425" anchor="t" anchorCtr="0">
             <a:noAutofit/>
           </a:bodyPr>
           <a:lstStyle/>
           <a:p>
-            <a:pPr indent="0" lvl="0" marL="0" rtl="0" algn="l">
+            <a:pPr marL="0" lvl="0" indent="0" algn="l" rtl="0">
               <a:spcBef>
                 <a:spcPts val="0"/>
               </a:spcBef>
@@ -7396,13 +7572,10 @@
               </a:spcAft>
               <a:buNone/>
             </a:pPr>
-            <a:r>
-              <a:t/>
-            </a:r>
             <a:endParaRPr/>
           </a:p>
           <a:p>
-            <a:pPr indent="0" lvl="0" marL="0" rtl="0" algn="l">
+            <a:pPr marL="0" lvl="0" indent="0" algn="l" rtl="0">
               <a:spcBef>
                 <a:spcPts val="1600"/>
               </a:spcBef>
@@ -7413,20 +7586,12 @@
             </a:pPr>
             <a:r>
               <a:rPr lang="en"/>
-              <a:t>For an approximate pricing </a:t>
-            </a:r>
-            <a:r>
-              <a:rPr lang="en"/>
-              <a:t>estimate</a:t>
-            </a:r>
-            <a:r>
-              <a:rPr lang="en"/>
-              <a:t> press “T” or the total button.</a:t>
+              <a:t>For an approximate pricing estimate press “T” or the total button.</a:t>
             </a:r>
             <a:endParaRPr/>
           </a:p>
           <a:p>
-            <a:pPr indent="0" lvl="0" marL="0" rtl="0" algn="l">
+            <a:pPr marL="0" lvl="0" indent="0" algn="l" rtl="0">
               <a:spcBef>
                 <a:spcPts val="1600"/>
               </a:spcBef>
@@ -7486,23 +7651,23 @@
             <a:avLst/>
           </a:prstGeom>
           <a:noFill/>
-          <a:ln cap="flat" cmpd="sng" w="19050">
+          <a:ln w="19050" cap="flat" cmpd="sng">
             <a:solidFill>
               <a:schemeClr val="dk2"/>
             </a:solidFill>
             <a:prstDash val="solid"/>
             <a:round/>
-            <a:headEnd len="sm" w="sm" type="none"/>
-            <a:tailEnd len="sm" w="sm" type="none"/>
+            <a:headEnd type="none" w="sm" len="sm"/>
+            <a:tailEnd type="none" w="sm" len="sm"/>
           </a:ln>
         </p:spPr>
         <p:txBody>
-          <a:bodyPr anchorCtr="0" anchor="ctr" bIns="91425" lIns="91425" spcFirstLastPara="1" rIns="91425" wrap="square" tIns="91425">
+          <a:bodyPr spcFirstLastPara="1" wrap="square" lIns="91425" tIns="91425" rIns="91425" bIns="91425" anchor="ctr" anchorCtr="0">
             <a:noAutofit/>
           </a:bodyPr>
           <a:lstStyle/>
           <a:p>
-            <a:pPr indent="0" lvl="0" marL="0" rtl="0" algn="l">
+            <a:pPr marL="0" lvl="0" indent="0" algn="l" rtl="0">
               <a:spcBef>
                 <a:spcPts val="0"/>
               </a:spcBef>
@@ -7511,9 +7676,6 @@
               </a:spcAft>
               <a:buNone/>
             </a:pPr>
-            <a:r>
-              <a:t/>
-            </a:r>
             <a:endParaRPr/>
           </a:p>
         </p:txBody>
@@ -7555,11 +7717,11 @@
 </file>
 
 <file path=ppt/slides/slide13.xml><?xml version="1.0" encoding="utf-8"?>
-<p:sld xmlns:a="http://schemas.openxmlformats.org/drawingml/2006/main" xmlns:r="http://schemas.openxmlformats.org/officeDocument/2006/relationships" xmlns:mc="http://schemas.openxmlformats.org/markup-compatibility/2006" xmlns:mv="urn:schemas-microsoft-com:mac:vml" xmlns:p="http://schemas.openxmlformats.org/presentationml/2006/main" xmlns:c="http://schemas.openxmlformats.org/drawingml/2006/chart" xmlns:dgm="http://schemas.openxmlformats.org/drawingml/2006/diagram" xmlns:o="urn:schemas-microsoft-com:office:office" xmlns:v="urn:schemas-microsoft-com:vml" xmlns:pvml="urn:schemas-microsoft-com:office:powerpoint" xmlns:com="http://schemas.openxmlformats.org/drawingml/2006/compatibility" xmlns:p14="http://schemas.microsoft.com/office/powerpoint/2010/main" xmlns:p15="http://schemas.microsoft.com/office/powerpoint/2012/main" xmlns:ahyp="http://schemas.microsoft.com/office/drawing/2018/hyperlinkcolor">
+<p:sld xmlns:a="http://schemas.openxmlformats.org/drawingml/2006/main" xmlns:r="http://schemas.openxmlformats.org/officeDocument/2006/relationships" xmlns:p="http://schemas.openxmlformats.org/presentationml/2006/main">
   <p:cSld>
     <p:spTree>
       <p:nvGrpSpPr>
-        <p:cNvPr id="150" name="Shape 150"/>
+        <p:cNvPr id="1" name="Shape 150"/>
         <p:cNvGrpSpPr/>
         <p:nvPr/>
       </p:nvGrpSpPr>
@@ -7574,7 +7736,9 @@
       <p:sp>
         <p:nvSpPr>
           <p:cNvPr id="151" name="Google Shape;151;p25"/>
-          <p:cNvSpPr txBox="1"/>
+          <p:cNvSpPr txBox="1">
+            <a:spLocks noGrp="1"/>
+          </p:cNvSpPr>
           <p:nvPr>
             <p:ph type="title"/>
           </p:nvPr>
@@ -7589,12 +7753,12 @@
           </a:prstGeom>
         </p:spPr>
         <p:txBody>
-          <a:bodyPr anchorCtr="0" anchor="t" bIns="91425" lIns="91425" spcFirstLastPara="1" rIns="91425" wrap="square" tIns="91425">
+          <a:bodyPr spcFirstLastPara="1" wrap="square" lIns="91425" tIns="91425" rIns="91425" bIns="91425" anchor="t" anchorCtr="0">
             <a:noAutofit/>
           </a:bodyPr>
           <a:lstStyle/>
           <a:p>
-            <a:pPr indent="0" lvl="0" marL="0" rtl="0" algn="l">
+            <a:pPr marL="0" lvl="0" indent="0" algn="l" rtl="0">
               <a:spcBef>
                 <a:spcPts val="0"/>
               </a:spcBef>
@@ -7609,15 +7773,7 @@
                   <a:schemeClr val="lt2"/>
                 </a:solidFill>
               </a:rPr>
-              <a:t>S</a:t>
-            </a:r>
-            <a:r>
-              <a:rPr lang="en">
-                <a:solidFill>
-                  <a:schemeClr val="lt2"/>
-                </a:solidFill>
-              </a:rPr>
-              <a:t>ave &amp; Submit</a:t>
+              <a:t>Save &amp; Submit</a:t>
             </a:r>
             <a:endParaRPr>
               <a:solidFill>
@@ -7630,9 +7786,11 @@
       <p:sp>
         <p:nvSpPr>
           <p:cNvPr id="152" name="Google Shape;152;p25"/>
-          <p:cNvSpPr txBox="1"/>
+          <p:cNvSpPr txBox="1">
+            <a:spLocks noGrp="1"/>
+          </p:cNvSpPr>
           <p:nvPr>
-            <p:ph idx="1" type="body"/>
+            <p:ph type="body" idx="1"/>
           </p:nvPr>
         </p:nvSpPr>
         <p:spPr>
@@ -7645,12 +7803,12 @@
           </a:prstGeom>
         </p:spPr>
         <p:txBody>
-          <a:bodyPr anchorCtr="0" anchor="t" bIns="91425" lIns="91425" spcFirstLastPara="1" rIns="91425" wrap="square" tIns="91425">
+          <a:bodyPr spcFirstLastPara="1" wrap="square" lIns="91425" tIns="91425" rIns="91425" bIns="91425" anchor="t" anchorCtr="0">
             <a:noAutofit/>
           </a:bodyPr>
           <a:lstStyle/>
           <a:p>
-            <a:pPr indent="0" lvl="0" marL="0" rtl="0" algn="l">
+            <a:pPr marL="0" lvl="0" indent="0" algn="l" rtl="0">
               <a:spcBef>
                 <a:spcPts val="0"/>
               </a:spcBef>
@@ -7661,16 +7819,12 @@
             </a:pPr>
             <a:r>
               <a:rPr lang="en"/>
-              <a:t>Once everything looks good you can</a:t>
-            </a:r>
-            <a:r>
-              <a:rPr lang="en"/>
-              <a:t>...</a:t>
+              <a:t>Once everything looks good you can...</a:t>
             </a:r>
             <a:endParaRPr/>
           </a:p>
           <a:p>
-            <a:pPr indent="-342900" lvl="0" marL="457200" rtl="0" algn="l">
+            <a:pPr marL="457200" lvl="0" indent="-342900" algn="l" rtl="0">
               <a:spcBef>
                 <a:spcPts val="1600"/>
               </a:spcBef>
@@ -7687,7 +7841,7 @@
             <a:endParaRPr/>
           </a:p>
           <a:p>
-            <a:pPr indent="-342900" lvl="0" marL="457200" rtl="0" algn="l">
+            <a:pPr marL="457200" lvl="0" indent="-342900" algn="l" rtl="0">
               <a:spcBef>
                 <a:spcPts val="0"/>
               </a:spcBef>
@@ -7699,20 +7853,12 @@
             </a:pPr>
             <a:r>
               <a:rPr lang="en"/>
-              <a:t>Export all the parts onto an excel sheet by pressing the </a:t>
-            </a:r>
-            <a:r>
-              <a:rPr lang="en"/>
-              <a:t>export</a:t>
-            </a:r>
-            <a:r>
-              <a:rPr lang="en"/>
-              <a:t> button.</a:t>
+              <a:t>Export all the parts onto an excel sheet by pressing the export button.</a:t>
             </a:r>
             <a:endParaRPr/>
           </a:p>
           <a:p>
-            <a:pPr indent="-342900" lvl="0" marL="457200" rtl="0" algn="l">
+            <a:pPr marL="457200" lvl="0" indent="-342900" algn="l" rtl="0">
               <a:spcBef>
                 <a:spcPts val="0"/>
               </a:spcBef>
@@ -7729,7 +7875,7 @@
             <a:endParaRPr/>
           </a:p>
           <a:p>
-            <a:pPr indent="-342900" lvl="0" marL="457200" rtl="0" algn="l">
+            <a:pPr marL="457200" lvl="0" indent="-342900" algn="l" rtl="0">
               <a:spcBef>
                 <a:spcPts val="0"/>
               </a:spcBef>
@@ -7741,15 +7887,7 @@
             </a:pPr>
             <a:r>
               <a:rPr lang="en"/>
-              <a:t>Open a </a:t>
-            </a:r>
-            <a:r>
-              <a:rPr lang="en"/>
-              <a:t>previous</a:t>
-            </a:r>
-            <a:r>
-              <a:rPr lang="en"/>
-              <a:t> drawing or hand drawn drawing.</a:t>
+              <a:t>Open a previous drawing or hand drawn drawing.</a:t>
             </a:r>
             <a:endParaRPr/>
           </a:p>
@@ -7796,30 +7934,30 @@
           </a:xfrm>
           <a:prstGeom prst="downArrow">
             <a:avLst>
-              <a:gd fmla="val 50000" name="adj1"/>
-              <a:gd fmla="val 50000" name="adj2"/>
+              <a:gd name="adj1" fmla="val 50000"/>
+              <a:gd name="adj2" fmla="val 50000"/>
             </a:avLst>
           </a:prstGeom>
           <a:solidFill>
             <a:schemeClr val="lt2"/>
           </a:solidFill>
-          <a:ln cap="flat" cmpd="sng" w="9525">
+          <a:ln w="9525" cap="flat" cmpd="sng">
             <a:solidFill>
               <a:schemeClr val="dk2"/>
             </a:solidFill>
             <a:prstDash val="solid"/>
             <a:round/>
-            <a:headEnd len="sm" w="sm" type="none"/>
-            <a:tailEnd len="sm" w="sm" type="none"/>
+            <a:headEnd type="none" w="sm" len="sm"/>
+            <a:tailEnd type="none" w="sm" len="sm"/>
           </a:ln>
         </p:spPr>
         <p:txBody>
-          <a:bodyPr anchorCtr="0" anchor="ctr" bIns="91425" lIns="91425" spcFirstLastPara="1" rIns="91425" wrap="square" tIns="91425">
+          <a:bodyPr spcFirstLastPara="1" wrap="square" lIns="91425" tIns="91425" rIns="91425" bIns="91425" anchor="ctr" anchorCtr="0">
             <a:noAutofit/>
           </a:bodyPr>
           <a:lstStyle/>
           <a:p>
-            <a:pPr indent="0" lvl="0" marL="0" rtl="0" algn="l">
+            <a:pPr marL="0" lvl="0" indent="0" algn="l" rtl="0">
               <a:spcBef>
                 <a:spcPts val="0"/>
               </a:spcBef>
@@ -7828,9 +7966,6 @@
               </a:spcAft>
               <a:buNone/>
             </a:pPr>
-            <a:r>
-              <a:t/>
-            </a:r>
             <a:endParaRPr/>
           </a:p>
         </p:txBody>
@@ -7842,36 +7977,36 @@
           <p:nvPr/>
         </p:nvSpPr>
         <p:spPr>
-          <a:xfrm flipH="1" rot="10800000">
+          <a:xfrm rot="10800000" flipH="1">
             <a:off x="6542400" y="3124192"/>
             <a:ext cx="190500" cy="873600"/>
           </a:xfrm>
           <a:prstGeom prst="downArrow">
             <a:avLst>
-              <a:gd fmla="val 50000" name="adj1"/>
-              <a:gd fmla="val 50000" name="adj2"/>
+              <a:gd name="adj1" fmla="val 50000"/>
+              <a:gd name="adj2" fmla="val 50000"/>
             </a:avLst>
           </a:prstGeom>
           <a:solidFill>
             <a:schemeClr val="lt2"/>
           </a:solidFill>
-          <a:ln cap="flat" cmpd="sng" w="9525">
+          <a:ln w="9525" cap="flat" cmpd="sng">
             <a:solidFill>
               <a:schemeClr val="dk2"/>
             </a:solidFill>
             <a:prstDash val="solid"/>
             <a:round/>
-            <a:headEnd len="sm" w="sm" type="none"/>
-            <a:tailEnd len="sm" w="sm" type="none"/>
+            <a:headEnd type="none" w="sm" len="sm"/>
+            <a:tailEnd type="none" w="sm" len="sm"/>
           </a:ln>
         </p:spPr>
         <p:txBody>
-          <a:bodyPr anchorCtr="0" anchor="ctr" bIns="91425" lIns="91425" spcFirstLastPara="1" rIns="91425" wrap="square" tIns="91425">
+          <a:bodyPr spcFirstLastPara="1" wrap="square" lIns="91425" tIns="91425" rIns="91425" bIns="91425" anchor="ctr" anchorCtr="0">
             <a:noAutofit/>
           </a:bodyPr>
           <a:lstStyle/>
           <a:p>
-            <a:pPr indent="0" lvl="0" marL="0" rtl="0" algn="l">
+            <a:pPr marL="0" lvl="0" indent="0" algn="l" rtl="0">
               <a:spcBef>
                 <a:spcPts val="0"/>
               </a:spcBef>
@@ -7880,9 +8015,6 @@
               </a:spcAft>
               <a:buNone/>
             </a:pPr>
-            <a:r>
-              <a:t/>
-            </a:r>
             <a:endParaRPr/>
           </a:p>
         </p:txBody>
@@ -7900,30 +8032,30 @@
           </a:xfrm>
           <a:prstGeom prst="downArrow">
             <a:avLst>
-              <a:gd fmla="val 50000" name="adj1"/>
-              <a:gd fmla="val 50000" name="adj2"/>
+              <a:gd name="adj1" fmla="val 50000"/>
+              <a:gd name="adj2" fmla="val 50000"/>
             </a:avLst>
           </a:prstGeom>
           <a:solidFill>
             <a:schemeClr val="lt2"/>
           </a:solidFill>
-          <a:ln cap="flat" cmpd="sng" w="9525">
+          <a:ln w="9525" cap="flat" cmpd="sng">
             <a:solidFill>
               <a:schemeClr val="dk2"/>
             </a:solidFill>
             <a:prstDash val="solid"/>
             <a:round/>
-            <a:headEnd len="sm" w="sm" type="none"/>
-            <a:tailEnd len="sm" w="sm" type="none"/>
+            <a:headEnd type="none" w="sm" len="sm"/>
+            <a:tailEnd type="none" w="sm" len="sm"/>
           </a:ln>
         </p:spPr>
         <p:txBody>
-          <a:bodyPr anchorCtr="0" anchor="ctr" bIns="91425" lIns="91425" spcFirstLastPara="1" rIns="91425" wrap="square" tIns="91425">
+          <a:bodyPr spcFirstLastPara="1" wrap="square" lIns="91425" tIns="91425" rIns="91425" bIns="91425" anchor="ctr" anchorCtr="0">
             <a:noAutofit/>
           </a:bodyPr>
           <a:lstStyle/>
           <a:p>
-            <a:pPr indent="0" lvl="0" marL="0" rtl="0" algn="l">
+            <a:pPr marL="0" lvl="0" indent="0" algn="l" rtl="0">
               <a:spcBef>
                 <a:spcPts val="0"/>
               </a:spcBef>
@@ -7932,9 +8064,6 @@
               </a:spcAft>
               <a:buNone/>
             </a:pPr>
-            <a:r>
-              <a:t/>
-            </a:r>
             <a:endParaRPr/>
           </a:p>
         </p:txBody>
@@ -7946,36 +8075,36 @@
           <p:nvPr/>
         </p:nvSpPr>
         <p:spPr>
-          <a:xfrm flipH="1" rot="10800000">
+          <a:xfrm rot="10800000" flipH="1">
             <a:off x="7194050" y="3124192"/>
             <a:ext cx="190500" cy="873600"/>
           </a:xfrm>
           <a:prstGeom prst="downArrow">
             <a:avLst>
-              <a:gd fmla="val 50000" name="adj1"/>
-              <a:gd fmla="val 50000" name="adj2"/>
+              <a:gd name="adj1" fmla="val 50000"/>
+              <a:gd name="adj2" fmla="val 50000"/>
             </a:avLst>
           </a:prstGeom>
           <a:solidFill>
             <a:schemeClr val="lt2"/>
           </a:solidFill>
-          <a:ln cap="flat" cmpd="sng" w="9525">
+          <a:ln w="9525" cap="flat" cmpd="sng">
             <a:solidFill>
               <a:schemeClr val="dk2"/>
             </a:solidFill>
             <a:prstDash val="solid"/>
             <a:round/>
-            <a:headEnd len="sm" w="sm" type="none"/>
-            <a:tailEnd len="sm" w="sm" type="none"/>
+            <a:headEnd type="none" w="sm" len="sm"/>
+            <a:tailEnd type="none" w="sm" len="sm"/>
           </a:ln>
         </p:spPr>
         <p:txBody>
-          <a:bodyPr anchorCtr="0" anchor="ctr" bIns="91425" lIns="91425" spcFirstLastPara="1" rIns="91425" wrap="square" tIns="91425">
+          <a:bodyPr spcFirstLastPara="1" wrap="square" lIns="91425" tIns="91425" rIns="91425" bIns="91425" anchor="ctr" anchorCtr="0">
             <a:noAutofit/>
           </a:bodyPr>
           <a:lstStyle/>
           <a:p>
-            <a:pPr indent="0" lvl="0" marL="0" rtl="0" algn="l">
+            <a:pPr marL="0" lvl="0" indent="0" algn="l" rtl="0">
               <a:spcBef>
                 <a:spcPts val="0"/>
               </a:spcBef>
@@ -7984,9 +8113,6 @@
               </a:spcAft>
               <a:buNone/>
             </a:pPr>
-            <a:r>
-              <a:t/>
-            </a:r>
             <a:endParaRPr/>
           </a:p>
         </p:txBody>
@@ -8011,12 +8137,12 @@
           </a:ln>
         </p:spPr>
         <p:txBody>
-          <a:bodyPr anchorCtr="0" anchor="t" bIns="91425" lIns="91425" spcFirstLastPara="1" rIns="91425" wrap="square" tIns="91425">
+          <a:bodyPr spcFirstLastPara="1" wrap="square" lIns="91425" tIns="91425" rIns="91425" bIns="91425" anchor="t" anchorCtr="0">
             <a:spAutoFit/>
           </a:bodyPr>
           <a:lstStyle/>
           <a:p>
-            <a:pPr indent="0" lvl="0" marL="0" rtl="0" algn="l">
+            <a:pPr marL="0" lvl="0" indent="0" algn="l" rtl="0">
               <a:spcBef>
                 <a:spcPts val="0"/>
               </a:spcBef>
@@ -8061,12 +8187,12 @@
           </a:ln>
         </p:spPr>
         <p:txBody>
-          <a:bodyPr anchorCtr="0" anchor="t" bIns="91425" lIns="91425" spcFirstLastPara="1" rIns="91425" wrap="square" tIns="91425">
+          <a:bodyPr spcFirstLastPara="1" wrap="square" lIns="91425" tIns="91425" rIns="91425" bIns="91425" anchor="t" anchorCtr="0">
             <a:spAutoFit/>
           </a:bodyPr>
           <a:lstStyle/>
           <a:p>
-            <a:pPr indent="0" lvl="0" marL="0" rtl="0" algn="l">
+            <a:pPr marL="0" lvl="0" indent="0" algn="l" rtl="0">
               <a:spcBef>
                 <a:spcPts val="0"/>
               </a:spcBef>
@@ -8111,12 +8237,12 @@
           </a:ln>
         </p:spPr>
         <p:txBody>
-          <a:bodyPr anchorCtr="0" anchor="t" bIns="91425" lIns="91425" spcFirstLastPara="1" rIns="91425" wrap="square" tIns="91425">
+          <a:bodyPr spcFirstLastPara="1" wrap="square" lIns="91425" tIns="91425" rIns="91425" bIns="91425" anchor="t" anchorCtr="0">
             <a:spAutoFit/>
           </a:bodyPr>
           <a:lstStyle/>
           <a:p>
-            <a:pPr indent="0" lvl="0" marL="0" rtl="0" algn="l">
+            <a:pPr marL="0" lvl="0" indent="0" algn="l" rtl="0">
               <a:spcBef>
                 <a:spcPts val="0"/>
               </a:spcBef>
@@ -8161,12 +8287,12 @@
           </a:ln>
         </p:spPr>
         <p:txBody>
-          <a:bodyPr anchorCtr="0" anchor="t" bIns="91425" lIns="91425" spcFirstLastPara="1" rIns="91425" wrap="square" tIns="91425">
+          <a:bodyPr spcFirstLastPara="1" wrap="square" lIns="91425" tIns="91425" rIns="91425" bIns="91425" anchor="t" anchorCtr="0">
             <a:spAutoFit/>
           </a:bodyPr>
           <a:lstStyle/>
           <a:p>
-            <a:pPr indent="0" lvl="0" marL="0" rtl="0" algn="l">
+            <a:pPr marL="0" lvl="0" indent="0" algn="l" rtl="0">
               <a:spcBef>
                 <a:spcPts val="0"/>
               </a:spcBef>
@@ -8200,11 +8326,11 @@
 </file>
 
 <file path=ppt/slides/slide14.xml><?xml version="1.0" encoding="utf-8"?>
-<p:sld xmlns:a="http://schemas.openxmlformats.org/drawingml/2006/main" xmlns:r="http://schemas.openxmlformats.org/officeDocument/2006/relationships" xmlns:mc="http://schemas.openxmlformats.org/markup-compatibility/2006" xmlns:mv="urn:schemas-microsoft-com:mac:vml" xmlns:p="http://schemas.openxmlformats.org/presentationml/2006/main" xmlns:c="http://schemas.openxmlformats.org/drawingml/2006/chart" xmlns:dgm="http://schemas.openxmlformats.org/drawingml/2006/diagram" xmlns:o="urn:schemas-microsoft-com:office:office" xmlns:v="urn:schemas-microsoft-com:vml" xmlns:pvml="urn:schemas-microsoft-com:office:powerpoint" xmlns:com="http://schemas.openxmlformats.org/drawingml/2006/compatibility" xmlns:p14="http://schemas.microsoft.com/office/powerpoint/2010/main" xmlns:p15="http://schemas.microsoft.com/office/powerpoint/2012/main" xmlns:ahyp="http://schemas.microsoft.com/office/drawing/2018/hyperlinkcolor">
+<p:sld xmlns:a="http://schemas.openxmlformats.org/drawingml/2006/main" xmlns:r="http://schemas.openxmlformats.org/officeDocument/2006/relationships" xmlns:p="http://schemas.openxmlformats.org/presentationml/2006/main">
   <p:cSld>
     <p:spTree>
       <p:nvGrpSpPr>
-        <p:cNvPr id="165" name="Shape 165"/>
+        <p:cNvPr id="1" name="Shape 165"/>
         <p:cNvGrpSpPr/>
         <p:nvPr/>
       </p:nvGrpSpPr>
@@ -8219,7 +8345,9 @@
       <p:sp>
         <p:nvSpPr>
           <p:cNvPr id="166" name="Google Shape;166;p26"/>
-          <p:cNvSpPr txBox="1"/>
+          <p:cNvSpPr txBox="1">
+            <a:spLocks noGrp="1"/>
+          </p:cNvSpPr>
           <p:nvPr>
             <p:ph type="title"/>
           </p:nvPr>
@@ -8234,12 +8362,12 @@
           </a:prstGeom>
         </p:spPr>
         <p:txBody>
-          <a:bodyPr anchorCtr="0" anchor="t" bIns="91425" lIns="91425" spcFirstLastPara="1" rIns="91425" wrap="square" tIns="91425">
+          <a:bodyPr spcFirstLastPara="1" wrap="square" lIns="91425" tIns="91425" rIns="91425" bIns="91425" anchor="t" anchorCtr="0">
             <a:noAutofit/>
           </a:bodyPr>
           <a:lstStyle/>
           <a:p>
-            <a:pPr indent="0" lvl="0" marL="0" rtl="0" algn="l">
+            <a:pPr marL="0" lvl="0" indent="0" algn="l" rtl="0">
               <a:spcBef>
                 <a:spcPts val="0"/>
               </a:spcBef>
@@ -8248,9 +8376,6 @@
               </a:spcAft>
               <a:buNone/>
             </a:pPr>
-            <a:r>
-              <a:t/>
-            </a:r>
             <a:endParaRPr/>
           </a:p>
         </p:txBody>
@@ -8258,9 +8383,11 @@
       <p:sp>
         <p:nvSpPr>
           <p:cNvPr id="167" name="Google Shape;167;p26"/>
-          <p:cNvSpPr txBox="1"/>
+          <p:cNvSpPr txBox="1">
+            <a:spLocks noGrp="1"/>
+          </p:cNvSpPr>
           <p:nvPr>
-            <p:ph idx="1" type="body"/>
+            <p:ph type="body" idx="1"/>
           </p:nvPr>
         </p:nvSpPr>
         <p:spPr>
@@ -8273,12 +8400,12 @@
           </a:prstGeom>
         </p:spPr>
         <p:txBody>
-          <a:bodyPr anchorCtr="0" anchor="t" bIns="91425" lIns="91425" spcFirstLastPara="1" rIns="91425" wrap="square" tIns="91425">
+          <a:bodyPr spcFirstLastPara="1" wrap="square" lIns="91425" tIns="91425" rIns="91425" bIns="91425" anchor="t" anchorCtr="0">
             <a:noAutofit/>
           </a:bodyPr>
           <a:lstStyle/>
           <a:p>
-            <a:pPr indent="457200" lvl="0" marL="2286000" rtl="0" algn="l">
+            <a:pPr marL="2286000" lvl="0" indent="457200" algn="l" rtl="0">
               <a:spcBef>
                 <a:spcPts val="0"/>
               </a:spcBef>
@@ -8304,11 +8431,11 @@
 </file>
 
 <file path=ppt/slides/slide2.xml><?xml version="1.0" encoding="utf-8"?>
-<p:sld xmlns:a="http://schemas.openxmlformats.org/drawingml/2006/main" xmlns:r="http://schemas.openxmlformats.org/officeDocument/2006/relationships" xmlns:mc="http://schemas.openxmlformats.org/markup-compatibility/2006" xmlns:mv="urn:schemas-microsoft-com:mac:vml" xmlns:p="http://schemas.openxmlformats.org/presentationml/2006/main" xmlns:c="http://schemas.openxmlformats.org/drawingml/2006/chart" xmlns:dgm="http://schemas.openxmlformats.org/drawingml/2006/diagram" xmlns:o="urn:schemas-microsoft-com:office:office" xmlns:v="urn:schemas-microsoft-com:vml" xmlns:pvml="urn:schemas-microsoft-com:office:powerpoint" xmlns:com="http://schemas.openxmlformats.org/drawingml/2006/compatibility" xmlns:p14="http://schemas.microsoft.com/office/powerpoint/2010/main" xmlns:p15="http://schemas.microsoft.com/office/powerpoint/2012/main" xmlns:ahyp="http://schemas.microsoft.com/office/drawing/2018/hyperlinkcolor">
+<p:sld xmlns:a="http://schemas.openxmlformats.org/drawingml/2006/main" xmlns:r="http://schemas.openxmlformats.org/officeDocument/2006/relationships" xmlns:p="http://schemas.openxmlformats.org/presentationml/2006/main">
   <p:cSld>
     <p:spTree>
       <p:nvGrpSpPr>
-        <p:cNvPr id="59" name="Shape 59"/>
+        <p:cNvPr id="1" name="Shape 59"/>
         <p:cNvGrpSpPr/>
         <p:nvPr/>
       </p:nvGrpSpPr>
@@ -8323,7 +8450,9 @@
       <p:sp>
         <p:nvSpPr>
           <p:cNvPr id="60" name="Google Shape;60;p14"/>
-          <p:cNvSpPr txBox="1"/>
+          <p:cNvSpPr txBox="1">
+            <a:spLocks noGrp="1"/>
+          </p:cNvSpPr>
           <p:nvPr>
             <p:ph type="title"/>
           </p:nvPr>
@@ -8338,12 +8467,12 @@
           </a:prstGeom>
         </p:spPr>
         <p:txBody>
-          <a:bodyPr anchorCtr="0" anchor="t" bIns="91425" lIns="91425" spcFirstLastPara="1" rIns="91425" wrap="square" tIns="91425">
+          <a:bodyPr spcFirstLastPara="1" wrap="square" lIns="91425" tIns="91425" rIns="91425" bIns="91425" anchor="t" anchorCtr="0">
             <a:noAutofit/>
           </a:bodyPr>
           <a:lstStyle/>
           <a:p>
-            <a:pPr indent="0" lvl="0" marL="0" rtl="0" algn="l">
+            <a:pPr marL="0" lvl="0" indent="0" algn="l" rtl="0">
               <a:spcBef>
                 <a:spcPts val="0"/>
               </a:spcBef>
@@ -8371,9 +8500,11 @@
       <p:sp>
         <p:nvSpPr>
           <p:cNvPr id="61" name="Google Shape;61;p14"/>
-          <p:cNvSpPr txBox="1"/>
+          <p:cNvSpPr txBox="1">
+            <a:spLocks noGrp="1"/>
+          </p:cNvSpPr>
           <p:nvPr>
-            <p:ph idx="1" type="body"/>
+            <p:ph type="body" idx="1"/>
           </p:nvPr>
         </p:nvSpPr>
         <p:spPr>
@@ -8386,12 +8517,12 @@
           </a:prstGeom>
         </p:spPr>
         <p:txBody>
-          <a:bodyPr anchorCtr="0" anchor="t" bIns="91425" lIns="91425" spcFirstLastPara="1" rIns="91425" wrap="square" tIns="91425">
+          <a:bodyPr spcFirstLastPara="1" wrap="square" lIns="91425" tIns="91425" rIns="91425" bIns="91425" anchor="t" anchorCtr="0">
             <a:noAutofit/>
           </a:bodyPr>
           <a:lstStyle/>
           <a:p>
-            <a:pPr indent="0" lvl="0" marL="0" rtl="0" algn="l">
+            <a:pPr marL="0" lvl="0" indent="0" algn="l" rtl="0">
               <a:spcBef>
                 <a:spcPts val="0"/>
               </a:spcBef>
@@ -8402,20 +8533,12 @@
             </a:pPr>
             <a:r>
               <a:rPr lang="en"/>
-              <a:t>-	Parts and Price </a:t>
-            </a:r>
-            <a:r>
-              <a:rPr lang="en"/>
-              <a:t>estimates</a:t>
-            </a:r>
-            <a:r>
-              <a:rPr lang="en"/>
-              <a:t> in the field.</a:t>
+              <a:t>-	Parts and Price estimates in the field.</a:t>
             </a:r>
             <a:endParaRPr/>
           </a:p>
           <a:p>
-            <a:pPr indent="0" lvl="0" marL="0" rtl="0" algn="l">
+            <a:pPr marL="0" lvl="0" indent="0" algn="l" rtl="0">
               <a:spcBef>
                 <a:spcPts val="1600"/>
               </a:spcBef>
@@ -8431,7 +8554,7 @@
             <a:endParaRPr/>
           </a:p>
           <a:p>
-            <a:pPr indent="0" lvl="0" marL="0" rtl="0" algn="l">
+            <a:pPr marL="0" lvl="0" indent="0" algn="l" rtl="0">
               <a:spcBef>
                 <a:spcPts val="1600"/>
               </a:spcBef>
@@ -8468,12 +8591,12 @@
           </a:ln>
         </p:spPr>
         <p:txBody>
-          <a:bodyPr anchorCtr="0" anchor="t" bIns="91425" lIns="91425" spcFirstLastPara="1" rIns="91425" wrap="square" tIns="91425">
+          <a:bodyPr spcFirstLastPara="1" wrap="square" lIns="91425" tIns="91425" rIns="91425" bIns="91425" anchor="t" anchorCtr="0">
             <a:noAutofit/>
           </a:bodyPr>
           <a:lstStyle/>
           <a:p>
-            <a:pPr indent="0" lvl="0" marL="0" rtl="0" algn="l">
+            <a:pPr marL="0" lvl="0" indent="0" algn="l" rtl="0">
               <a:spcBef>
                 <a:spcPts val="0"/>
               </a:spcBef>
@@ -8482,9 +8605,6 @@
               </a:spcAft>
               <a:buNone/>
             </a:pPr>
-            <a:r>
-              <a:t/>
-            </a:r>
             <a:endParaRPr/>
           </a:p>
         </p:txBody>
@@ -8498,11 +8618,11 @@
 </file>
 
 <file path=ppt/slides/slide3.xml><?xml version="1.0" encoding="utf-8"?>
-<p:sld xmlns:a="http://schemas.openxmlformats.org/drawingml/2006/main" xmlns:r="http://schemas.openxmlformats.org/officeDocument/2006/relationships" xmlns:mc="http://schemas.openxmlformats.org/markup-compatibility/2006" xmlns:mv="urn:schemas-microsoft-com:mac:vml" xmlns:p="http://schemas.openxmlformats.org/presentationml/2006/main" xmlns:c="http://schemas.openxmlformats.org/drawingml/2006/chart" xmlns:dgm="http://schemas.openxmlformats.org/drawingml/2006/diagram" xmlns:o="urn:schemas-microsoft-com:office:office" xmlns:v="urn:schemas-microsoft-com:vml" xmlns:pvml="urn:schemas-microsoft-com:office:powerpoint" xmlns:com="http://schemas.openxmlformats.org/drawingml/2006/compatibility" xmlns:p14="http://schemas.microsoft.com/office/powerpoint/2010/main" xmlns:p15="http://schemas.microsoft.com/office/powerpoint/2012/main" xmlns:ahyp="http://schemas.microsoft.com/office/drawing/2018/hyperlinkcolor">
+<p:sld xmlns:a="http://schemas.openxmlformats.org/drawingml/2006/main" xmlns:r="http://schemas.openxmlformats.org/officeDocument/2006/relationships" xmlns:p="http://schemas.openxmlformats.org/presentationml/2006/main">
   <p:cSld>
     <p:spTree>
       <p:nvGrpSpPr>
-        <p:cNvPr id="66" name="Shape 66"/>
+        <p:cNvPr id="1" name="Shape 66"/>
         <p:cNvGrpSpPr/>
         <p:nvPr/>
       </p:nvGrpSpPr>
@@ -8517,7 +8637,9 @@
       <p:sp>
         <p:nvSpPr>
           <p:cNvPr id="67" name="Google Shape;67;p15"/>
-          <p:cNvSpPr txBox="1"/>
+          <p:cNvSpPr txBox="1">
+            <a:spLocks noGrp="1"/>
+          </p:cNvSpPr>
           <p:nvPr>
             <p:ph type="title"/>
           </p:nvPr>
@@ -8532,12 +8654,12 @@
           </a:prstGeom>
         </p:spPr>
         <p:txBody>
-          <a:bodyPr anchorCtr="0" anchor="t" bIns="91425" lIns="91425" spcFirstLastPara="1" rIns="91425" wrap="square" tIns="91425">
+          <a:bodyPr spcFirstLastPara="1" wrap="square" lIns="91425" tIns="91425" rIns="91425" bIns="91425" anchor="t" anchorCtr="0">
             <a:noAutofit/>
           </a:bodyPr>
           <a:lstStyle/>
           <a:p>
-            <a:pPr indent="0" lvl="0" marL="0" rtl="0" algn="l">
+            <a:pPr marL="0" lvl="0" indent="0" algn="l" rtl="0">
               <a:spcBef>
                 <a:spcPts val="0"/>
               </a:spcBef>
@@ -8565,9 +8687,11 @@
       <p:sp>
         <p:nvSpPr>
           <p:cNvPr id="68" name="Google Shape;68;p15"/>
-          <p:cNvSpPr txBox="1"/>
+          <p:cNvSpPr txBox="1">
+            <a:spLocks noGrp="1"/>
+          </p:cNvSpPr>
           <p:nvPr>
-            <p:ph idx="1" type="body"/>
+            <p:ph type="body" idx="1"/>
           </p:nvPr>
         </p:nvSpPr>
         <p:spPr>
@@ -8580,12 +8704,12 @@
           </a:prstGeom>
         </p:spPr>
         <p:txBody>
-          <a:bodyPr anchorCtr="0" anchor="t" bIns="91425" lIns="91425" spcFirstLastPara="1" rIns="91425" wrap="square" tIns="91425">
+          <a:bodyPr spcFirstLastPara="1" wrap="square" lIns="91425" tIns="91425" rIns="91425" bIns="91425" anchor="t" anchorCtr="0">
             <a:noAutofit/>
           </a:bodyPr>
           <a:lstStyle/>
           <a:p>
-            <a:pPr indent="0" lvl="0" marL="0" rtl="0" algn="l">
+            <a:pPr marL="0" lvl="0" indent="0" algn="l" rtl="0">
               <a:spcBef>
                 <a:spcPts val="0"/>
               </a:spcBef>
@@ -8601,7 +8725,7 @@
             <a:endParaRPr/>
           </a:p>
           <a:p>
-            <a:pPr indent="0" lvl="0" marL="0" rtl="0" algn="l">
+            <a:pPr marL="0" lvl="0" indent="0" algn="l" rtl="0">
               <a:spcBef>
                 <a:spcPts val="1600"/>
               </a:spcBef>
@@ -8617,7 +8741,7 @@
             <a:endParaRPr/>
           </a:p>
           <a:p>
-            <a:pPr indent="0" lvl="0" marL="0" rtl="0" algn="l">
+            <a:pPr marL="0" lvl="0" indent="0" algn="l" rtl="0">
               <a:spcBef>
                 <a:spcPts val="1600"/>
               </a:spcBef>
@@ -8633,7 +8757,7 @@
             <a:endParaRPr/>
           </a:p>
           <a:p>
-            <a:pPr indent="0" lvl="0" marL="0" rtl="0" algn="l">
+            <a:pPr marL="0" lvl="0" indent="0" algn="l" rtl="0">
               <a:spcBef>
                 <a:spcPts val="1600"/>
               </a:spcBef>
@@ -8659,11 +8783,11 @@
 </file>
 
 <file path=ppt/slides/slide4.xml><?xml version="1.0" encoding="utf-8"?>
-<p:sld xmlns:a="http://schemas.openxmlformats.org/drawingml/2006/main" xmlns:r="http://schemas.openxmlformats.org/officeDocument/2006/relationships" xmlns:mc="http://schemas.openxmlformats.org/markup-compatibility/2006" xmlns:mv="urn:schemas-microsoft-com:mac:vml" xmlns:p="http://schemas.openxmlformats.org/presentationml/2006/main" xmlns:c="http://schemas.openxmlformats.org/drawingml/2006/chart" xmlns:dgm="http://schemas.openxmlformats.org/drawingml/2006/diagram" xmlns:o="urn:schemas-microsoft-com:office:office" xmlns:v="urn:schemas-microsoft-com:vml" xmlns:pvml="urn:schemas-microsoft-com:office:powerpoint" xmlns:com="http://schemas.openxmlformats.org/drawingml/2006/compatibility" xmlns:p14="http://schemas.microsoft.com/office/powerpoint/2010/main" xmlns:p15="http://schemas.microsoft.com/office/powerpoint/2012/main" xmlns:ahyp="http://schemas.microsoft.com/office/drawing/2018/hyperlinkcolor">
+<p:sld xmlns:a="http://schemas.openxmlformats.org/drawingml/2006/main" xmlns:r="http://schemas.openxmlformats.org/officeDocument/2006/relationships" xmlns:p="http://schemas.openxmlformats.org/presentationml/2006/main">
   <p:cSld>
     <p:spTree>
       <p:nvGrpSpPr>
-        <p:cNvPr id="72" name="Shape 72"/>
+        <p:cNvPr id="1" name="Shape 72"/>
         <p:cNvGrpSpPr/>
         <p:nvPr/>
       </p:nvGrpSpPr>
@@ -8678,7 +8802,9 @@
       <p:sp>
         <p:nvSpPr>
           <p:cNvPr id="73" name="Google Shape;73;p16"/>
-          <p:cNvSpPr txBox="1"/>
+          <p:cNvSpPr txBox="1">
+            <a:spLocks noGrp="1"/>
+          </p:cNvSpPr>
           <p:nvPr>
             <p:ph type="title"/>
           </p:nvPr>
@@ -8693,12 +8819,12 @@
           </a:prstGeom>
         </p:spPr>
         <p:txBody>
-          <a:bodyPr anchorCtr="0" anchor="t" bIns="91425" lIns="91425" spcFirstLastPara="1" rIns="91425" wrap="square" tIns="91425">
+          <a:bodyPr spcFirstLastPara="1" wrap="square" lIns="91425" tIns="91425" rIns="91425" bIns="91425" anchor="t" anchorCtr="0">
             <a:noAutofit/>
           </a:bodyPr>
           <a:lstStyle/>
           <a:p>
-            <a:pPr indent="0" lvl="0" marL="0" rtl="0" algn="l">
+            <a:pPr marL="0" lvl="0" indent="0" algn="l" rtl="0">
               <a:spcBef>
                 <a:spcPts val="0"/>
               </a:spcBef>
@@ -8726,9 +8852,11 @@
       <p:sp>
         <p:nvSpPr>
           <p:cNvPr id="74" name="Google Shape;74;p16"/>
-          <p:cNvSpPr txBox="1"/>
+          <p:cNvSpPr txBox="1">
+            <a:spLocks noGrp="1"/>
+          </p:cNvSpPr>
           <p:nvPr>
-            <p:ph idx="1" type="body"/>
+            <p:ph type="body" idx="1"/>
           </p:nvPr>
         </p:nvSpPr>
         <p:spPr>
@@ -8741,12 +8869,12 @@
           </a:prstGeom>
         </p:spPr>
         <p:txBody>
-          <a:bodyPr anchorCtr="0" anchor="t" bIns="91425" lIns="91425" spcFirstLastPara="1" rIns="91425" wrap="square" tIns="91425">
+          <a:bodyPr spcFirstLastPara="1" wrap="square" lIns="91425" tIns="91425" rIns="91425" bIns="91425" anchor="t" anchorCtr="0">
             <a:noAutofit/>
           </a:bodyPr>
           <a:lstStyle/>
           <a:p>
-            <a:pPr indent="0" lvl="0" marL="457200" rtl="0" algn="l">
+            <a:pPr marL="457200" lvl="0" indent="0" algn="l" rtl="0">
               <a:spcBef>
                 <a:spcPts val="0"/>
               </a:spcBef>
@@ -8757,16 +8885,12 @@
             </a:pPr>
             <a:r>
               <a:rPr lang="en"/>
-              <a:t>Upon</a:t>
-            </a:r>
-            <a:r>
-              <a:rPr lang="en"/>
-              <a:t> opening the line tool will be selected. Click the Left mouse button to start drawing and release it to finish the line.</a:t>
+              <a:t>Upon opening the line tool will be selected. Click the Left mouse button to start drawing and release it to finish the line.</a:t>
             </a:r>
             <a:endParaRPr/>
           </a:p>
           <a:p>
-            <a:pPr indent="0" lvl="0" marL="457200" rtl="0" algn="l">
+            <a:pPr marL="457200" lvl="0" indent="0" algn="l" rtl="0">
               <a:spcBef>
                 <a:spcPts val="1600"/>
               </a:spcBef>
@@ -8782,7 +8906,7 @@
             <a:endParaRPr/>
           </a:p>
           <a:p>
-            <a:pPr indent="0" lvl="0" marL="457200" rtl="0" algn="l">
+            <a:pPr marL="457200" lvl="0" indent="0" algn="l" rtl="0">
               <a:spcBef>
                 <a:spcPts val="1600"/>
               </a:spcBef>
@@ -8798,7 +8922,7 @@
             <a:endParaRPr/>
           </a:p>
           <a:p>
-            <a:pPr indent="0" lvl="0" marL="457200" rtl="0" algn="l">
+            <a:pPr marL="457200" lvl="0" indent="0" algn="l" rtl="0">
               <a:spcBef>
                 <a:spcPts val="1600"/>
               </a:spcBef>
@@ -8809,15 +8933,7 @@
             </a:pPr>
             <a:r>
               <a:rPr lang="en"/>
-              <a:t>To the right is the color selector, it is on a pull down menu to select a color. When you are done close the menu to </a:t>
-            </a:r>
-            <a:r>
-              <a:rPr lang="en"/>
-              <a:t>continue</a:t>
-            </a:r>
-            <a:r>
-              <a:rPr lang="en"/>
-              <a:t> drawing.</a:t>
+              <a:t>To the right is the color selector, it is on a pull down menu to select a color. When you are done close the menu to continue drawing.</a:t>
             </a:r>
             <a:endParaRPr/>
           </a:p>
@@ -8843,12 +8959,12 @@
           </a:ln>
         </p:spPr>
         <p:txBody>
-          <a:bodyPr anchorCtr="0" anchor="t" bIns="91425" lIns="91425" spcFirstLastPara="1" rIns="91425" wrap="square" tIns="91425">
+          <a:bodyPr spcFirstLastPara="1" wrap="square" lIns="91425" tIns="91425" rIns="91425" bIns="91425" anchor="t" anchorCtr="0">
             <a:noAutofit/>
           </a:bodyPr>
           <a:lstStyle/>
           <a:p>
-            <a:pPr indent="0" lvl="0" marL="0" rtl="0" algn="l">
+            <a:pPr marL="0" lvl="0" indent="0" algn="l" rtl="0">
               <a:spcBef>
                 <a:spcPts val="0"/>
               </a:spcBef>
@@ -8857,9 +8973,6 @@
               </a:spcAft>
               <a:buNone/>
             </a:pPr>
-            <a:r>
-              <a:t/>
-            </a:r>
             <a:endParaRPr/>
           </a:p>
         </p:txBody>
@@ -8884,12 +8997,12 @@
           </a:ln>
         </p:spPr>
         <p:txBody>
-          <a:bodyPr anchorCtr="0" anchor="t" bIns="91425" lIns="91425" spcFirstLastPara="1" rIns="91425" wrap="square" tIns="91425">
+          <a:bodyPr spcFirstLastPara="1" wrap="square" lIns="91425" tIns="91425" rIns="91425" bIns="91425" anchor="t" anchorCtr="0">
             <a:noAutofit/>
           </a:bodyPr>
           <a:lstStyle/>
           <a:p>
-            <a:pPr indent="0" lvl="0" marL="0" rtl="0" algn="l">
+            <a:pPr marL="0" lvl="0" indent="0" algn="l" rtl="0">
               <a:spcBef>
                 <a:spcPts val="0"/>
               </a:spcBef>
@@ -8898,9 +9011,6 @@
               </a:spcAft>
               <a:buNone/>
             </a:pPr>
-            <a:r>
-              <a:t/>
-            </a:r>
             <a:endParaRPr/>
           </a:p>
         </p:txBody>
@@ -8970,11 +9080,11 @@
 </file>
 
 <file path=ppt/slides/slide5.xml><?xml version="1.0" encoding="utf-8"?>
-<p:sld xmlns:a="http://schemas.openxmlformats.org/drawingml/2006/main" xmlns:r="http://schemas.openxmlformats.org/officeDocument/2006/relationships" xmlns:mc="http://schemas.openxmlformats.org/markup-compatibility/2006" xmlns:mv="urn:schemas-microsoft-com:mac:vml" xmlns:p="http://schemas.openxmlformats.org/presentationml/2006/main" xmlns:c="http://schemas.openxmlformats.org/drawingml/2006/chart" xmlns:dgm="http://schemas.openxmlformats.org/drawingml/2006/diagram" xmlns:o="urn:schemas-microsoft-com:office:office" xmlns:v="urn:schemas-microsoft-com:vml" xmlns:pvml="urn:schemas-microsoft-com:office:powerpoint" xmlns:com="http://schemas.openxmlformats.org/drawingml/2006/compatibility" xmlns:p14="http://schemas.microsoft.com/office/powerpoint/2010/main" xmlns:p15="http://schemas.microsoft.com/office/powerpoint/2012/main" xmlns:ahyp="http://schemas.microsoft.com/office/drawing/2018/hyperlinkcolor">
+<p:sld xmlns:a="http://schemas.openxmlformats.org/drawingml/2006/main" xmlns:r="http://schemas.openxmlformats.org/officeDocument/2006/relationships" xmlns:p="http://schemas.openxmlformats.org/presentationml/2006/main">
   <p:cSld>
     <p:spTree>
       <p:nvGrpSpPr>
-        <p:cNvPr id="82" name="Shape 82"/>
+        <p:cNvPr id="1" name="Shape 82"/>
         <p:cNvGrpSpPr/>
         <p:nvPr/>
       </p:nvGrpSpPr>
@@ -8989,7 +9099,9 @@
       <p:sp>
         <p:nvSpPr>
           <p:cNvPr id="83" name="Google Shape;83;p17"/>
-          <p:cNvSpPr txBox="1"/>
+          <p:cNvSpPr txBox="1">
+            <a:spLocks noGrp="1"/>
+          </p:cNvSpPr>
           <p:nvPr>
             <p:ph type="title"/>
           </p:nvPr>
@@ -9004,12 +9116,12 @@
           </a:prstGeom>
         </p:spPr>
         <p:txBody>
-          <a:bodyPr anchorCtr="0" anchor="t" bIns="91425" lIns="91425" spcFirstLastPara="1" rIns="91425" wrap="square" tIns="91425">
+          <a:bodyPr spcFirstLastPara="1" wrap="square" lIns="91425" tIns="91425" rIns="91425" bIns="91425" anchor="t" anchorCtr="0">
             <a:noAutofit/>
           </a:bodyPr>
           <a:lstStyle/>
           <a:p>
-            <a:pPr indent="0" lvl="0" marL="0" rtl="0" algn="l">
+            <a:pPr marL="0" lvl="0" indent="0" algn="l" rtl="0">
               <a:spcBef>
                 <a:spcPts val="0"/>
               </a:spcBef>
@@ -9037,9 +9149,11 @@
       <p:sp>
         <p:nvSpPr>
           <p:cNvPr id="84" name="Google Shape;84;p17"/>
-          <p:cNvSpPr txBox="1"/>
+          <p:cNvSpPr txBox="1">
+            <a:spLocks noGrp="1"/>
+          </p:cNvSpPr>
           <p:nvPr>
-            <p:ph idx="1" type="body"/>
+            <p:ph type="body" idx="1"/>
           </p:nvPr>
         </p:nvSpPr>
         <p:spPr>
@@ -9052,12 +9166,12 @@
           </a:prstGeom>
         </p:spPr>
         <p:txBody>
-          <a:bodyPr anchorCtr="0" anchor="t" bIns="91425" lIns="91425" spcFirstLastPara="1" rIns="91425" wrap="square" tIns="91425">
+          <a:bodyPr spcFirstLastPara="1" wrap="square" lIns="91425" tIns="91425" rIns="91425" bIns="91425" anchor="t" anchorCtr="0">
             <a:noAutofit/>
           </a:bodyPr>
           <a:lstStyle/>
           <a:p>
-            <a:pPr indent="0" lvl="0" marL="0" rtl="0" algn="l">
+            <a:pPr marL="0" lvl="0" indent="0" algn="l" rtl="0">
               <a:spcBef>
                 <a:spcPts val="0"/>
               </a:spcBef>
@@ -9067,13 +9181,13 @@
               <a:buNone/>
             </a:pPr>
             <a:r>
-              <a:rPr lang="en"/>
-              <a:t>Now comes with Grid snap.</a:t>
+              <a:rPr lang="en" dirty="0"/>
+              <a:t>Now comes with Grid snap so your line and posts can click in to points on the grid.</a:t>
             </a:r>
-            <a:endParaRPr/>
-          </a:p>
-          <a:p>
-            <a:pPr indent="0" lvl="0" marL="0" rtl="0" algn="l">
+            <a:endParaRPr dirty="0"/>
+          </a:p>
+          <a:p>
+            <a:pPr marL="0" lvl="0" indent="0" algn="l" rtl="0">
               <a:spcBef>
                 <a:spcPts val="1600"/>
               </a:spcBef>
@@ -9083,10 +9197,10 @@
               <a:buNone/>
             </a:pPr>
             <a:r>
-              <a:rPr lang="en"/>
+              <a:rPr lang="en" dirty="0"/>
               <a:t>Click “Grid Snap” and press 	“yes” for grid snapping and “no” for no snapping.</a:t>
             </a:r>
-            <a:endParaRPr/>
+            <a:endParaRPr dirty="0"/>
           </a:p>
         </p:txBody>
       </p:sp>
@@ -9110,12 +9224,12 @@
           </a:ln>
         </p:spPr>
         <p:txBody>
-          <a:bodyPr anchorCtr="0" anchor="t" bIns="91425" lIns="91425" spcFirstLastPara="1" rIns="91425" wrap="square" tIns="91425">
+          <a:bodyPr spcFirstLastPara="1" wrap="square" lIns="91425" tIns="91425" rIns="91425" bIns="91425" anchor="t" anchorCtr="0">
             <a:noAutofit/>
           </a:bodyPr>
           <a:lstStyle/>
           <a:p>
-            <a:pPr indent="0" lvl="0" marL="0" rtl="0" algn="l">
+            <a:pPr marL="0" lvl="0" indent="0" algn="l" rtl="0">
               <a:spcBef>
                 <a:spcPts val="0"/>
               </a:spcBef>
@@ -9124,9 +9238,6 @@
               </a:spcAft>
               <a:buNone/>
             </a:pPr>
-            <a:r>
-              <a:t/>
-            </a:r>
             <a:endParaRPr/>
           </a:p>
         </p:txBody>
@@ -9168,11 +9279,11 @@
 </file>
 
 <file path=ppt/slides/slide6.xml><?xml version="1.0" encoding="utf-8"?>
-<p:sld xmlns:a="http://schemas.openxmlformats.org/drawingml/2006/main" xmlns:r="http://schemas.openxmlformats.org/officeDocument/2006/relationships" xmlns:mc="http://schemas.openxmlformats.org/markup-compatibility/2006" xmlns:mv="urn:schemas-microsoft-com:mac:vml" xmlns:p="http://schemas.openxmlformats.org/presentationml/2006/main" xmlns:c="http://schemas.openxmlformats.org/drawingml/2006/chart" xmlns:dgm="http://schemas.openxmlformats.org/drawingml/2006/diagram" xmlns:o="urn:schemas-microsoft-com:office:office" xmlns:v="urn:schemas-microsoft-com:vml" xmlns:pvml="urn:schemas-microsoft-com:office:powerpoint" xmlns:com="http://schemas.openxmlformats.org/drawingml/2006/compatibility" xmlns:p14="http://schemas.microsoft.com/office/powerpoint/2010/main" xmlns:p15="http://schemas.microsoft.com/office/powerpoint/2012/main" xmlns:ahyp="http://schemas.microsoft.com/office/drawing/2018/hyperlinkcolor">
+<p:sld xmlns:a="http://schemas.openxmlformats.org/drawingml/2006/main" xmlns:r="http://schemas.openxmlformats.org/officeDocument/2006/relationships" xmlns:p="http://schemas.openxmlformats.org/presentationml/2006/main">
   <p:cSld>
     <p:spTree>
       <p:nvGrpSpPr>
-        <p:cNvPr id="90" name="Shape 90"/>
+        <p:cNvPr id="1" name="Shape 90"/>
         <p:cNvGrpSpPr/>
         <p:nvPr/>
       </p:nvGrpSpPr>
@@ -9215,7 +9326,9 @@
       <p:sp>
         <p:nvSpPr>
           <p:cNvPr id="92" name="Google Shape;92;p18"/>
-          <p:cNvSpPr txBox="1"/>
+          <p:cNvSpPr txBox="1">
+            <a:spLocks noGrp="1"/>
+          </p:cNvSpPr>
           <p:nvPr>
             <p:ph type="title"/>
           </p:nvPr>
@@ -9230,12 +9343,12 @@
           </a:prstGeom>
         </p:spPr>
         <p:txBody>
-          <a:bodyPr anchorCtr="0" anchor="t" bIns="91425" lIns="91425" spcFirstLastPara="1" rIns="91425" wrap="square" tIns="91425">
+          <a:bodyPr spcFirstLastPara="1" wrap="square" lIns="91425" tIns="91425" rIns="91425" bIns="91425" anchor="t" anchorCtr="0">
             <a:noAutofit/>
           </a:bodyPr>
           <a:lstStyle/>
           <a:p>
-            <a:pPr indent="0" lvl="0" marL="0" rtl="0" algn="l">
+            <a:pPr marL="0" lvl="0" indent="0" algn="l" rtl="0">
               <a:spcBef>
                 <a:spcPts val="0"/>
               </a:spcBef>
@@ -9263,9 +9376,11 @@
       <p:sp>
         <p:nvSpPr>
           <p:cNvPr id="93" name="Google Shape;93;p18"/>
-          <p:cNvSpPr txBox="1"/>
+          <p:cNvSpPr txBox="1">
+            <a:spLocks noGrp="1"/>
+          </p:cNvSpPr>
           <p:nvPr>
-            <p:ph idx="1" type="body"/>
+            <p:ph type="body" idx="1"/>
           </p:nvPr>
         </p:nvSpPr>
         <p:spPr>
@@ -9278,12 +9393,12 @@
           </a:prstGeom>
         </p:spPr>
         <p:txBody>
-          <a:bodyPr anchorCtr="0" anchor="t" bIns="91425" lIns="91425" spcFirstLastPara="1" rIns="91425" wrap="square" tIns="91425">
+          <a:bodyPr spcFirstLastPara="1" wrap="square" lIns="91425" tIns="91425" rIns="91425" bIns="91425" anchor="t" anchorCtr="0">
             <a:noAutofit/>
           </a:bodyPr>
           <a:lstStyle/>
           <a:p>
-            <a:pPr indent="0" lvl="0" marL="457200" rtl="0" algn="l">
+            <a:pPr marL="457200" lvl="0" indent="0" algn="l" rtl="0">
               <a:spcBef>
                 <a:spcPts val="0"/>
               </a:spcBef>
@@ -9299,7 +9414,7 @@
             <a:endParaRPr/>
           </a:p>
           <a:p>
-            <a:pPr indent="0" lvl="0" marL="457200" rtl="0" algn="l">
+            <a:pPr marL="457200" lvl="0" indent="0" algn="l" rtl="0">
               <a:spcBef>
                 <a:spcPts val="1600"/>
               </a:spcBef>
@@ -9315,7 +9430,7 @@
             <a:endParaRPr/>
           </a:p>
           <a:p>
-            <a:pPr indent="0" lvl="0" marL="457200" rtl="0" algn="l">
+            <a:pPr marL="457200" lvl="0" indent="0" algn="l" rtl="0">
               <a:spcBef>
                 <a:spcPts val="1600"/>
               </a:spcBef>
@@ -9347,23 +9462,23 @@
             <a:avLst/>
           </a:prstGeom>
           <a:noFill/>
-          <a:ln cap="flat" cmpd="sng" w="28575">
+          <a:ln w="28575" cap="flat" cmpd="sng">
             <a:solidFill>
               <a:srgbClr val="48AA26"/>
             </a:solidFill>
             <a:prstDash val="solid"/>
             <a:round/>
-            <a:headEnd len="sm" w="sm" type="none"/>
-            <a:tailEnd len="sm" w="sm" type="none"/>
+            <a:headEnd type="none" w="sm" len="sm"/>
+            <a:tailEnd type="none" w="sm" len="sm"/>
           </a:ln>
         </p:spPr>
         <p:txBody>
-          <a:bodyPr anchorCtr="0" anchor="ctr" bIns="91425" lIns="91425" spcFirstLastPara="1" rIns="91425" wrap="square" tIns="91425">
+          <a:bodyPr spcFirstLastPara="1" wrap="square" lIns="91425" tIns="91425" rIns="91425" bIns="91425" anchor="ctr" anchorCtr="0">
             <a:noAutofit/>
           </a:bodyPr>
           <a:lstStyle/>
           <a:p>
-            <a:pPr indent="0" lvl="0" marL="0" rtl="0" algn="l">
+            <a:pPr marL="0" lvl="0" indent="0" algn="l" rtl="0">
               <a:spcBef>
                 <a:spcPts val="0"/>
               </a:spcBef>
@@ -9372,9 +9487,6 @@
               </a:spcAft>
               <a:buNone/>
             </a:pPr>
-            <a:r>
-              <a:t/>
-            </a:r>
             <a:endParaRPr/>
           </a:p>
         </p:txBody>
@@ -9416,11 +9528,11 @@
 </file>
 
 <file path=ppt/slides/slide7.xml><?xml version="1.0" encoding="utf-8"?>
-<p:sld xmlns:a="http://schemas.openxmlformats.org/drawingml/2006/main" xmlns:r="http://schemas.openxmlformats.org/officeDocument/2006/relationships" xmlns:mc="http://schemas.openxmlformats.org/markup-compatibility/2006" xmlns:mv="urn:schemas-microsoft-com:mac:vml" xmlns:p="http://schemas.openxmlformats.org/presentationml/2006/main" xmlns:c="http://schemas.openxmlformats.org/drawingml/2006/chart" xmlns:dgm="http://schemas.openxmlformats.org/drawingml/2006/diagram" xmlns:o="urn:schemas-microsoft-com:office:office" xmlns:v="urn:schemas-microsoft-com:vml" xmlns:pvml="urn:schemas-microsoft-com:office:powerpoint" xmlns:com="http://schemas.openxmlformats.org/drawingml/2006/compatibility" xmlns:p14="http://schemas.microsoft.com/office/powerpoint/2010/main" xmlns:p15="http://schemas.microsoft.com/office/powerpoint/2012/main" xmlns:ahyp="http://schemas.microsoft.com/office/drawing/2018/hyperlinkcolor">
+<p:sld xmlns:a="http://schemas.openxmlformats.org/drawingml/2006/main" xmlns:r="http://schemas.openxmlformats.org/officeDocument/2006/relationships" xmlns:p="http://schemas.openxmlformats.org/presentationml/2006/main">
   <p:cSld>
     <p:spTree>
       <p:nvGrpSpPr>
-        <p:cNvPr id="99" name="Shape 99"/>
+        <p:cNvPr id="1" name="Shape 99"/>
         <p:cNvGrpSpPr/>
         <p:nvPr/>
       </p:nvGrpSpPr>
@@ -9435,7 +9547,9 @@
       <p:sp>
         <p:nvSpPr>
           <p:cNvPr id="100" name="Google Shape;100;p19"/>
-          <p:cNvSpPr txBox="1"/>
+          <p:cNvSpPr txBox="1">
+            <a:spLocks noGrp="1"/>
+          </p:cNvSpPr>
           <p:nvPr>
             <p:ph type="title"/>
           </p:nvPr>
@@ -9450,12 +9564,12 @@
           </a:prstGeom>
         </p:spPr>
         <p:txBody>
-          <a:bodyPr anchorCtr="0" anchor="t" bIns="91425" lIns="91425" spcFirstLastPara="1" rIns="91425" wrap="square" tIns="91425">
+          <a:bodyPr spcFirstLastPara="1" wrap="square" lIns="91425" tIns="91425" rIns="91425" bIns="91425" anchor="t" anchorCtr="0">
             <a:noAutofit/>
           </a:bodyPr>
           <a:lstStyle/>
           <a:p>
-            <a:pPr indent="0" lvl="0" marL="0" rtl="0" algn="l">
+            <a:pPr marL="0" lvl="0" indent="0" algn="l" rtl="0">
               <a:spcBef>
                 <a:spcPts val="0"/>
               </a:spcBef>
@@ -9483,9 +9597,11 @@
       <p:sp>
         <p:nvSpPr>
           <p:cNvPr id="101" name="Google Shape;101;p19"/>
-          <p:cNvSpPr txBox="1"/>
+          <p:cNvSpPr txBox="1">
+            <a:spLocks noGrp="1"/>
+          </p:cNvSpPr>
           <p:nvPr>
-            <p:ph idx="1" type="body"/>
+            <p:ph type="body" idx="1"/>
           </p:nvPr>
         </p:nvSpPr>
         <p:spPr>
@@ -9498,12 +9614,12 @@
           </a:prstGeom>
         </p:spPr>
         <p:txBody>
-          <a:bodyPr anchorCtr="0" anchor="t" bIns="91425" lIns="91425" spcFirstLastPara="1" rIns="91425" wrap="square" tIns="91425">
+          <a:bodyPr spcFirstLastPara="1" wrap="square" lIns="91425" tIns="91425" rIns="91425" bIns="91425" anchor="t" anchorCtr="0">
             <a:noAutofit/>
           </a:bodyPr>
           <a:lstStyle/>
           <a:p>
-            <a:pPr indent="0" lvl="0" marL="0" rtl="0" algn="l">
+            <a:pPr marL="0" lvl="0" indent="0" algn="l" rtl="0">
               <a:spcBef>
                 <a:spcPts val="0"/>
               </a:spcBef>
@@ -9519,7 +9635,7 @@
             <a:endParaRPr/>
           </a:p>
           <a:p>
-            <a:pPr indent="457200" lvl="0" marL="0" rtl="0" algn="l">
+            <a:pPr marL="0" lvl="0" indent="457200" algn="l" rtl="0">
               <a:spcBef>
                 <a:spcPts val="1600"/>
               </a:spcBef>
@@ -9530,11 +9646,7 @@
             </a:pPr>
             <a:r>
               <a:rPr lang="en"/>
-              <a:t>The post selection bar is on the top right of the screen. </a:t>
-            </a:r>
-            <a:r>
-              <a:rPr lang="en"/>
-              <a:t>To select different posts please use mouse scroll wheel </a:t>
+              <a:t>The post selection bar is on the top right of the screen. To select different posts please use mouse scroll wheel </a:t>
             </a:r>
             <a:r>
               <a:rPr lang="en">
@@ -9551,7 +9663,7 @@
             <a:endParaRPr/>
           </a:p>
           <a:p>
-            <a:pPr indent="457200" lvl="0" marL="0" rtl="0" algn="l">
+            <a:pPr marL="0" lvl="0" indent="457200" algn="l" rtl="0">
               <a:spcBef>
                 <a:spcPts val="1600"/>
               </a:spcBef>
@@ -9567,7 +9679,7 @@
             <a:endParaRPr/>
           </a:p>
           <a:p>
-            <a:pPr indent="457200" lvl="0" marL="0" rtl="0" algn="l">
+            <a:pPr marL="0" lvl="0" indent="457200" algn="l" rtl="0">
               <a:spcBef>
                 <a:spcPts val="1600"/>
               </a:spcBef>
@@ -9583,7 +9695,7 @@
             <a:endParaRPr/>
           </a:p>
           <a:p>
-            <a:pPr indent="0" lvl="0" marL="0" rtl="0" algn="l">
+            <a:pPr marL="0" lvl="0" indent="0" algn="l" rtl="0">
               <a:spcBef>
                 <a:spcPts val="1600"/>
               </a:spcBef>
@@ -9592,9 +9704,6 @@
               </a:spcAft>
               <a:buNone/>
             </a:pPr>
-            <a:r>
-              <a:t/>
-            </a:r>
             <a:endParaRPr/>
           </a:p>
         </p:txBody>
@@ -9636,11 +9745,11 @@
 </file>
 
 <file path=ppt/slides/slide8.xml><?xml version="1.0" encoding="utf-8"?>
-<p:sld xmlns:a="http://schemas.openxmlformats.org/drawingml/2006/main" xmlns:r="http://schemas.openxmlformats.org/officeDocument/2006/relationships" xmlns:mc="http://schemas.openxmlformats.org/markup-compatibility/2006" xmlns:mv="urn:schemas-microsoft-com:mac:vml" xmlns:p="http://schemas.openxmlformats.org/presentationml/2006/main" xmlns:c="http://schemas.openxmlformats.org/drawingml/2006/chart" xmlns:dgm="http://schemas.openxmlformats.org/drawingml/2006/diagram" xmlns:o="urn:schemas-microsoft-com:office:office" xmlns:v="urn:schemas-microsoft-com:vml" xmlns:pvml="urn:schemas-microsoft-com:office:powerpoint" xmlns:com="http://schemas.openxmlformats.org/drawingml/2006/compatibility" xmlns:p14="http://schemas.microsoft.com/office/powerpoint/2010/main" xmlns:p15="http://schemas.microsoft.com/office/powerpoint/2012/main" xmlns:ahyp="http://schemas.microsoft.com/office/drawing/2018/hyperlinkcolor">
+<p:sld xmlns:a="http://schemas.openxmlformats.org/drawingml/2006/main" xmlns:r="http://schemas.openxmlformats.org/officeDocument/2006/relationships" xmlns:p="http://schemas.openxmlformats.org/presentationml/2006/main">
   <p:cSld>
     <p:spTree>
       <p:nvGrpSpPr>
-        <p:cNvPr id="106" name="Shape 106"/>
+        <p:cNvPr id="1" name="Shape 106"/>
         <p:cNvGrpSpPr/>
         <p:nvPr/>
       </p:nvGrpSpPr>
@@ -9655,7 +9764,9 @@
       <p:sp>
         <p:nvSpPr>
           <p:cNvPr id="107" name="Google Shape;107;p20"/>
-          <p:cNvSpPr txBox="1"/>
+          <p:cNvSpPr txBox="1">
+            <a:spLocks noGrp="1"/>
+          </p:cNvSpPr>
           <p:nvPr>
             <p:ph type="title"/>
           </p:nvPr>
@@ -9670,12 +9781,12 @@
           </a:prstGeom>
         </p:spPr>
         <p:txBody>
-          <a:bodyPr anchorCtr="0" anchor="t" bIns="91425" lIns="91425" spcFirstLastPara="1" rIns="91425" wrap="square" tIns="91425">
+          <a:bodyPr spcFirstLastPara="1" wrap="square" lIns="91425" tIns="91425" rIns="91425" bIns="91425" anchor="t" anchorCtr="0">
             <a:noAutofit/>
           </a:bodyPr>
           <a:lstStyle/>
           <a:p>
-            <a:pPr indent="0" lvl="0" marL="0" rtl="0" algn="l">
+            <a:pPr marL="0" lvl="0" indent="0" algn="l" rtl="0">
               <a:spcBef>
                 <a:spcPts val="0"/>
               </a:spcBef>
@@ -9684,9 +9795,6 @@
               </a:spcAft>
               <a:buNone/>
             </a:pPr>
-            <a:r>
-              <a:t/>
-            </a:r>
             <a:endParaRPr/>
           </a:p>
         </p:txBody>
@@ -9694,9 +9802,11 @@
       <p:sp>
         <p:nvSpPr>
           <p:cNvPr id="108" name="Google Shape;108;p20"/>
-          <p:cNvSpPr txBox="1"/>
+          <p:cNvSpPr txBox="1">
+            <a:spLocks noGrp="1"/>
+          </p:cNvSpPr>
           <p:nvPr>
-            <p:ph idx="1" type="body"/>
+            <p:ph type="body" idx="1"/>
           </p:nvPr>
         </p:nvSpPr>
         <p:spPr>
@@ -9709,12 +9819,12 @@
           </a:prstGeom>
         </p:spPr>
         <p:txBody>
-          <a:bodyPr anchorCtr="0" anchor="t" bIns="91425" lIns="91425" spcFirstLastPara="1" rIns="91425" wrap="square" tIns="91425">
+          <a:bodyPr spcFirstLastPara="1" wrap="square" lIns="91425" tIns="91425" rIns="91425" bIns="91425" anchor="t" anchorCtr="0">
             <a:noAutofit/>
           </a:bodyPr>
           <a:lstStyle/>
           <a:p>
-            <a:pPr indent="0" lvl="0" marL="0" rtl="0" algn="l">
+            <a:pPr marL="0" lvl="0" indent="0" algn="l" rtl="0">
               <a:spcBef>
                 <a:spcPts val="0"/>
               </a:spcBef>
@@ -9723,9 +9833,6 @@
               </a:spcAft>
               <a:buNone/>
             </a:pPr>
-            <a:r>
-              <a:t/>
-            </a:r>
             <a:endParaRPr/>
           </a:p>
         </p:txBody>
@@ -9773,23 +9880,23 @@
             <a:avLst/>
           </a:prstGeom>
           <a:noFill/>
-          <a:ln cap="flat" cmpd="sng" w="19050">
+          <a:ln w="19050" cap="flat" cmpd="sng">
             <a:solidFill>
               <a:schemeClr val="lt1"/>
             </a:solidFill>
             <a:prstDash val="solid"/>
             <a:round/>
-            <a:headEnd len="sm" w="sm" type="none"/>
-            <a:tailEnd len="sm" w="sm" type="none"/>
+            <a:headEnd type="none" w="sm" len="sm"/>
+            <a:tailEnd type="none" w="sm" len="sm"/>
           </a:ln>
         </p:spPr>
         <p:txBody>
-          <a:bodyPr anchorCtr="0" anchor="ctr" bIns="91425" lIns="91425" spcFirstLastPara="1" rIns="91425" wrap="square" tIns="91425">
+          <a:bodyPr spcFirstLastPara="1" wrap="square" lIns="91425" tIns="91425" rIns="91425" bIns="91425" anchor="ctr" anchorCtr="0">
             <a:noAutofit/>
           </a:bodyPr>
           <a:lstStyle/>
           <a:p>
-            <a:pPr indent="0" lvl="0" marL="0" rtl="0" algn="l">
+            <a:pPr marL="0" lvl="0" indent="0" algn="l" rtl="0">
               <a:spcBef>
                 <a:spcPts val="0"/>
               </a:spcBef>
@@ -9798,9 +9905,6 @@
               </a:spcAft>
               <a:buNone/>
             </a:pPr>
-            <a:r>
-              <a:t/>
-            </a:r>
             <a:endParaRPr/>
           </a:p>
         </p:txBody>
@@ -9820,23 +9924,23 @@
             <a:avLst/>
           </a:prstGeom>
           <a:noFill/>
-          <a:ln cap="flat" cmpd="sng" w="19050">
+          <a:ln w="19050" cap="flat" cmpd="sng">
             <a:solidFill>
               <a:schemeClr val="lt1"/>
             </a:solidFill>
             <a:prstDash val="solid"/>
             <a:round/>
-            <a:headEnd len="sm" w="sm" type="none"/>
-            <a:tailEnd len="sm" w="sm" type="none"/>
+            <a:headEnd type="none" w="sm" len="sm"/>
+            <a:tailEnd type="none" w="sm" len="sm"/>
           </a:ln>
         </p:spPr>
         <p:txBody>
-          <a:bodyPr anchorCtr="0" anchor="ctr" bIns="91425" lIns="91425" spcFirstLastPara="1" rIns="91425" wrap="square" tIns="91425">
+          <a:bodyPr spcFirstLastPara="1" wrap="square" lIns="91425" tIns="91425" rIns="91425" bIns="91425" anchor="ctr" anchorCtr="0">
             <a:noAutofit/>
           </a:bodyPr>
           <a:lstStyle/>
           <a:p>
-            <a:pPr indent="0" lvl="0" marL="0" rtl="0" algn="l">
+            <a:pPr marL="0" lvl="0" indent="0" algn="l" rtl="0">
               <a:spcBef>
                 <a:spcPts val="0"/>
               </a:spcBef>
@@ -9845,9 +9949,6 @@
               </a:spcAft>
               <a:buNone/>
             </a:pPr>
-            <a:r>
-              <a:t/>
-            </a:r>
             <a:endParaRPr/>
           </a:p>
         </p:txBody>
@@ -9867,23 +9968,23 @@
             <a:avLst/>
           </a:prstGeom>
           <a:noFill/>
-          <a:ln cap="flat" cmpd="sng" w="19050">
+          <a:ln w="19050" cap="flat" cmpd="sng">
             <a:solidFill>
               <a:schemeClr val="lt1"/>
             </a:solidFill>
             <a:prstDash val="solid"/>
             <a:round/>
-            <a:headEnd len="sm" w="sm" type="none"/>
-            <a:tailEnd len="sm" w="sm" type="none"/>
+            <a:headEnd type="none" w="sm" len="sm"/>
+            <a:tailEnd type="none" w="sm" len="sm"/>
           </a:ln>
         </p:spPr>
         <p:txBody>
-          <a:bodyPr anchorCtr="0" anchor="ctr" bIns="91425" lIns="91425" spcFirstLastPara="1" rIns="91425" wrap="square" tIns="91425">
+          <a:bodyPr spcFirstLastPara="1" wrap="square" lIns="91425" tIns="91425" rIns="91425" bIns="91425" anchor="ctr" anchorCtr="0">
             <a:noAutofit/>
           </a:bodyPr>
           <a:lstStyle/>
           <a:p>
-            <a:pPr indent="0" lvl="0" marL="0" rtl="0" algn="l">
+            <a:pPr marL="0" lvl="0" indent="0" algn="l" rtl="0">
               <a:spcBef>
                 <a:spcPts val="0"/>
               </a:spcBef>
@@ -9892,9 +9993,6 @@
               </a:spcAft>
               <a:buNone/>
             </a:pPr>
-            <a:r>
-              <a:t/>
-            </a:r>
             <a:endParaRPr/>
           </a:p>
         </p:txBody>
@@ -9914,23 +10012,23 @@
             <a:avLst/>
           </a:prstGeom>
           <a:noFill/>
-          <a:ln cap="flat" cmpd="sng" w="19050">
+          <a:ln w="19050" cap="flat" cmpd="sng">
             <a:solidFill>
               <a:srgbClr val="48AA26"/>
             </a:solidFill>
             <a:prstDash val="solid"/>
             <a:round/>
-            <a:headEnd len="sm" w="sm" type="none"/>
-            <a:tailEnd len="sm" w="sm" type="none"/>
+            <a:headEnd type="none" w="sm" len="sm"/>
+            <a:tailEnd type="none" w="sm" len="sm"/>
           </a:ln>
         </p:spPr>
         <p:txBody>
-          <a:bodyPr anchorCtr="0" anchor="ctr" bIns="91425" lIns="91425" spcFirstLastPara="1" rIns="91425" wrap="square" tIns="91425">
+          <a:bodyPr spcFirstLastPara="1" wrap="square" lIns="91425" tIns="91425" rIns="91425" bIns="91425" anchor="ctr" anchorCtr="0">
             <a:noAutofit/>
           </a:bodyPr>
           <a:lstStyle/>
           <a:p>
-            <a:pPr indent="0" lvl="0" marL="0" rtl="0" algn="l">
+            <a:pPr marL="0" lvl="0" indent="0" algn="l" rtl="0">
               <a:spcBef>
                 <a:spcPts val="0"/>
               </a:spcBef>
@@ -9939,9 +10037,6 @@
               </a:spcAft>
               <a:buNone/>
             </a:pPr>
-            <a:r>
-              <a:t/>
-            </a:r>
             <a:endParaRPr/>
           </a:p>
         </p:txBody>
@@ -9961,23 +10056,23 @@
             <a:avLst/>
           </a:prstGeom>
           <a:noFill/>
-          <a:ln cap="flat" cmpd="sng" w="19050">
+          <a:ln w="19050" cap="flat" cmpd="sng">
             <a:solidFill>
               <a:srgbClr val="48AA26"/>
             </a:solidFill>
             <a:prstDash val="solid"/>
             <a:round/>
-            <a:headEnd len="sm" w="sm" type="none"/>
-            <a:tailEnd len="sm" w="sm" type="none"/>
+            <a:headEnd type="none" w="sm" len="sm"/>
+            <a:tailEnd type="none" w="sm" len="sm"/>
           </a:ln>
         </p:spPr>
         <p:txBody>
-          <a:bodyPr anchorCtr="0" anchor="ctr" bIns="91425" lIns="91425" spcFirstLastPara="1" rIns="91425" wrap="square" tIns="91425">
+          <a:bodyPr spcFirstLastPara="1" wrap="square" lIns="91425" tIns="91425" rIns="91425" bIns="91425" anchor="ctr" anchorCtr="0">
             <a:noAutofit/>
           </a:bodyPr>
           <a:lstStyle/>
           <a:p>
-            <a:pPr indent="0" lvl="0" marL="0" rtl="0" algn="l">
+            <a:pPr marL="0" lvl="0" indent="0" algn="l" rtl="0">
               <a:spcBef>
                 <a:spcPts val="0"/>
               </a:spcBef>
@@ -9986,9 +10081,6 @@
               </a:spcAft>
               <a:buNone/>
             </a:pPr>
-            <a:r>
-              <a:t/>
-            </a:r>
             <a:endParaRPr/>
           </a:p>
         </p:txBody>
@@ -10002,11 +10094,11 @@
 </file>
 
 <file path=ppt/slides/slide9.xml><?xml version="1.0" encoding="utf-8"?>
-<p:sld xmlns:a="http://schemas.openxmlformats.org/drawingml/2006/main" xmlns:r="http://schemas.openxmlformats.org/officeDocument/2006/relationships" xmlns:mc="http://schemas.openxmlformats.org/markup-compatibility/2006" xmlns:mv="urn:schemas-microsoft-com:mac:vml" xmlns:p="http://schemas.openxmlformats.org/presentationml/2006/main" xmlns:c="http://schemas.openxmlformats.org/drawingml/2006/chart" xmlns:dgm="http://schemas.openxmlformats.org/drawingml/2006/diagram" xmlns:o="urn:schemas-microsoft-com:office:office" xmlns:v="urn:schemas-microsoft-com:vml" xmlns:pvml="urn:schemas-microsoft-com:office:powerpoint" xmlns:com="http://schemas.openxmlformats.org/drawingml/2006/compatibility" xmlns:p14="http://schemas.microsoft.com/office/powerpoint/2010/main" xmlns:p15="http://schemas.microsoft.com/office/powerpoint/2012/main" xmlns:ahyp="http://schemas.microsoft.com/office/drawing/2018/hyperlinkcolor">
+<p:sld xmlns:a="http://schemas.openxmlformats.org/drawingml/2006/main" xmlns:r="http://schemas.openxmlformats.org/officeDocument/2006/relationships" xmlns:p="http://schemas.openxmlformats.org/presentationml/2006/main">
   <p:cSld>
     <p:spTree>
       <p:nvGrpSpPr>
-        <p:cNvPr id="118" name="Shape 118"/>
+        <p:cNvPr id="1" name="Shape 118"/>
         <p:cNvGrpSpPr/>
         <p:nvPr/>
       </p:nvGrpSpPr>
@@ -10021,7 +10113,9 @@
       <p:sp>
         <p:nvSpPr>
           <p:cNvPr id="119" name="Google Shape;119;p21"/>
-          <p:cNvSpPr txBox="1"/>
+          <p:cNvSpPr txBox="1">
+            <a:spLocks noGrp="1"/>
+          </p:cNvSpPr>
           <p:nvPr>
             <p:ph type="title"/>
           </p:nvPr>
@@ -10036,12 +10130,12 @@
           </a:prstGeom>
         </p:spPr>
         <p:txBody>
-          <a:bodyPr anchorCtr="0" anchor="t" bIns="91425" lIns="91425" spcFirstLastPara="1" rIns="91425" wrap="square" tIns="91425">
+          <a:bodyPr spcFirstLastPara="1" wrap="square" lIns="91425" tIns="91425" rIns="91425" bIns="91425" anchor="t" anchorCtr="0">
             <a:noAutofit/>
           </a:bodyPr>
           <a:lstStyle/>
           <a:p>
-            <a:pPr indent="0" lvl="0" marL="0" rtl="0" algn="l">
+            <a:pPr marL="0" lvl="0" indent="0" algn="l" rtl="0">
               <a:spcBef>
                 <a:spcPts val="0"/>
               </a:spcBef>
@@ -10069,9 +10163,11 @@
       <p:sp>
         <p:nvSpPr>
           <p:cNvPr id="120" name="Google Shape;120;p21"/>
-          <p:cNvSpPr txBox="1"/>
+          <p:cNvSpPr txBox="1">
+            <a:spLocks noGrp="1"/>
+          </p:cNvSpPr>
           <p:nvPr>
-            <p:ph idx="1" type="body"/>
+            <p:ph type="body" idx="1"/>
           </p:nvPr>
         </p:nvSpPr>
         <p:spPr>
@@ -10084,12 +10180,12 @@
           </a:prstGeom>
         </p:spPr>
         <p:txBody>
-          <a:bodyPr anchorCtr="0" anchor="t" bIns="91425" lIns="91425" spcFirstLastPara="1" rIns="91425" wrap="square" tIns="91425">
+          <a:bodyPr spcFirstLastPara="1" wrap="square" lIns="91425" tIns="91425" rIns="91425" bIns="91425" anchor="t" anchorCtr="0">
             <a:noAutofit/>
           </a:bodyPr>
           <a:lstStyle/>
           <a:p>
-            <a:pPr indent="0" lvl="0" marL="0" rtl="0" algn="l">
+            <a:pPr marL="0" lvl="0" indent="0" algn="l" rtl="0">
               <a:spcBef>
                 <a:spcPts val="0"/>
               </a:spcBef>
@@ -10105,7 +10201,7 @@
             <a:endParaRPr/>
           </a:p>
           <a:p>
-            <a:pPr indent="0" lvl="0" marL="0" rtl="0" algn="l">
+            <a:pPr marL="0" lvl="0" indent="0" algn="l" rtl="0">
               <a:spcBef>
                 <a:spcPts val="1600"/>
               </a:spcBef>
@@ -10121,7 +10217,7 @@
             <a:endParaRPr/>
           </a:p>
           <a:p>
-            <a:pPr indent="0" lvl="0" marL="0" rtl="0" algn="l">
+            <a:pPr marL="0" lvl="0" indent="0" algn="l" rtl="0">
               <a:spcBef>
                 <a:spcPts val="1600"/>
               </a:spcBef>
@@ -10137,7 +10233,7 @@
             <a:endParaRPr/>
           </a:p>
           <a:p>
-            <a:pPr indent="0" lvl="0" marL="0" rtl="0" algn="l">
+            <a:pPr marL="0" lvl="0" indent="0" algn="l" rtl="0">
               <a:spcBef>
                 <a:spcPts val="1600"/>
               </a:spcBef>
@@ -10146,9 +10242,6 @@
               </a:spcAft>
               <a:buNone/>
             </a:pPr>
-            <a:r>
-              <a:t/>
-            </a:r>
             <a:endParaRPr>
               <a:solidFill>
                 <a:srgbClr val="F3F3F3"/>
@@ -10156,7 +10249,7 @@
             </a:endParaRPr>
           </a:p>
           <a:p>
-            <a:pPr indent="0" lvl="0" marL="0" rtl="0" algn="l">
+            <a:pPr marL="0" lvl="0" indent="0" algn="l" rtl="0">
               <a:spcBef>
                 <a:spcPts val="1600"/>
               </a:spcBef>
@@ -10165,9 +10258,6 @@
               </a:spcAft>
               <a:buNone/>
             </a:pPr>
-            <a:r>
-              <a:t/>
-            </a:r>
             <a:endParaRPr>
               <a:solidFill>
                 <a:srgbClr val="F3F3F3"/>
@@ -10241,7 +10331,288 @@
 </file>
 
 <file path=ppt/theme/theme1.xml><?xml version="1.0" encoding="utf-8"?>
-<a:theme xmlns:a="http://schemas.openxmlformats.org/drawingml/2006/main" xmlns:r="http://schemas.openxmlformats.org/officeDocument/2006/relationships">
+<a:theme xmlns:a="http://schemas.openxmlformats.org/drawingml/2006/main" name="Simple Dark">
+  <a:themeElements>
+    <a:clrScheme name="Simple Dark">
+      <a:dk1>
+        <a:srgbClr val="FFFFFF"/>
+      </a:dk1>
+      <a:lt1>
+        <a:srgbClr val="212121"/>
+      </a:lt1>
+      <a:dk2>
+        <a:srgbClr val="303030"/>
+      </a:dk2>
+      <a:lt2>
+        <a:srgbClr val="ADADAD"/>
+      </a:lt2>
+      <a:accent1>
+        <a:srgbClr val="009688"/>
+      </a:accent1>
+      <a:accent2>
+        <a:srgbClr val="EEEEEE"/>
+      </a:accent2>
+      <a:accent3>
+        <a:srgbClr val="78909C"/>
+      </a:accent3>
+      <a:accent4>
+        <a:srgbClr val="FFAB40"/>
+      </a:accent4>
+      <a:accent5>
+        <a:srgbClr val="4DD0E1"/>
+      </a:accent5>
+      <a:accent6>
+        <a:srgbClr val="EEFF41"/>
+      </a:accent6>
+      <a:hlink>
+        <a:srgbClr val="4DD0E1"/>
+      </a:hlink>
+      <a:folHlink>
+        <a:srgbClr val="4DD0E1"/>
+      </a:folHlink>
+    </a:clrScheme>
+    <a:fontScheme name="Office">
+      <a:majorFont>
+        <a:latin typeface="Arial"/>
+        <a:ea typeface=""/>
+        <a:cs typeface=""/>
+        <a:font script="Jpan" typeface="ＭＳ Ｐゴシック"/>
+        <a:font script="Hang" typeface="맑은 고딕"/>
+        <a:font script="Hans" typeface="宋体"/>
+        <a:font script="Hant" typeface="新細明體"/>
+        <a:font script="Arab" typeface="Times New Roman"/>
+        <a:font script="Hebr" typeface="Times New Roman"/>
+        <a:font script="Thai" typeface="Angsana New"/>
+        <a:font script="Ethi" typeface="Nyala"/>
+        <a:font script="Beng" typeface="Vrinda"/>
+        <a:font script="Gujr" typeface="Shruti"/>
+        <a:font script="Khmr" typeface="MoolBoran"/>
+        <a:font script="Knda" typeface="Tunga"/>
+        <a:font script="Guru" typeface="Raavi"/>
+        <a:font script="Cans" typeface="Euphemia"/>
+        <a:font script="Cher" typeface="Plantagenet Cherokee"/>
+        <a:font script="Yiii" typeface="Microsoft Yi Baiti"/>
+        <a:font script="Tibt" typeface="Microsoft Himalaya"/>
+        <a:font script="Thaa" typeface="MV Boli"/>
+        <a:font script="Deva" typeface="Mangal"/>
+        <a:font script="Telu" typeface="Gautami"/>
+        <a:font script="Taml" typeface="Latha"/>
+        <a:font script="Syrc" typeface="Estrangelo Edessa"/>
+        <a:font script="Orya" typeface="Kalinga"/>
+        <a:font script="Mlym" typeface="Kartika"/>
+        <a:font script="Laoo" typeface="DokChampa"/>
+        <a:font script="Sinh" typeface="Iskoola Pota"/>
+        <a:font script="Mong" typeface="Mongolian Baiti"/>
+        <a:font script="Viet" typeface="Times New Roman"/>
+        <a:font script="Uigh" typeface="Microsoft Uighur"/>
+        <a:font script="Geor" typeface="Sylfaen"/>
+      </a:majorFont>
+      <a:minorFont>
+        <a:latin typeface="Arial"/>
+        <a:ea typeface=""/>
+        <a:cs typeface=""/>
+        <a:font script="Jpan" typeface="ＭＳ Ｐゴシック"/>
+        <a:font script="Hang" typeface="맑은 고딕"/>
+        <a:font script="Hans" typeface="宋体"/>
+        <a:font script="Hant" typeface="新細明體"/>
+        <a:font script="Arab" typeface="Arial"/>
+        <a:font script="Hebr" typeface="Arial"/>
+        <a:font script="Thai" typeface="Cordia New"/>
+        <a:font script="Ethi" typeface="Nyala"/>
+        <a:font script="Beng" typeface="Vrinda"/>
+        <a:font script="Gujr" typeface="Shruti"/>
+        <a:font script="Khmr" typeface="DaunPenh"/>
+        <a:font script="Knda" typeface="Tunga"/>
+        <a:font script="Guru" typeface="Raavi"/>
+        <a:font script="Cans" typeface="Euphemia"/>
+        <a:font script="Cher" typeface="Plantagenet Cherokee"/>
+        <a:font script="Yiii" typeface="Microsoft Yi Baiti"/>
+        <a:font script="Tibt" typeface="Microsoft Himalaya"/>
+        <a:font script="Thaa" typeface="MV Boli"/>
+        <a:font script="Deva" typeface="Mangal"/>
+        <a:font script="Telu" typeface="Gautami"/>
+        <a:font script="Taml" typeface="Latha"/>
+        <a:font script="Syrc" typeface="Estrangelo Edessa"/>
+        <a:font script="Orya" typeface="Kalinga"/>
+        <a:font script="Mlym" typeface="Kartika"/>
+        <a:font script="Laoo" typeface="DokChampa"/>
+        <a:font script="Sinh" typeface="Iskoola Pota"/>
+        <a:font script="Mong" typeface="Mongolian Baiti"/>
+        <a:font script="Viet" typeface="Arial"/>
+        <a:font script="Uigh" typeface="Microsoft Uighur"/>
+        <a:font script="Geor" typeface="Sylfaen"/>
+      </a:minorFont>
+    </a:fontScheme>
+    <a:fmtScheme name="Office">
+      <a:fillStyleLst>
+        <a:solidFill>
+          <a:schemeClr val="phClr"/>
+        </a:solidFill>
+        <a:gradFill rotWithShape="1">
+          <a:gsLst>
+            <a:gs pos="0">
+              <a:schemeClr val="phClr">
+                <a:tint val="50000"/>
+                <a:satMod val="300000"/>
+              </a:schemeClr>
+            </a:gs>
+            <a:gs pos="35000">
+              <a:schemeClr val="phClr">
+                <a:tint val="37000"/>
+                <a:satMod val="300000"/>
+              </a:schemeClr>
+            </a:gs>
+            <a:gs pos="100000">
+              <a:schemeClr val="phClr">
+                <a:tint val="15000"/>
+                <a:satMod val="350000"/>
+              </a:schemeClr>
+            </a:gs>
+          </a:gsLst>
+          <a:lin ang="16200000" scaled="1"/>
+        </a:gradFill>
+        <a:gradFill rotWithShape="1">
+          <a:gsLst>
+            <a:gs pos="0">
+              <a:schemeClr val="phClr">
+                <a:tint val="100000"/>
+                <a:shade val="100000"/>
+                <a:satMod val="130000"/>
+              </a:schemeClr>
+            </a:gs>
+            <a:gs pos="100000">
+              <a:schemeClr val="phClr">
+                <a:tint val="50000"/>
+                <a:shade val="100000"/>
+                <a:satMod val="350000"/>
+              </a:schemeClr>
+            </a:gs>
+          </a:gsLst>
+          <a:lin ang="16200000" scaled="0"/>
+        </a:gradFill>
+      </a:fillStyleLst>
+      <a:lnStyleLst>
+        <a:ln w="9525" cap="flat" cmpd="sng" algn="ctr">
+          <a:solidFill>
+            <a:schemeClr val="phClr">
+              <a:shade val="95000"/>
+              <a:satMod val="105000"/>
+            </a:schemeClr>
+          </a:solidFill>
+          <a:prstDash val="solid"/>
+        </a:ln>
+        <a:ln w="25400" cap="flat" cmpd="sng" algn="ctr">
+          <a:solidFill>
+            <a:schemeClr val="phClr"/>
+          </a:solidFill>
+          <a:prstDash val="solid"/>
+        </a:ln>
+        <a:ln w="38100" cap="flat" cmpd="sng" algn="ctr">
+          <a:solidFill>
+            <a:schemeClr val="phClr"/>
+          </a:solidFill>
+          <a:prstDash val="solid"/>
+        </a:ln>
+      </a:lnStyleLst>
+      <a:effectStyleLst>
+        <a:effectStyle>
+          <a:effectLst>
+            <a:outerShdw blurRad="40000" dist="20000" dir="5400000" rotWithShape="0">
+              <a:srgbClr val="000000">
+                <a:alpha val="38000"/>
+              </a:srgbClr>
+            </a:outerShdw>
+          </a:effectLst>
+        </a:effectStyle>
+        <a:effectStyle>
+          <a:effectLst>
+            <a:outerShdw blurRad="40000" dist="23000" dir="5400000" rotWithShape="0">
+              <a:srgbClr val="000000">
+                <a:alpha val="35000"/>
+              </a:srgbClr>
+            </a:outerShdw>
+          </a:effectLst>
+        </a:effectStyle>
+        <a:effectStyle>
+          <a:effectLst>
+            <a:outerShdw blurRad="40000" dist="23000" dir="5400000" rotWithShape="0">
+              <a:srgbClr val="000000">
+                <a:alpha val="35000"/>
+              </a:srgbClr>
+            </a:outerShdw>
+          </a:effectLst>
+          <a:scene3d>
+            <a:camera prst="orthographicFront">
+              <a:rot lat="0" lon="0" rev="0"/>
+            </a:camera>
+            <a:lightRig rig="threePt" dir="t">
+              <a:rot lat="0" lon="0" rev="1200000"/>
+            </a:lightRig>
+          </a:scene3d>
+          <a:sp3d>
+            <a:bevelT w="63500" h="25400"/>
+          </a:sp3d>
+        </a:effectStyle>
+      </a:effectStyleLst>
+      <a:bgFillStyleLst>
+        <a:solidFill>
+          <a:schemeClr val="phClr"/>
+        </a:solidFill>
+        <a:gradFill rotWithShape="1">
+          <a:gsLst>
+            <a:gs pos="0">
+              <a:schemeClr val="phClr">
+                <a:tint val="40000"/>
+                <a:satMod val="350000"/>
+              </a:schemeClr>
+            </a:gs>
+            <a:gs pos="40000">
+              <a:schemeClr val="phClr">
+                <a:tint val="45000"/>
+                <a:shade val="99000"/>
+                <a:satMod val="350000"/>
+              </a:schemeClr>
+            </a:gs>
+            <a:gs pos="100000">
+              <a:schemeClr val="phClr">
+                <a:shade val="20000"/>
+                <a:satMod val="255000"/>
+              </a:schemeClr>
+            </a:gs>
+          </a:gsLst>
+          <a:path path="circle">
+            <a:fillToRect l="50000" t="-80000" r="50000" b="180000"/>
+          </a:path>
+        </a:gradFill>
+        <a:gradFill rotWithShape="1">
+          <a:gsLst>
+            <a:gs pos="0">
+              <a:schemeClr val="phClr">
+                <a:tint val="80000"/>
+                <a:satMod val="300000"/>
+              </a:schemeClr>
+            </a:gs>
+            <a:gs pos="100000">
+              <a:schemeClr val="phClr">
+                <a:shade val="30000"/>
+                <a:satMod val="200000"/>
+              </a:schemeClr>
+            </a:gs>
+          </a:gsLst>
+          <a:path path="circle">
+            <a:fillToRect l="50000" t="50000" r="50000" b="50000"/>
+          </a:path>
+        </a:gradFill>
+      </a:bgFillStyleLst>
+    </a:fmtScheme>
+  </a:themeElements>
+  <a:objectDefaults/>
+  <a:extraClrSchemeLst/>
+</a:theme>
+</file>
+
+<file path=ppt/theme/theme2.xml><?xml version="1.0" encoding="utf-8"?>
+<a:theme xmlns:a="http://schemas.openxmlformats.org/drawingml/2006/main">
   <a:themeElements>
     <a:clrScheme name="Default">
       <a:dk1>
@@ -10516,284 +10887,7 @@
       </a:bgFillStyleLst>
     </a:fmtScheme>
   </a:themeElements>
-</a:theme>
-</file>
-
-<file path=ppt/theme/theme2.xml><?xml version="1.0" encoding="utf-8"?>
-<a:theme xmlns:a="http://schemas.openxmlformats.org/drawingml/2006/main" xmlns:r="http://schemas.openxmlformats.org/officeDocument/2006/relationships" name="Simple Dark">
-  <a:themeElements>
-    <a:clrScheme name="Simple Dark">
-      <a:dk1>
-        <a:srgbClr val="FFFFFF"/>
-      </a:dk1>
-      <a:lt1>
-        <a:srgbClr val="212121"/>
-      </a:lt1>
-      <a:dk2>
-        <a:srgbClr val="303030"/>
-      </a:dk2>
-      <a:lt2>
-        <a:srgbClr val="ADADAD"/>
-      </a:lt2>
-      <a:accent1>
-        <a:srgbClr val="009688"/>
-      </a:accent1>
-      <a:accent2>
-        <a:srgbClr val="EEEEEE"/>
-      </a:accent2>
-      <a:accent3>
-        <a:srgbClr val="78909C"/>
-      </a:accent3>
-      <a:accent4>
-        <a:srgbClr val="FFAB40"/>
-      </a:accent4>
-      <a:accent5>
-        <a:srgbClr val="4DD0E1"/>
-      </a:accent5>
-      <a:accent6>
-        <a:srgbClr val="EEFF41"/>
-      </a:accent6>
-      <a:hlink>
-        <a:srgbClr val="4DD0E1"/>
-      </a:hlink>
-      <a:folHlink>
-        <a:srgbClr val="4DD0E1"/>
-      </a:folHlink>
-    </a:clrScheme>
-    <a:fontScheme name="Office">
-      <a:majorFont>
-        <a:latin typeface="Arial"/>
-        <a:ea typeface=""/>
-        <a:cs typeface=""/>
-        <a:font script="Jpan" typeface="ＭＳ Ｐゴシック"/>
-        <a:font script="Hang" typeface="맑은 고딕"/>
-        <a:font script="Hans" typeface="宋体"/>
-        <a:font script="Hant" typeface="新細明體"/>
-        <a:font script="Arab" typeface="Times New Roman"/>
-        <a:font script="Hebr" typeface="Times New Roman"/>
-        <a:font script="Thai" typeface="Angsana New"/>
-        <a:font script="Ethi" typeface="Nyala"/>
-        <a:font script="Beng" typeface="Vrinda"/>
-        <a:font script="Gujr" typeface="Shruti"/>
-        <a:font script="Khmr" typeface="MoolBoran"/>
-        <a:font script="Knda" typeface="Tunga"/>
-        <a:font script="Guru" typeface="Raavi"/>
-        <a:font script="Cans" typeface="Euphemia"/>
-        <a:font script="Cher" typeface="Plantagenet Cherokee"/>
-        <a:font script="Yiii" typeface="Microsoft Yi Baiti"/>
-        <a:font script="Tibt" typeface="Microsoft Himalaya"/>
-        <a:font script="Thaa" typeface="MV Boli"/>
-        <a:font script="Deva" typeface="Mangal"/>
-        <a:font script="Telu" typeface="Gautami"/>
-        <a:font script="Taml" typeface="Latha"/>
-        <a:font script="Syrc" typeface="Estrangelo Edessa"/>
-        <a:font script="Orya" typeface="Kalinga"/>
-        <a:font script="Mlym" typeface="Kartika"/>
-        <a:font script="Laoo" typeface="DokChampa"/>
-        <a:font script="Sinh" typeface="Iskoola Pota"/>
-        <a:font script="Mong" typeface="Mongolian Baiti"/>
-        <a:font script="Viet" typeface="Times New Roman"/>
-        <a:font script="Uigh" typeface="Microsoft Uighur"/>
-        <a:font script="Geor" typeface="Sylfaen"/>
-      </a:majorFont>
-      <a:minorFont>
-        <a:latin typeface="Arial"/>
-        <a:ea typeface=""/>
-        <a:cs typeface=""/>
-        <a:font script="Jpan" typeface="ＭＳ Ｐゴシック"/>
-        <a:font script="Hang" typeface="맑은 고딕"/>
-        <a:font script="Hans" typeface="宋体"/>
-        <a:font script="Hant" typeface="新細明體"/>
-        <a:font script="Arab" typeface="Arial"/>
-        <a:font script="Hebr" typeface="Arial"/>
-        <a:font script="Thai" typeface="Cordia New"/>
-        <a:font script="Ethi" typeface="Nyala"/>
-        <a:font script="Beng" typeface="Vrinda"/>
-        <a:font script="Gujr" typeface="Shruti"/>
-        <a:font script="Khmr" typeface="DaunPenh"/>
-        <a:font script="Knda" typeface="Tunga"/>
-        <a:font script="Guru" typeface="Raavi"/>
-        <a:font script="Cans" typeface="Euphemia"/>
-        <a:font script="Cher" typeface="Plantagenet Cherokee"/>
-        <a:font script="Yiii" typeface="Microsoft Yi Baiti"/>
-        <a:font script="Tibt" typeface="Microsoft Himalaya"/>
-        <a:font script="Thaa" typeface="MV Boli"/>
-        <a:font script="Deva" typeface="Mangal"/>
-        <a:font script="Telu" typeface="Gautami"/>
-        <a:font script="Taml" typeface="Latha"/>
-        <a:font script="Syrc" typeface="Estrangelo Edessa"/>
-        <a:font script="Orya" typeface="Kalinga"/>
-        <a:font script="Mlym" typeface="Kartika"/>
-        <a:font script="Laoo" typeface="DokChampa"/>
-        <a:font script="Sinh" typeface="Iskoola Pota"/>
-        <a:font script="Mong" typeface="Mongolian Baiti"/>
-        <a:font script="Viet" typeface="Arial"/>
-        <a:font script="Uigh" typeface="Microsoft Uighur"/>
-        <a:font script="Geor" typeface="Sylfaen"/>
-      </a:minorFont>
-    </a:fontScheme>
-    <a:fmtScheme name="Office">
-      <a:fillStyleLst>
-        <a:solidFill>
-          <a:schemeClr val="phClr"/>
-        </a:solidFill>
-        <a:gradFill rotWithShape="1">
-          <a:gsLst>
-            <a:gs pos="0">
-              <a:schemeClr val="phClr">
-                <a:tint val="50000"/>
-                <a:satMod val="300000"/>
-              </a:schemeClr>
-            </a:gs>
-            <a:gs pos="35000">
-              <a:schemeClr val="phClr">
-                <a:tint val="37000"/>
-                <a:satMod val="300000"/>
-              </a:schemeClr>
-            </a:gs>
-            <a:gs pos="100000">
-              <a:schemeClr val="phClr">
-                <a:tint val="15000"/>
-                <a:satMod val="350000"/>
-              </a:schemeClr>
-            </a:gs>
-          </a:gsLst>
-          <a:lin ang="16200000" scaled="1"/>
-        </a:gradFill>
-        <a:gradFill rotWithShape="1">
-          <a:gsLst>
-            <a:gs pos="0">
-              <a:schemeClr val="phClr">
-                <a:tint val="100000"/>
-                <a:shade val="100000"/>
-                <a:satMod val="130000"/>
-              </a:schemeClr>
-            </a:gs>
-            <a:gs pos="100000">
-              <a:schemeClr val="phClr">
-                <a:tint val="50000"/>
-                <a:shade val="100000"/>
-                <a:satMod val="350000"/>
-              </a:schemeClr>
-            </a:gs>
-          </a:gsLst>
-          <a:lin ang="16200000" scaled="0"/>
-        </a:gradFill>
-      </a:fillStyleLst>
-      <a:lnStyleLst>
-        <a:ln w="9525" cap="flat" cmpd="sng" algn="ctr">
-          <a:solidFill>
-            <a:schemeClr val="phClr">
-              <a:shade val="95000"/>
-              <a:satMod val="105000"/>
-            </a:schemeClr>
-          </a:solidFill>
-          <a:prstDash val="solid"/>
-        </a:ln>
-        <a:ln w="25400" cap="flat" cmpd="sng" algn="ctr">
-          <a:solidFill>
-            <a:schemeClr val="phClr"/>
-          </a:solidFill>
-          <a:prstDash val="solid"/>
-        </a:ln>
-        <a:ln w="38100" cap="flat" cmpd="sng" algn="ctr">
-          <a:solidFill>
-            <a:schemeClr val="phClr"/>
-          </a:solidFill>
-          <a:prstDash val="solid"/>
-        </a:ln>
-      </a:lnStyleLst>
-      <a:effectStyleLst>
-        <a:effectStyle>
-          <a:effectLst>
-            <a:outerShdw blurRad="40000" dist="20000" dir="5400000" rotWithShape="0">
-              <a:srgbClr val="000000">
-                <a:alpha val="38000"/>
-              </a:srgbClr>
-            </a:outerShdw>
-          </a:effectLst>
-        </a:effectStyle>
-        <a:effectStyle>
-          <a:effectLst>
-            <a:outerShdw blurRad="40000" dist="23000" dir="5400000" rotWithShape="0">
-              <a:srgbClr val="000000">
-                <a:alpha val="35000"/>
-              </a:srgbClr>
-            </a:outerShdw>
-          </a:effectLst>
-        </a:effectStyle>
-        <a:effectStyle>
-          <a:effectLst>
-            <a:outerShdw blurRad="40000" dist="23000" dir="5400000" rotWithShape="0">
-              <a:srgbClr val="000000">
-                <a:alpha val="35000"/>
-              </a:srgbClr>
-            </a:outerShdw>
-          </a:effectLst>
-          <a:scene3d>
-            <a:camera prst="orthographicFront">
-              <a:rot lat="0" lon="0" rev="0"/>
-            </a:camera>
-            <a:lightRig rig="threePt" dir="t">
-              <a:rot lat="0" lon="0" rev="1200000"/>
-            </a:lightRig>
-          </a:scene3d>
-          <a:sp3d>
-            <a:bevelT w="63500" h="25400"/>
-          </a:sp3d>
-        </a:effectStyle>
-      </a:effectStyleLst>
-      <a:bgFillStyleLst>
-        <a:solidFill>
-          <a:schemeClr val="phClr"/>
-        </a:solidFill>
-        <a:gradFill rotWithShape="1">
-          <a:gsLst>
-            <a:gs pos="0">
-              <a:schemeClr val="phClr">
-                <a:tint val="40000"/>
-                <a:satMod val="350000"/>
-              </a:schemeClr>
-            </a:gs>
-            <a:gs pos="40000">
-              <a:schemeClr val="phClr">
-                <a:tint val="45000"/>
-                <a:shade val="99000"/>
-                <a:satMod val="350000"/>
-              </a:schemeClr>
-            </a:gs>
-            <a:gs pos="100000">
-              <a:schemeClr val="phClr">
-                <a:shade val="20000"/>
-                <a:satMod val="255000"/>
-              </a:schemeClr>
-            </a:gs>
-          </a:gsLst>
-          <a:path path="circle">
-            <a:fillToRect l="50000" t="-80000" r="50000" b="180000"/>
-          </a:path>
-        </a:gradFill>
-        <a:gradFill rotWithShape="1">
-          <a:gsLst>
-            <a:gs pos="0">
-              <a:schemeClr val="phClr">
-                <a:tint val="80000"/>
-                <a:satMod val="300000"/>
-              </a:schemeClr>
-            </a:gs>
-            <a:gs pos="100000">
-              <a:schemeClr val="phClr">
-                <a:shade val="30000"/>
-                <a:satMod val="200000"/>
-              </a:schemeClr>
-            </a:gs>
-          </a:gsLst>
-          <a:path path="circle">
-            <a:fillToRect l="50000" t="50000" r="50000" b="50000"/>
-          </a:path>
-        </a:gradFill>
-      </a:bgFillStyleLst>
-    </a:fmtScheme>
-  </a:themeElements>
+  <a:objectDefaults/>
+  <a:extraClrSchemeLst/>
 </a:theme>
 </file>